--- a/ac2021/CG-work.pptx
+++ b/ac2021/CG-work.pptx
@@ -11,7 +11,7 @@
     <p:sldId id="257" r:id="rId2"/>
     <p:sldId id="264" r:id="rId3"/>
     <p:sldId id="265" r:id="rId4"/>
-    <p:sldId id="268" r:id="rId5"/>
+    <p:sldId id="266" r:id="rId5"/>
     <p:sldId id="267" r:id="rId6"/>
   </p:sldIdLst>
   <p:sldSz cx="12192000" cy="6858000"/>
@@ -200,7 +200,7 @@
           </a:lstStyle>
           <a:p>
             <a:fld id="{0D9CD00E-A89E-6D43-BD2F-6F4E9F2D809F}" type="datetimeFigureOut">
-              <a:t>2021/3/19</a:t>
+              <a:t>2021/3/20</a:t>
             </a:fld>
             <a:endParaRPr lang="fr-FR"/>
           </a:p>
@@ -692,7 +692,7 @@
           <a:bodyPr/>
           <a:lstStyle/>
           <a:p>
-            <a:endParaRPr kumimoji="1" lang="zh-CN" altLang="en-US" dirty="0"/>
+            <a:endParaRPr lang="en-US" altLang="zh-CN" baseline="0" dirty="0" smtClean="0"/>
           </a:p>
         </p:txBody>
       </p:sp>
@@ -703,7 +703,7 @@
             <a:spLocks noGrp="1"/>
           </p:cNvSpPr>
           <p:nvPr>
-            <p:ph type="sldNum" sz="quarter" idx="5"/>
+            <p:ph type="sldNum" sz="quarter" idx="10"/>
           </p:nvPr>
         </p:nvSpPr>
         <p:spPr/>
@@ -713,7 +713,7 @@
           <a:p>
             <a:fld id="{F02F5007-0F52-064D-9BE6-995BAA621A52}" type="slidenum">
               <a:rPr lang="en-US" altLang="zh-CN" smtClean="0"/>
-              <a:t>3</a:t>
+              <a:t>2</a:t>
             </a:fld>
             <a:endParaRPr lang="zh-CN" altLang="en-US"/>
           </a:p>
@@ -722,7 +722,7 @@
     </p:spTree>
     <p:extLst>
       <p:ext uri="{BB962C8B-B14F-4D97-AF65-F5344CB8AC3E}">
-        <p14:creationId xmlns:p14="http://schemas.microsoft.com/office/powerpoint/2010/main" val="1067729720"/>
+        <p14:creationId xmlns:p14="http://schemas.microsoft.com/office/powerpoint/2010/main" val="3177058338"/>
       </p:ext>
     </p:extLst>
   </p:cSld>
@@ -776,1165 +776,7 @@
           <a:bodyPr/>
           <a:lstStyle/>
           <a:p>
-            <a:pPr marL="285750" indent="-285750">
-              <a:lnSpc>
-                <a:spcPct val="150000"/>
-              </a:lnSpc>
-              <a:buFont typeface="Wingdings" panose="05000000000000000000" pitchFamily="2" charset="2"/>
-              <a:buChar char="Ø"/>
-            </a:pPr>
-            <a:r>
-              <a:rPr lang="en-US" altLang="zh-CN" sz="1200" b="1" dirty="0"/>
-              <a:t>To Do:</a:t>
-            </a:r>
-          </a:p>
-          <a:p>
-            <a:pPr marL="342900" indent="-342900">
-              <a:lnSpc>
-                <a:spcPct val="150000"/>
-              </a:lnSpc>
-              <a:buAutoNum type="arabicPeriod"/>
-            </a:pPr>
-            <a:r>
-              <a:rPr lang="zh-CN" altLang="en-US" sz="1200" dirty="0"/>
-              <a:t>给出</a:t>
-            </a:r>
-            <a:r>
-              <a:rPr lang="en-US" altLang="zh-CN" sz="1200" dirty="0"/>
-              <a:t> deep-linking </a:t>
-            </a:r>
-            <a:r>
-              <a:rPr lang="zh-CN" altLang="en-US" sz="1200" dirty="0"/>
-              <a:t>的实践建议</a:t>
-            </a:r>
-            <a:endParaRPr lang="en-US" altLang="zh-CN" sz="1200" dirty="0"/>
-          </a:p>
-          <a:p>
-            <a:pPr marL="342900" indent="-342900">
-              <a:lnSpc>
-                <a:spcPct val="150000"/>
-              </a:lnSpc>
-              <a:buAutoNum type="arabicPeriod"/>
-            </a:pPr>
-            <a:r>
-              <a:rPr lang="zh-CN" altLang="en-US" sz="1200" dirty="0"/>
-              <a:t>规范语法部件格式</a:t>
-            </a:r>
-            <a:endParaRPr lang="en-US" altLang="zh-CN" sz="1200" dirty="0"/>
-          </a:p>
-          <a:p>
-            <a:pPr marL="342900" indent="-342900">
-              <a:lnSpc>
-                <a:spcPct val="150000"/>
-              </a:lnSpc>
-              <a:buAutoNum type="arabicPeriod"/>
-            </a:pPr>
-            <a:r>
-              <a:rPr lang="zh-CN" altLang="en-US" sz="1200" dirty="0"/>
-              <a:t>对于</a:t>
-            </a:r>
-            <a:r>
-              <a:rPr lang="en-US" altLang="zh-CN" sz="1200" dirty="0"/>
-              <a:t> URI </a:t>
-            </a:r>
-            <a:r>
-              <a:rPr lang="zh-CN" altLang="en-US" sz="1200" dirty="0"/>
-              <a:t>的解引用算法</a:t>
-            </a:r>
-            <a:endParaRPr lang="en-US" altLang="zh-CN" sz="1200" dirty="0"/>
-          </a:p>
-          <a:p>
-            <a:pPr marL="342900" indent="-342900">
-              <a:lnSpc>
-                <a:spcPct val="150000"/>
-              </a:lnSpc>
-              <a:buAutoNum type="arabicPeriod"/>
-            </a:pPr>
-            <a:r>
-              <a:rPr lang="zh-CN" altLang="en-US" sz="1200" dirty="0"/>
-              <a:t>安全性考虑</a:t>
-            </a:r>
-            <a:endParaRPr lang="en-US" altLang="zh-CN" sz="1200" dirty="0"/>
-          </a:p>
-          <a:p>
-            <a:pPr marL="342900" indent="-342900">
-              <a:lnSpc>
-                <a:spcPct val="150000"/>
-              </a:lnSpc>
-              <a:buAutoNum type="arabicPeriod"/>
-            </a:pPr>
-            <a:endParaRPr lang="en-US" altLang="zh-CN" sz="1200" dirty="0"/>
-          </a:p>
-          <a:p>
-            <a:pPr marL="0" marR="0" lvl="0" indent="0" algn="l" defTabSz="914400" rtl="0" eaLnBrk="1" fontAlgn="auto" latinLnBrk="0" hangingPunct="1">
-              <a:lnSpc>
-                <a:spcPct val="100000"/>
-              </a:lnSpc>
-              <a:spcBef>
-                <a:spcPts val="0"/>
-              </a:spcBef>
-              <a:spcAft>
-                <a:spcPts val="0"/>
-              </a:spcAft>
-              <a:buClrTx/>
-              <a:buSzTx/>
-              <a:buFontTx/>
-              <a:buNone/>
-              <a:tabLst/>
-              <a:defRPr/>
-            </a:pPr>
-            <a:endParaRPr lang="en-US" altLang="zh-CN" sz="1200" kern="1200" dirty="0">
-              <a:solidFill>
-                <a:schemeClr val="tx1"/>
-              </a:solidFill>
-              <a:effectLst/>
-              <a:latin typeface="+mn-lt"/>
-              <a:ea typeface="+mn-ea"/>
-              <a:cs typeface="+mn-cs"/>
-            </a:endParaRPr>
-          </a:p>
-          <a:p>
-            <a:pPr marL="0" marR="0" lvl="0" indent="0" algn="l" defTabSz="914400" rtl="0" eaLnBrk="1" fontAlgn="auto" latinLnBrk="0" hangingPunct="1">
-              <a:lnSpc>
-                <a:spcPct val="100000"/>
-              </a:lnSpc>
-              <a:spcBef>
-                <a:spcPts val="0"/>
-              </a:spcBef>
-              <a:spcAft>
-                <a:spcPts val="0"/>
-              </a:spcAft>
-              <a:buClrTx/>
-              <a:buSzTx/>
-              <a:buFontTx/>
-              <a:buNone/>
-              <a:tabLst/>
-              <a:defRPr/>
-            </a:pPr>
-            <a:r>
-              <a:rPr lang="zh-CN" altLang="zh-CN" sz="1200" kern="1200" dirty="0">
-                <a:solidFill>
-                  <a:schemeClr val="tx1"/>
-                </a:solidFill>
-                <a:effectLst/>
-                <a:latin typeface="+mn-lt"/>
-                <a:ea typeface="+mn-ea"/>
-                <a:cs typeface="+mn-cs"/>
-              </a:rPr>
-              <a:t>就像普通的</a:t>
-            </a:r>
-            <a:r>
-              <a:rPr lang="en-US" altLang="zh-CN" sz="1200" kern="1200" dirty="0">
-                <a:solidFill>
-                  <a:schemeClr val="tx1"/>
-                </a:solidFill>
-                <a:effectLst/>
-                <a:latin typeface="+mn-lt"/>
-                <a:ea typeface="+mn-ea"/>
-                <a:cs typeface="+mn-cs"/>
-              </a:rPr>
-              <a:t> Web </a:t>
-            </a:r>
-            <a:r>
-              <a:rPr lang="zh-CN" altLang="zh-CN" sz="1200" kern="1200" dirty="0">
-                <a:solidFill>
-                  <a:schemeClr val="tx1"/>
-                </a:solidFill>
-                <a:effectLst/>
-                <a:latin typeface="+mn-lt"/>
-                <a:ea typeface="+mn-ea"/>
-                <a:cs typeface="+mn-cs"/>
-              </a:rPr>
-              <a:t>网页需要用到</a:t>
-            </a:r>
-            <a:r>
-              <a:rPr lang="en-US" altLang="zh-CN" sz="1200" kern="1200" dirty="0">
-                <a:solidFill>
-                  <a:schemeClr val="tx1"/>
-                </a:solidFill>
-                <a:effectLst/>
-                <a:latin typeface="+mn-lt"/>
-                <a:ea typeface="+mn-ea"/>
-                <a:cs typeface="+mn-cs"/>
-              </a:rPr>
-              <a:t> URL </a:t>
-            </a:r>
-            <a:r>
-              <a:rPr lang="zh-CN" altLang="zh-CN" sz="1200" kern="1200" dirty="0">
-                <a:solidFill>
-                  <a:schemeClr val="tx1"/>
-                </a:solidFill>
-                <a:effectLst/>
-                <a:latin typeface="+mn-lt"/>
-                <a:ea typeface="+mn-ea"/>
-                <a:cs typeface="+mn-cs"/>
-              </a:rPr>
-              <a:t>来定位一样，</a:t>
-            </a:r>
-            <a:r>
-              <a:rPr lang="en-US" altLang="zh-CN" sz="1200" kern="1200" dirty="0">
-                <a:solidFill>
-                  <a:schemeClr val="tx1"/>
-                </a:solidFill>
-                <a:effectLst/>
-                <a:latin typeface="+mn-lt"/>
-                <a:ea typeface="+mn-ea"/>
-                <a:cs typeface="+mn-cs"/>
-              </a:rPr>
-              <a:t>MiniApp</a:t>
-            </a:r>
-            <a:r>
-              <a:rPr lang="zh-CN" altLang="en-US" sz="1200" kern="1200" dirty="0">
-                <a:solidFill>
-                  <a:schemeClr val="tx1"/>
-                </a:solidFill>
-                <a:effectLst/>
-                <a:latin typeface="+mn-lt"/>
-                <a:ea typeface="+mn-ea"/>
-                <a:cs typeface="+mn-cs"/>
-              </a:rPr>
-              <a:t> </a:t>
-            </a:r>
-            <a:r>
-              <a:rPr lang="zh-CN" altLang="zh-CN" sz="1200" kern="1200" dirty="0">
-                <a:solidFill>
-                  <a:schemeClr val="tx1"/>
-                </a:solidFill>
-                <a:effectLst/>
-                <a:latin typeface="+mn-lt"/>
-                <a:ea typeface="+mn-ea"/>
-                <a:cs typeface="+mn-cs"/>
-              </a:rPr>
-              <a:t>也用到了统一资源定位符</a:t>
-            </a:r>
-            <a:r>
-              <a:rPr lang="en-US" altLang="zh-CN" sz="1200" kern="1200" dirty="0">
-                <a:solidFill>
-                  <a:schemeClr val="tx1"/>
-                </a:solidFill>
-                <a:effectLst/>
-                <a:latin typeface="+mn-lt"/>
-                <a:ea typeface="+mn-ea"/>
-                <a:cs typeface="+mn-cs"/>
-              </a:rPr>
-              <a:t> URI </a:t>
-            </a:r>
-            <a:r>
-              <a:rPr lang="zh-CN" altLang="zh-CN" sz="1200" kern="1200" dirty="0">
-                <a:solidFill>
-                  <a:schemeClr val="tx1"/>
-                </a:solidFill>
-                <a:effectLst/>
-                <a:latin typeface="+mn-lt"/>
-                <a:ea typeface="+mn-ea"/>
-                <a:cs typeface="+mn-cs"/>
-              </a:rPr>
-              <a:t>来定位资源。</a:t>
-            </a:r>
-            <a:r>
-              <a:rPr lang="zh-CN" altLang="en-US" sz="1200" kern="1200" dirty="0">
-                <a:solidFill>
-                  <a:schemeClr val="tx1"/>
-                </a:solidFill>
-                <a:effectLst/>
-                <a:latin typeface="+mn-lt"/>
-                <a:ea typeface="+mn-ea"/>
-                <a:cs typeface="+mn-cs"/>
-              </a:rPr>
-              <a:t>而 </a:t>
-            </a:r>
-            <a:r>
-              <a:rPr lang="en-US" altLang="zh-CN" sz="1200" kern="1200" dirty="0">
-                <a:solidFill>
-                  <a:schemeClr val="tx1"/>
-                </a:solidFill>
-                <a:effectLst/>
-                <a:latin typeface="+mn-lt"/>
-                <a:ea typeface="+mn-ea"/>
-                <a:cs typeface="+mn-cs"/>
-              </a:rPr>
-              <a:t>MiniApp Addressing </a:t>
-            </a:r>
-            <a:r>
-              <a:rPr lang="zh-CN" altLang="en-US" sz="1200" kern="1200" dirty="0">
-                <a:solidFill>
-                  <a:schemeClr val="tx1"/>
-                </a:solidFill>
-                <a:effectLst/>
-                <a:latin typeface="+mn-lt"/>
-                <a:ea typeface="+mn-ea"/>
-                <a:cs typeface="+mn-cs"/>
-              </a:rPr>
-              <a:t>机制则定义了</a:t>
-            </a:r>
-            <a:r>
-              <a:rPr lang="en-US" altLang="zh-CN" sz="1200" kern="1200" dirty="0">
-                <a:solidFill>
-                  <a:schemeClr val="tx1"/>
-                </a:solidFill>
-                <a:effectLst/>
-                <a:latin typeface="+mn-lt"/>
-                <a:ea typeface="+mn-ea"/>
-                <a:cs typeface="+mn-cs"/>
-              </a:rPr>
-              <a:t>MiniApp</a:t>
-            </a:r>
-            <a:r>
-              <a:rPr lang="zh-CN" altLang="en-US" sz="1200" kern="1200" dirty="0">
-                <a:solidFill>
-                  <a:schemeClr val="tx1"/>
-                </a:solidFill>
-                <a:effectLst/>
-                <a:latin typeface="+mn-lt"/>
-                <a:ea typeface="+mn-ea"/>
-                <a:cs typeface="+mn-cs"/>
-              </a:rPr>
-              <a:t>的定位方式。</a:t>
-            </a:r>
-            <a:endParaRPr lang="en-US" altLang="zh-CN" sz="1200" kern="1200" dirty="0">
-              <a:solidFill>
-                <a:schemeClr val="tx1"/>
-              </a:solidFill>
-              <a:effectLst/>
-              <a:latin typeface="+mn-lt"/>
-              <a:ea typeface="+mn-ea"/>
-              <a:cs typeface="+mn-cs"/>
-            </a:endParaRPr>
-          </a:p>
-          <a:p>
-            <a:pPr marL="0" marR="0" lvl="0" indent="0" algn="l" defTabSz="914400" rtl="0" eaLnBrk="1" fontAlgn="auto" latinLnBrk="0" hangingPunct="1">
-              <a:lnSpc>
-                <a:spcPct val="100000"/>
-              </a:lnSpc>
-              <a:spcBef>
-                <a:spcPts val="0"/>
-              </a:spcBef>
-              <a:spcAft>
-                <a:spcPts val="0"/>
-              </a:spcAft>
-              <a:buClrTx/>
-              <a:buSzTx/>
-              <a:buFontTx/>
-              <a:buNone/>
-              <a:tabLst/>
-              <a:defRPr/>
-            </a:pPr>
-            <a:endParaRPr lang="en-US" altLang="zh-CN" sz="1200" kern="1200" dirty="0">
-              <a:solidFill>
-                <a:schemeClr val="tx1"/>
-              </a:solidFill>
-              <a:effectLst/>
-              <a:latin typeface="+mn-lt"/>
-              <a:ea typeface="+mn-ea"/>
-              <a:cs typeface="+mn-cs"/>
-            </a:endParaRPr>
-          </a:p>
-          <a:p>
-            <a:pPr marL="0" marR="0" lvl="0" indent="0" algn="l" defTabSz="914400" rtl="0" eaLnBrk="1" fontAlgn="auto" latinLnBrk="0" hangingPunct="1">
-              <a:lnSpc>
-                <a:spcPct val="100000"/>
-              </a:lnSpc>
-              <a:spcBef>
-                <a:spcPts val="0"/>
-              </a:spcBef>
-              <a:spcAft>
-                <a:spcPts val="0"/>
-              </a:spcAft>
-              <a:buClrTx/>
-              <a:buSzTx/>
-              <a:buFontTx/>
-              <a:buNone/>
-              <a:tabLst/>
-              <a:defRPr/>
-            </a:pPr>
-            <a:r>
-              <a:rPr lang="zh-CN" altLang="en-US" sz="1200" kern="1200" dirty="0">
-                <a:solidFill>
-                  <a:schemeClr val="tx1"/>
-                </a:solidFill>
-                <a:effectLst/>
-                <a:latin typeface="+mn-lt"/>
-                <a:ea typeface="+mn-ea"/>
-                <a:cs typeface="+mn-cs"/>
-              </a:rPr>
-              <a:t>在之前</a:t>
-            </a:r>
-            <a:r>
-              <a:rPr lang="en-US" altLang="zh-CN" sz="1200" kern="1200" dirty="0">
-                <a:solidFill>
-                  <a:schemeClr val="tx1"/>
-                </a:solidFill>
-                <a:effectLst/>
-                <a:latin typeface="+mn-lt"/>
-                <a:ea typeface="+mn-ea"/>
-                <a:cs typeface="+mn-cs"/>
-              </a:rPr>
-              <a:t> Miniapp</a:t>
-            </a:r>
-            <a:r>
-              <a:rPr lang="zh-CN" altLang="en-US" sz="1200" kern="1200" dirty="0">
-                <a:solidFill>
-                  <a:schemeClr val="tx1"/>
-                </a:solidFill>
-                <a:effectLst/>
-                <a:latin typeface="+mn-lt"/>
-                <a:ea typeface="+mn-ea"/>
-                <a:cs typeface="+mn-cs"/>
-              </a:rPr>
-              <a:t> </a:t>
-            </a:r>
-            <a:r>
-              <a:rPr lang="en-US" altLang="zh-CN" sz="1200" kern="1200" dirty="0">
-                <a:solidFill>
-                  <a:schemeClr val="tx1"/>
-                </a:solidFill>
-                <a:effectLst/>
-                <a:latin typeface="+mn-lt"/>
-                <a:ea typeface="+mn-ea"/>
-                <a:cs typeface="+mn-cs"/>
-              </a:rPr>
-              <a:t>CG</a:t>
-            </a:r>
-            <a:r>
-              <a:rPr lang="zh-CN" altLang="en-US" sz="1200" kern="1200" dirty="0">
-                <a:solidFill>
-                  <a:schemeClr val="tx1"/>
-                </a:solidFill>
-                <a:effectLst/>
-                <a:latin typeface="+mn-lt"/>
-                <a:ea typeface="+mn-ea"/>
-                <a:cs typeface="+mn-cs"/>
-              </a:rPr>
-              <a:t> 的工作中，我们设计了 </a:t>
-            </a:r>
-            <a:r>
-              <a:rPr lang="en-US" altLang="zh-CN" sz="1200" kern="1200" dirty="0">
-                <a:solidFill>
-                  <a:schemeClr val="tx1"/>
-                </a:solidFill>
-                <a:effectLst/>
-                <a:latin typeface="+mn-lt"/>
-                <a:ea typeface="+mn-ea"/>
-                <a:cs typeface="+mn-cs"/>
-              </a:rPr>
-              <a:t>miniapp</a:t>
-            </a:r>
-            <a:r>
-              <a:rPr lang="zh-CN" altLang="en-US" sz="1200" kern="1200" dirty="0">
-                <a:solidFill>
-                  <a:schemeClr val="tx1"/>
-                </a:solidFill>
-                <a:effectLst/>
-                <a:latin typeface="+mn-lt"/>
-                <a:ea typeface="+mn-ea"/>
-                <a:cs typeface="+mn-cs"/>
-              </a:rPr>
-              <a:t> </a:t>
-            </a:r>
-            <a:r>
-              <a:rPr lang="en-US" altLang="zh-CN" sz="1200" kern="1200" dirty="0" err="1">
-                <a:solidFill>
-                  <a:schemeClr val="tx1"/>
-                </a:solidFill>
-                <a:effectLst/>
-                <a:latin typeface="+mn-lt"/>
-                <a:ea typeface="+mn-ea"/>
-                <a:cs typeface="+mn-cs"/>
-              </a:rPr>
-              <a:t>uri</a:t>
-            </a:r>
-            <a:r>
-              <a:rPr lang="en-US" altLang="zh-CN" sz="1200" kern="1200" dirty="0">
-                <a:solidFill>
-                  <a:schemeClr val="tx1"/>
-                </a:solidFill>
-                <a:effectLst/>
-                <a:latin typeface="+mn-lt"/>
-                <a:ea typeface="+mn-ea"/>
-                <a:cs typeface="+mn-cs"/>
-              </a:rPr>
-              <a:t> </a:t>
-            </a:r>
-            <a:r>
-              <a:rPr lang="zh-CN" altLang="en-US" sz="1200" kern="1200" dirty="0">
-                <a:solidFill>
-                  <a:schemeClr val="tx1"/>
-                </a:solidFill>
-                <a:effectLst/>
-                <a:latin typeface="+mn-lt"/>
-                <a:ea typeface="+mn-ea"/>
-                <a:cs typeface="+mn-cs"/>
-              </a:rPr>
-              <a:t>的 </a:t>
-            </a:r>
-            <a:r>
-              <a:rPr lang="en-US" altLang="zh-CN" sz="1200" kern="1200" dirty="0">
-                <a:solidFill>
-                  <a:schemeClr val="tx1"/>
-                </a:solidFill>
-                <a:effectLst/>
-                <a:latin typeface="+mn-lt"/>
-                <a:ea typeface="+mn-ea"/>
-                <a:cs typeface="+mn-cs"/>
-              </a:rPr>
-              <a:t>scheme</a:t>
-            </a:r>
-            <a:r>
-              <a:rPr lang="zh-CN" altLang="en-US" sz="1200" kern="1200" dirty="0">
-                <a:solidFill>
-                  <a:schemeClr val="tx1"/>
-                </a:solidFill>
-                <a:effectLst/>
-                <a:latin typeface="+mn-lt"/>
-                <a:ea typeface="+mn-ea"/>
-                <a:cs typeface="+mn-cs"/>
-              </a:rPr>
-              <a:t>、</a:t>
-            </a:r>
-            <a:r>
-              <a:rPr lang="en-US" altLang="zh-CN" sz="1200" kern="1200" dirty="0">
-                <a:solidFill>
-                  <a:schemeClr val="tx1"/>
-                </a:solidFill>
-                <a:effectLst/>
-                <a:latin typeface="+mn-lt"/>
-                <a:ea typeface="+mn-ea"/>
-                <a:cs typeface="+mn-cs"/>
-              </a:rPr>
-              <a:t> authority</a:t>
-            </a:r>
-            <a:r>
-              <a:rPr lang="zh-CN" altLang="en-US" sz="1200" kern="1200" dirty="0">
-                <a:solidFill>
-                  <a:schemeClr val="tx1"/>
-                </a:solidFill>
-                <a:effectLst/>
-                <a:latin typeface="+mn-lt"/>
-                <a:ea typeface="+mn-ea"/>
-                <a:cs typeface="+mn-cs"/>
-              </a:rPr>
-              <a:t>、</a:t>
-            </a:r>
-            <a:r>
-              <a:rPr lang="en-US" altLang="zh-CN" sz="1200" kern="1200" dirty="0">
-                <a:solidFill>
-                  <a:schemeClr val="tx1"/>
-                </a:solidFill>
-                <a:effectLst/>
-                <a:latin typeface="+mn-lt"/>
-                <a:ea typeface="+mn-ea"/>
-                <a:cs typeface="+mn-cs"/>
-              </a:rPr>
-              <a:t>path</a:t>
-            </a:r>
-            <a:r>
-              <a:rPr lang="zh-CN" altLang="en-US" sz="1200" kern="1200" dirty="0">
-                <a:solidFill>
-                  <a:schemeClr val="tx1"/>
-                </a:solidFill>
-                <a:effectLst/>
-                <a:latin typeface="+mn-lt"/>
-                <a:ea typeface="+mn-ea"/>
-                <a:cs typeface="+mn-cs"/>
-              </a:rPr>
-              <a:t>、</a:t>
-            </a:r>
-            <a:r>
-              <a:rPr lang="en-US" altLang="zh-CN" sz="1200" kern="1200" dirty="0">
-                <a:solidFill>
-                  <a:schemeClr val="tx1"/>
-                </a:solidFill>
-                <a:effectLst/>
-                <a:latin typeface="+mn-lt"/>
-                <a:ea typeface="+mn-ea"/>
-                <a:cs typeface="+mn-cs"/>
-              </a:rPr>
-              <a:t>id</a:t>
-            </a:r>
-            <a:r>
-              <a:rPr lang="zh-CN" altLang="en-US" sz="1200" kern="1200" dirty="0">
-                <a:solidFill>
-                  <a:schemeClr val="tx1"/>
-                </a:solidFill>
-                <a:effectLst/>
-                <a:latin typeface="+mn-lt"/>
-                <a:ea typeface="+mn-ea"/>
-                <a:cs typeface="+mn-cs"/>
-              </a:rPr>
-              <a:t> 和 </a:t>
-            </a:r>
-            <a:r>
-              <a:rPr lang="en-US" altLang="zh-CN" sz="1200" kern="1200" dirty="0">
-                <a:solidFill>
-                  <a:schemeClr val="tx1"/>
-                </a:solidFill>
-                <a:effectLst/>
-                <a:latin typeface="+mn-lt"/>
-                <a:ea typeface="+mn-ea"/>
-                <a:cs typeface="+mn-cs"/>
-              </a:rPr>
-              <a:t>version</a:t>
-            </a:r>
-            <a:r>
-              <a:rPr lang="zh-CN" altLang="en-US" sz="1200" kern="1200" dirty="0">
-                <a:solidFill>
-                  <a:schemeClr val="tx1"/>
-                </a:solidFill>
-                <a:effectLst/>
-                <a:latin typeface="+mn-lt"/>
-                <a:ea typeface="+mn-ea"/>
-                <a:cs typeface="+mn-cs"/>
-              </a:rPr>
-              <a:t> 等信息和 </a:t>
-            </a:r>
-            <a:r>
-              <a:rPr lang="en-US" altLang="zh-CN" sz="1200" kern="1200" dirty="0">
-                <a:solidFill>
-                  <a:schemeClr val="tx1"/>
-                </a:solidFill>
-                <a:effectLst/>
-                <a:latin typeface="+mn-lt"/>
-                <a:ea typeface="+mn-ea"/>
-                <a:cs typeface="+mn-cs"/>
-              </a:rPr>
-              <a:t>MiniApp</a:t>
-            </a:r>
-            <a:r>
-              <a:rPr lang="zh-CN" altLang="en-US" sz="1200" kern="1200" dirty="0">
-                <a:solidFill>
-                  <a:schemeClr val="tx1"/>
-                </a:solidFill>
-                <a:effectLst/>
-                <a:latin typeface="+mn-lt"/>
-                <a:ea typeface="+mn-ea"/>
-                <a:cs typeface="+mn-cs"/>
-              </a:rPr>
-              <a:t> 的映射关系。</a:t>
-            </a:r>
-            <a:endParaRPr lang="en-US" altLang="zh-CN" sz="1200" kern="1200" dirty="0">
-              <a:solidFill>
-                <a:schemeClr val="tx1"/>
-              </a:solidFill>
-              <a:effectLst/>
-              <a:latin typeface="+mn-lt"/>
-              <a:ea typeface="+mn-ea"/>
-              <a:cs typeface="+mn-cs"/>
-            </a:endParaRPr>
-          </a:p>
-          <a:p>
-            <a:pPr marL="0" marR="0" lvl="0" indent="0" algn="l" defTabSz="914400" rtl="0" eaLnBrk="1" fontAlgn="auto" latinLnBrk="0" hangingPunct="1">
-              <a:lnSpc>
-                <a:spcPct val="100000"/>
-              </a:lnSpc>
-              <a:spcBef>
-                <a:spcPts val="0"/>
-              </a:spcBef>
-              <a:spcAft>
-                <a:spcPts val="0"/>
-              </a:spcAft>
-              <a:buClrTx/>
-              <a:buSzTx/>
-              <a:buFontTx/>
-              <a:buNone/>
-              <a:tabLst/>
-              <a:defRPr/>
-            </a:pPr>
-            <a:endParaRPr lang="en-US" altLang="zh-CN" sz="1200" kern="1200" dirty="0">
-              <a:solidFill>
-                <a:schemeClr val="tx1"/>
-              </a:solidFill>
-              <a:effectLst/>
-              <a:latin typeface="+mn-lt"/>
-              <a:ea typeface="+mn-ea"/>
-              <a:cs typeface="+mn-cs"/>
-            </a:endParaRPr>
-          </a:p>
-          <a:p>
-            <a:pPr marL="0" marR="0" lvl="0" indent="0" algn="l" defTabSz="914400" rtl="0" eaLnBrk="1" fontAlgn="auto" latinLnBrk="0" hangingPunct="1">
-              <a:lnSpc>
-                <a:spcPct val="100000"/>
-              </a:lnSpc>
-              <a:spcBef>
-                <a:spcPts val="0"/>
-              </a:spcBef>
-              <a:spcAft>
-                <a:spcPts val="0"/>
-              </a:spcAft>
-              <a:buClrTx/>
-              <a:buSzTx/>
-              <a:buFontTx/>
-              <a:buNone/>
-              <a:tabLst/>
-              <a:defRPr/>
-            </a:pPr>
-            <a:r>
-              <a:rPr lang="zh-CN" altLang="en-US" sz="1200" kern="1200" dirty="0">
-                <a:solidFill>
-                  <a:schemeClr val="tx1"/>
-                </a:solidFill>
-                <a:effectLst/>
-                <a:latin typeface="+mn-lt"/>
-                <a:ea typeface="+mn-ea"/>
-                <a:cs typeface="+mn-cs"/>
-              </a:rPr>
-              <a:t>在 </a:t>
-            </a:r>
-            <a:r>
-              <a:rPr lang="en-US" altLang="zh-CN" sz="1200" kern="1200" dirty="0">
-                <a:solidFill>
-                  <a:schemeClr val="tx1"/>
-                </a:solidFill>
-                <a:effectLst/>
-                <a:latin typeface="+mn-lt"/>
-                <a:ea typeface="+mn-ea"/>
-                <a:cs typeface="+mn-cs"/>
-              </a:rPr>
-              <a:t>miniapp</a:t>
-            </a:r>
-            <a:r>
-              <a:rPr lang="zh-CN" altLang="en-US" sz="1200" kern="1200" dirty="0">
-                <a:solidFill>
-                  <a:schemeClr val="tx1"/>
-                </a:solidFill>
-                <a:effectLst/>
-                <a:latin typeface="+mn-lt"/>
-                <a:ea typeface="+mn-ea"/>
-                <a:cs typeface="+mn-cs"/>
-              </a:rPr>
-              <a:t> </a:t>
-            </a:r>
-            <a:r>
-              <a:rPr lang="en-US" altLang="zh-CN" sz="1200" kern="1200" dirty="0">
-                <a:solidFill>
-                  <a:schemeClr val="tx1"/>
-                </a:solidFill>
-                <a:effectLst/>
-                <a:latin typeface="+mn-lt"/>
-                <a:ea typeface="+mn-ea"/>
-                <a:cs typeface="+mn-cs"/>
-              </a:rPr>
-              <a:t>Addressing</a:t>
-            </a:r>
-            <a:r>
-              <a:rPr lang="zh-CN" altLang="en-US" sz="1200" kern="1200" dirty="0">
-                <a:solidFill>
-                  <a:schemeClr val="tx1"/>
-                </a:solidFill>
-                <a:effectLst/>
-                <a:latin typeface="+mn-lt"/>
-                <a:ea typeface="+mn-ea"/>
-                <a:cs typeface="+mn-cs"/>
-              </a:rPr>
-              <a:t> 中，会给出</a:t>
-            </a:r>
-            <a:r>
-              <a:rPr lang="en-US" altLang="zh-CN" sz="1200" kern="1200" dirty="0">
-                <a:solidFill>
-                  <a:schemeClr val="tx1"/>
-                </a:solidFill>
-                <a:effectLst/>
-                <a:latin typeface="+mn-lt"/>
-                <a:ea typeface="+mn-ea"/>
-                <a:cs typeface="+mn-cs"/>
-              </a:rPr>
-              <a:t> scheme </a:t>
-            </a:r>
-            <a:r>
-              <a:rPr lang="zh-CN" altLang="en-US" sz="1200" kern="1200" dirty="0">
-                <a:solidFill>
-                  <a:schemeClr val="tx1"/>
-                </a:solidFill>
-                <a:effectLst/>
-                <a:latin typeface="+mn-lt"/>
-                <a:ea typeface="+mn-ea"/>
-                <a:cs typeface="+mn-cs"/>
-              </a:rPr>
-              <a:t>的最佳实践经验，而非规定</a:t>
-            </a:r>
-            <a:r>
-              <a:rPr lang="en-US" altLang="zh-CN" sz="1200" kern="1200" dirty="0">
-                <a:solidFill>
-                  <a:schemeClr val="tx1"/>
-                </a:solidFill>
-                <a:effectLst/>
-                <a:latin typeface="+mn-lt"/>
-                <a:ea typeface="+mn-ea"/>
-                <a:cs typeface="+mn-cs"/>
-              </a:rPr>
-              <a:t> scheme</a:t>
-            </a:r>
-            <a:r>
-              <a:rPr lang="zh-CN" altLang="en-US" sz="1200" kern="1200" dirty="0">
-                <a:solidFill>
-                  <a:schemeClr val="tx1"/>
-                </a:solidFill>
-                <a:effectLst/>
-                <a:latin typeface="+mn-lt"/>
-                <a:ea typeface="+mn-ea"/>
-                <a:cs typeface="+mn-cs"/>
-              </a:rPr>
-              <a:t>，比如使用</a:t>
-            </a:r>
-            <a:r>
-              <a:rPr lang="en-US" altLang="zh-CN" sz="1200" kern="1200" dirty="0">
-                <a:solidFill>
-                  <a:schemeClr val="tx1"/>
-                </a:solidFill>
-                <a:effectLst/>
-                <a:latin typeface="+mn-lt"/>
-                <a:ea typeface="+mn-ea"/>
-                <a:cs typeface="+mn-cs"/>
-              </a:rPr>
-              <a:t> deep</a:t>
-            </a:r>
-            <a:r>
-              <a:rPr lang="zh-CN" altLang="en-US" sz="1200" kern="1200" dirty="0">
-                <a:solidFill>
-                  <a:schemeClr val="tx1"/>
-                </a:solidFill>
-                <a:effectLst/>
-                <a:latin typeface="+mn-lt"/>
-                <a:ea typeface="+mn-ea"/>
-                <a:cs typeface="+mn-cs"/>
-              </a:rPr>
-              <a:t> </a:t>
-            </a:r>
-            <a:r>
-              <a:rPr lang="en-US" altLang="zh-CN" sz="1200" kern="1200" dirty="0">
-                <a:solidFill>
-                  <a:schemeClr val="tx1"/>
-                </a:solidFill>
-                <a:effectLst/>
-                <a:latin typeface="+mn-lt"/>
-                <a:ea typeface="+mn-ea"/>
-                <a:cs typeface="+mn-cs"/>
-              </a:rPr>
-              <a:t>linking</a:t>
-            </a:r>
-            <a:r>
-              <a:rPr lang="zh-CN" altLang="en-US" sz="1200" kern="1200" dirty="0">
-                <a:solidFill>
-                  <a:schemeClr val="tx1"/>
-                </a:solidFill>
-                <a:effectLst/>
-                <a:latin typeface="+mn-lt"/>
-                <a:ea typeface="+mn-ea"/>
-                <a:cs typeface="+mn-cs"/>
-              </a:rPr>
-              <a:t> 的方式。</a:t>
-            </a:r>
-            <a:endParaRPr lang="en-US" altLang="zh-CN" sz="1200" kern="1200" dirty="0">
-              <a:solidFill>
-                <a:schemeClr val="tx1"/>
-              </a:solidFill>
-              <a:effectLst/>
-              <a:latin typeface="+mn-lt"/>
-              <a:ea typeface="+mn-ea"/>
-              <a:cs typeface="+mn-cs"/>
-            </a:endParaRPr>
-          </a:p>
-          <a:p>
-            <a:pPr marL="0" marR="0" lvl="0" indent="0" algn="l" defTabSz="914400" rtl="0" eaLnBrk="1" fontAlgn="auto" latinLnBrk="0" hangingPunct="1">
-              <a:lnSpc>
-                <a:spcPct val="100000"/>
-              </a:lnSpc>
-              <a:spcBef>
-                <a:spcPts val="0"/>
-              </a:spcBef>
-              <a:spcAft>
-                <a:spcPts val="0"/>
-              </a:spcAft>
-              <a:buClrTx/>
-              <a:buSzTx/>
-              <a:buFontTx/>
-              <a:buNone/>
-              <a:tabLst/>
-              <a:defRPr/>
-            </a:pPr>
-            <a:endParaRPr lang="en-US" altLang="zh-CN" sz="1200" kern="1200" dirty="0">
-              <a:solidFill>
-                <a:schemeClr val="tx1"/>
-              </a:solidFill>
-              <a:effectLst/>
-              <a:latin typeface="+mn-lt"/>
-              <a:ea typeface="+mn-ea"/>
-              <a:cs typeface="+mn-cs"/>
-            </a:endParaRPr>
-          </a:p>
-          <a:p>
-            <a:pPr marL="0" marR="0" lvl="0" indent="0" algn="l" defTabSz="914400" rtl="0" eaLnBrk="1" fontAlgn="auto" latinLnBrk="0" hangingPunct="1">
-              <a:lnSpc>
-                <a:spcPct val="100000"/>
-              </a:lnSpc>
-              <a:spcBef>
-                <a:spcPts val="0"/>
-              </a:spcBef>
-              <a:spcAft>
-                <a:spcPts val="0"/>
-              </a:spcAft>
-              <a:buClrTx/>
-              <a:buSzTx/>
-              <a:buFontTx/>
-              <a:buNone/>
-              <a:tabLst/>
-              <a:defRPr/>
-            </a:pPr>
-            <a:r>
-              <a:rPr lang="zh-CN" altLang="en-US" sz="1200" kern="1200" dirty="0">
-                <a:solidFill>
-                  <a:schemeClr val="tx1"/>
-                </a:solidFill>
-                <a:effectLst/>
-                <a:latin typeface="+mn-lt"/>
-                <a:ea typeface="+mn-ea"/>
-                <a:cs typeface="+mn-cs"/>
-              </a:rPr>
-              <a:t>我们还会规范 </a:t>
-            </a:r>
-            <a:r>
-              <a:rPr lang="en-US" altLang="zh-CN" sz="1200" kern="1200" dirty="0">
-                <a:solidFill>
-                  <a:schemeClr val="tx1"/>
-                </a:solidFill>
-                <a:effectLst/>
-                <a:latin typeface="+mn-lt"/>
-                <a:ea typeface="+mn-ea"/>
-                <a:cs typeface="+mn-cs"/>
-              </a:rPr>
-              <a:t>MiniApp URI</a:t>
-            </a:r>
-            <a:r>
-              <a:rPr lang="zh-CN" altLang="en-US" sz="1200" kern="1200" dirty="0">
-                <a:solidFill>
-                  <a:schemeClr val="tx1"/>
-                </a:solidFill>
-                <a:effectLst/>
-                <a:latin typeface="+mn-lt"/>
-                <a:ea typeface="+mn-ea"/>
-                <a:cs typeface="+mn-cs"/>
-              </a:rPr>
-              <a:t> 中的包信息、页面路径、参数信息的语法格式，以及这些语法部件在小程序中的含义。</a:t>
-            </a:r>
-            <a:endParaRPr lang="en-US" altLang="zh-CN" sz="1200" kern="1200" dirty="0">
-              <a:solidFill>
-                <a:schemeClr val="tx1"/>
-              </a:solidFill>
-              <a:effectLst/>
-              <a:latin typeface="+mn-lt"/>
-              <a:ea typeface="+mn-ea"/>
-              <a:cs typeface="+mn-cs"/>
-            </a:endParaRPr>
-          </a:p>
-          <a:p>
-            <a:pPr marL="0" marR="0" lvl="0" indent="0" algn="l" defTabSz="914400" rtl="0" eaLnBrk="1" fontAlgn="auto" latinLnBrk="0" hangingPunct="1">
-              <a:lnSpc>
-                <a:spcPct val="100000"/>
-              </a:lnSpc>
-              <a:spcBef>
-                <a:spcPts val="0"/>
-              </a:spcBef>
-              <a:spcAft>
-                <a:spcPts val="0"/>
-              </a:spcAft>
-              <a:buClrTx/>
-              <a:buSzTx/>
-              <a:buFontTx/>
-              <a:buNone/>
-              <a:tabLst/>
-              <a:defRPr/>
-            </a:pPr>
-            <a:endParaRPr lang="en-US" altLang="zh-CN" sz="1200" kern="1200" dirty="0">
-              <a:solidFill>
-                <a:schemeClr val="tx1"/>
-              </a:solidFill>
-              <a:effectLst/>
-              <a:latin typeface="+mn-lt"/>
-              <a:ea typeface="+mn-ea"/>
-              <a:cs typeface="+mn-cs"/>
-            </a:endParaRPr>
-          </a:p>
-          <a:p>
-            <a:pPr marL="0" marR="0" lvl="0" indent="0" algn="l" defTabSz="914400" rtl="0" eaLnBrk="1" fontAlgn="auto" latinLnBrk="0" hangingPunct="1">
-              <a:lnSpc>
-                <a:spcPct val="100000"/>
-              </a:lnSpc>
-              <a:spcBef>
-                <a:spcPts val="0"/>
-              </a:spcBef>
-              <a:spcAft>
-                <a:spcPts val="0"/>
-              </a:spcAft>
-              <a:buClrTx/>
-              <a:buSzTx/>
-              <a:buFontTx/>
-              <a:buNone/>
-              <a:tabLst/>
-              <a:defRPr/>
-            </a:pPr>
-            <a:r>
-              <a:rPr lang="en-US" altLang="zh-CN" sz="1200" kern="1200" dirty="0">
-                <a:solidFill>
-                  <a:schemeClr val="tx1"/>
-                </a:solidFill>
-                <a:effectLst/>
-                <a:latin typeface="+mn-lt"/>
-                <a:ea typeface="+mn-ea"/>
-                <a:cs typeface="+mn-cs"/>
-              </a:rPr>
-              <a:t>miniapp</a:t>
-            </a:r>
-            <a:r>
-              <a:rPr lang="zh-CN" altLang="en-US" sz="1200" kern="1200" dirty="0">
-                <a:solidFill>
-                  <a:schemeClr val="tx1"/>
-                </a:solidFill>
-                <a:effectLst/>
-                <a:latin typeface="+mn-lt"/>
-                <a:ea typeface="+mn-ea"/>
-                <a:cs typeface="+mn-cs"/>
-              </a:rPr>
-              <a:t> </a:t>
-            </a:r>
-            <a:r>
-              <a:rPr lang="en-US" altLang="zh-CN" sz="1200" kern="1200" dirty="0">
-                <a:solidFill>
-                  <a:schemeClr val="tx1"/>
-                </a:solidFill>
-                <a:effectLst/>
-                <a:latin typeface="+mn-lt"/>
-                <a:ea typeface="+mn-ea"/>
-                <a:cs typeface="+mn-cs"/>
-              </a:rPr>
-              <a:t>Addressing</a:t>
-            </a:r>
-            <a:r>
-              <a:rPr lang="zh-CN" altLang="en-US" sz="1200" kern="1200" dirty="0">
-                <a:solidFill>
-                  <a:schemeClr val="tx1"/>
-                </a:solidFill>
-                <a:effectLst/>
-                <a:latin typeface="+mn-lt"/>
-                <a:ea typeface="+mn-ea"/>
-                <a:cs typeface="+mn-cs"/>
-              </a:rPr>
-              <a:t> 还会定义宿主平台对 </a:t>
-            </a:r>
-            <a:r>
-              <a:rPr lang="en-US" altLang="zh-CN" sz="1200" kern="1200" dirty="0">
-                <a:solidFill>
-                  <a:schemeClr val="tx1"/>
-                </a:solidFill>
-                <a:effectLst/>
-                <a:latin typeface="+mn-lt"/>
-                <a:ea typeface="+mn-ea"/>
-                <a:cs typeface="+mn-cs"/>
-              </a:rPr>
-              <a:t>MiniApp </a:t>
-            </a:r>
-            <a:r>
-              <a:rPr lang="zh-CN" altLang="en-US" sz="1200" kern="1200" dirty="0">
-                <a:solidFill>
-                  <a:schemeClr val="tx1"/>
-                </a:solidFill>
-                <a:effectLst/>
-                <a:latin typeface="+mn-lt"/>
-                <a:ea typeface="+mn-ea"/>
-                <a:cs typeface="+mn-cs"/>
-              </a:rPr>
-              <a:t>定位协议的解引用算法；</a:t>
-            </a:r>
-            <a:endParaRPr lang="en-US" altLang="zh-CN" sz="1200" kern="1200" dirty="0">
-              <a:solidFill>
-                <a:schemeClr val="tx1"/>
-              </a:solidFill>
-              <a:effectLst/>
-              <a:latin typeface="+mn-lt"/>
-              <a:ea typeface="+mn-ea"/>
-              <a:cs typeface="+mn-cs"/>
-            </a:endParaRPr>
-          </a:p>
-          <a:p>
-            <a:pPr marL="0" marR="0" lvl="0" indent="0" algn="l" defTabSz="914400" rtl="0" eaLnBrk="1" fontAlgn="auto" latinLnBrk="0" hangingPunct="1">
-              <a:lnSpc>
-                <a:spcPct val="100000"/>
-              </a:lnSpc>
-              <a:spcBef>
-                <a:spcPts val="0"/>
-              </a:spcBef>
-              <a:spcAft>
-                <a:spcPts val="0"/>
-              </a:spcAft>
-              <a:buClrTx/>
-              <a:buSzTx/>
-              <a:buFontTx/>
-              <a:buNone/>
-              <a:tabLst/>
-              <a:defRPr/>
-            </a:pPr>
-            <a:endParaRPr lang="en-US" altLang="zh-CN" sz="1200" kern="1200" dirty="0">
-              <a:solidFill>
-                <a:schemeClr val="tx1"/>
-              </a:solidFill>
-              <a:effectLst/>
-              <a:latin typeface="+mn-lt"/>
-              <a:ea typeface="+mn-ea"/>
-              <a:cs typeface="+mn-cs"/>
-            </a:endParaRPr>
-          </a:p>
-          <a:p>
-            <a:pPr marL="0" marR="0" lvl="0" indent="0" algn="l" defTabSz="914400" rtl="0" eaLnBrk="1" fontAlgn="auto" latinLnBrk="0" hangingPunct="1">
-              <a:lnSpc>
-                <a:spcPct val="100000"/>
-              </a:lnSpc>
-              <a:spcBef>
-                <a:spcPts val="0"/>
-              </a:spcBef>
-              <a:spcAft>
-                <a:spcPts val="0"/>
-              </a:spcAft>
-              <a:buClrTx/>
-              <a:buSzTx/>
-              <a:buFontTx/>
-              <a:buNone/>
-              <a:tabLst/>
-              <a:defRPr/>
-            </a:pPr>
-            <a:r>
-              <a:rPr lang="zh-CN" altLang="en-US" sz="1200" kern="1200" dirty="0">
-                <a:solidFill>
-                  <a:schemeClr val="tx1"/>
-                </a:solidFill>
-                <a:effectLst/>
-                <a:latin typeface="+mn-lt"/>
-                <a:ea typeface="+mn-ea"/>
-                <a:cs typeface="+mn-cs"/>
-              </a:rPr>
-              <a:t>并且会提出 </a:t>
-            </a:r>
-            <a:r>
-              <a:rPr lang="en-US" altLang="zh-CN" sz="1200" kern="1200" dirty="0">
-                <a:solidFill>
-                  <a:schemeClr val="tx1"/>
-                </a:solidFill>
-                <a:effectLst/>
-                <a:latin typeface="+mn-lt"/>
-                <a:ea typeface="+mn-ea"/>
-                <a:cs typeface="+mn-cs"/>
-              </a:rPr>
-              <a:t>Addressing </a:t>
-            </a:r>
-            <a:r>
-              <a:rPr lang="zh-CN" altLang="en-US" sz="1200" kern="1200" dirty="0">
-                <a:solidFill>
-                  <a:schemeClr val="tx1"/>
-                </a:solidFill>
-                <a:effectLst/>
-                <a:latin typeface="+mn-lt"/>
-                <a:ea typeface="+mn-ea"/>
-                <a:cs typeface="+mn-cs"/>
-              </a:rPr>
-              <a:t>过程中的安全性相关的建议。</a:t>
-            </a:r>
+            <a:endParaRPr lang="zh-CN" altLang="en-US" dirty="0"/>
           </a:p>
         </p:txBody>
       </p:sp>
@@ -1945,7 +787,175 @@
             <a:spLocks noGrp="1"/>
           </p:cNvSpPr>
           <p:nvPr>
-            <p:ph type="sldNum" sz="quarter" idx="5"/>
+            <p:ph type="sldNum" sz="quarter" idx="10"/>
+          </p:nvPr>
+        </p:nvSpPr>
+        <p:spPr/>
+        <p:txBody>
+          <a:bodyPr/>
+          <a:lstStyle/>
+          <a:p>
+            <a:fld id="{F02F5007-0F52-064D-9BE6-995BAA621A52}" type="slidenum">
+              <a:rPr lang="en-US" altLang="zh-CN" smtClean="0"/>
+              <a:t>3</a:t>
+            </a:fld>
+            <a:endParaRPr lang="zh-CN" altLang="en-US"/>
+          </a:p>
+        </p:txBody>
+      </p:sp>
+    </p:spTree>
+    <p:extLst>
+      <p:ext uri="{BB962C8B-B14F-4D97-AF65-F5344CB8AC3E}">
+        <p14:creationId xmlns:p14="http://schemas.microsoft.com/office/powerpoint/2010/main" val="1837775444"/>
+      </p:ext>
+    </p:extLst>
+  </p:cSld>
+  <p:clrMapOvr>
+    <a:masterClrMapping/>
+  </p:clrMapOvr>
+</p:notes>
+</file>
+
+<file path=ppt/notesSlides/notesSlide4.xml><?xml version="1.0" encoding="utf-8"?>
+<p:notes xmlns:a="http://schemas.openxmlformats.org/drawingml/2006/main" xmlns:r="http://schemas.openxmlformats.org/officeDocument/2006/relationships" xmlns:p="http://schemas.openxmlformats.org/presentationml/2006/main">
+  <p:cSld>
+    <p:spTree>
+      <p:nvGrpSpPr>
+        <p:cNvPr id="1" name=""/>
+        <p:cNvGrpSpPr/>
+        <p:nvPr/>
+      </p:nvGrpSpPr>
+      <p:grpSpPr>
+        <a:xfrm>
+          <a:off x="0" y="0"/>
+          <a:ext cx="0" cy="0"/>
+          <a:chOff x="0" y="0"/>
+          <a:chExt cx="0" cy="0"/>
+        </a:xfrm>
+      </p:grpSpPr>
+      <p:sp>
+        <p:nvSpPr>
+          <p:cNvPr id="2" name="幻灯片图像占位符 1"/>
+          <p:cNvSpPr>
+            <a:spLocks noGrp="1" noRot="1" noChangeAspect="1"/>
+          </p:cNvSpPr>
+          <p:nvPr>
+            <p:ph type="sldImg"/>
+          </p:nvPr>
+        </p:nvSpPr>
+        <p:spPr/>
+      </p:sp>
+      <p:sp>
+        <p:nvSpPr>
+          <p:cNvPr id="3" name="备注占位符 2"/>
+          <p:cNvSpPr>
+            <a:spLocks noGrp="1"/>
+          </p:cNvSpPr>
+          <p:nvPr>
+            <p:ph type="body" idx="1"/>
+          </p:nvPr>
+        </p:nvSpPr>
+        <p:spPr/>
+        <p:txBody>
+          <a:bodyPr/>
+          <a:lstStyle/>
+          <a:p>
+            <a:endParaRPr lang="zh-CN" altLang="en-US" dirty="0"/>
+          </a:p>
+        </p:txBody>
+      </p:sp>
+      <p:sp>
+        <p:nvSpPr>
+          <p:cNvPr id="4" name="灯片编号占位符 3"/>
+          <p:cNvSpPr>
+            <a:spLocks noGrp="1"/>
+          </p:cNvSpPr>
+          <p:nvPr>
+            <p:ph type="sldNum" sz="quarter" idx="10"/>
+          </p:nvPr>
+        </p:nvSpPr>
+        <p:spPr/>
+        <p:txBody>
+          <a:bodyPr/>
+          <a:lstStyle/>
+          <a:p>
+            <a:fld id="{F02F5007-0F52-064D-9BE6-995BAA621A52}" type="slidenum">
+              <a:rPr lang="en-US" altLang="zh-CN" smtClean="0"/>
+              <a:t>4</a:t>
+            </a:fld>
+            <a:endParaRPr lang="zh-CN" altLang="en-US"/>
+          </a:p>
+        </p:txBody>
+      </p:sp>
+    </p:spTree>
+    <p:extLst>
+      <p:ext uri="{BB962C8B-B14F-4D97-AF65-F5344CB8AC3E}">
+        <p14:creationId xmlns:p14="http://schemas.microsoft.com/office/powerpoint/2010/main" val="3013403186"/>
+      </p:ext>
+    </p:extLst>
+  </p:cSld>
+  <p:clrMapOvr>
+    <a:masterClrMapping/>
+  </p:clrMapOvr>
+</p:notes>
+</file>
+
+<file path=ppt/notesSlides/notesSlide5.xml><?xml version="1.0" encoding="utf-8"?>
+<p:notes xmlns:a="http://schemas.openxmlformats.org/drawingml/2006/main" xmlns:r="http://schemas.openxmlformats.org/officeDocument/2006/relationships" xmlns:p="http://schemas.openxmlformats.org/presentationml/2006/main">
+  <p:cSld>
+    <p:spTree>
+      <p:nvGrpSpPr>
+        <p:cNvPr id="1" name=""/>
+        <p:cNvGrpSpPr/>
+        <p:nvPr/>
+      </p:nvGrpSpPr>
+      <p:grpSpPr>
+        <a:xfrm>
+          <a:off x="0" y="0"/>
+          <a:ext cx="0" cy="0"/>
+          <a:chOff x="0" y="0"/>
+          <a:chExt cx="0" cy="0"/>
+        </a:xfrm>
+      </p:grpSpPr>
+      <p:sp>
+        <p:nvSpPr>
+          <p:cNvPr id="2" name="幻灯片图像占位符 1"/>
+          <p:cNvSpPr>
+            <a:spLocks noGrp="1" noRot="1" noChangeAspect="1"/>
+          </p:cNvSpPr>
+          <p:nvPr>
+            <p:ph type="sldImg"/>
+          </p:nvPr>
+        </p:nvSpPr>
+        <p:spPr/>
+      </p:sp>
+      <p:sp>
+        <p:nvSpPr>
+          <p:cNvPr id="3" name="备注占位符 2"/>
+          <p:cNvSpPr>
+            <a:spLocks noGrp="1"/>
+          </p:cNvSpPr>
+          <p:nvPr>
+            <p:ph type="body" idx="1"/>
+          </p:nvPr>
+        </p:nvSpPr>
+        <p:spPr/>
+        <p:txBody>
+          <a:bodyPr/>
+          <a:lstStyle/>
+          <a:p>
+            <a:endParaRPr lang="zh-CN" altLang="en-US" dirty="0"/>
+          </a:p>
+        </p:txBody>
+      </p:sp>
+      <p:sp>
+        <p:nvSpPr>
+          <p:cNvPr id="4" name="灯片编号占位符 3"/>
+          <p:cNvSpPr>
+            <a:spLocks noGrp="1"/>
+          </p:cNvSpPr>
+          <p:nvPr>
+            <p:ph type="sldNum" sz="quarter" idx="10"/>
           </p:nvPr>
         </p:nvSpPr>
         <p:spPr/>
@@ -1964,7 +974,7 @@
     </p:spTree>
     <p:extLst>
       <p:ext uri="{BB962C8B-B14F-4D97-AF65-F5344CB8AC3E}">
-        <p14:creationId xmlns:p14="http://schemas.microsoft.com/office/powerpoint/2010/main" val="4211277643"/>
+        <p14:creationId xmlns:p14="http://schemas.microsoft.com/office/powerpoint/2010/main" val="4210225618"/>
       </p:ext>
     </p:extLst>
   </p:cSld>
@@ -1996,7 +1006,7 @@
           <p:cNvPr id="2" name="Title 1">
             <a:extLst>
               <a:ext uri="{FF2B5EF4-FFF2-40B4-BE49-F238E27FC236}">
-                <a16:creationId xmlns:a16="http://schemas.microsoft.com/office/drawing/2014/main" id="{1696FC58-7B4E-694A-B1EF-585D5B6F6E6B}"/>
+                <a16:creationId xmlns="" xmlns:a16="http://schemas.microsoft.com/office/drawing/2014/main" id="{1696FC58-7B4E-694A-B1EF-585D5B6F6E6B}"/>
               </a:ext>
             </a:extLst>
           </p:cNvPr>
@@ -2034,7 +1044,7 @@
           <p:cNvPr id="3" name="Subtitle 2">
             <a:extLst>
               <a:ext uri="{FF2B5EF4-FFF2-40B4-BE49-F238E27FC236}">
-                <a16:creationId xmlns:a16="http://schemas.microsoft.com/office/drawing/2014/main" id="{F11CD7AA-4DAF-2E42-AA87-29166E2ED8A5}"/>
+                <a16:creationId xmlns="" xmlns:a16="http://schemas.microsoft.com/office/drawing/2014/main" id="{F11CD7AA-4DAF-2E42-AA87-29166E2ED8A5}"/>
               </a:ext>
             </a:extLst>
           </p:cNvPr>
@@ -2105,7 +1115,7 @@
           <p:cNvPr id="4" name="Date Placeholder 3">
             <a:extLst>
               <a:ext uri="{FF2B5EF4-FFF2-40B4-BE49-F238E27FC236}">
-                <a16:creationId xmlns:a16="http://schemas.microsoft.com/office/drawing/2014/main" id="{86BDD781-F10C-8349-90A9-06E27D48A181}"/>
+                <a16:creationId xmlns="" xmlns:a16="http://schemas.microsoft.com/office/drawing/2014/main" id="{86BDD781-F10C-8349-90A9-06E27D48A181}"/>
               </a:ext>
             </a:extLst>
           </p:cNvPr>
@@ -2122,7 +1132,7 @@
           <a:lstStyle/>
           <a:p>
             <a:fld id="{B2DBA213-96A6-5E42-AF5C-6ED87FB0D293}" type="datetimeFigureOut">
-              <a:t>2021/3/19</a:t>
+              <a:t>2021/3/20</a:t>
             </a:fld>
             <a:endParaRPr lang="fr-FR"/>
           </a:p>
@@ -2133,7 +1143,7 @@
           <p:cNvPr id="5" name="Footer Placeholder 4">
             <a:extLst>
               <a:ext uri="{FF2B5EF4-FFF2-40B4-BE49-F238E27FC236}">
-                <a16:creationId xmlns:a16="http://schemas.microsoft.com/office/drawing/2014/main" id="{DFC57954-A2CE-174E-9180-5DB9B7AD6E88}"/>
+                <a16:creationId xmlns="" xmlns:a16="http://schemas.microsoft.com/office/drawing/2014/main" id="{DFC57954-A2CE-174E-9180-5DB9B7AD6E88}"/>
               </a:ext>
             </a:extLst>
           </p:cNvPr>
@@ -2158,7 +1168,7 @@
           <p:cNvPr id="6" name="Slide Number Placeholder 5">
             <a:extLst>
               <a:ext uri="{FF2B5EF4-FFF2-40B4-BE49-F238E27FC236}">
-                <a16:creationId xmlns:a16="http://schemas.microsoft.com/office/drawing/2014/main" id="{10F74374-CE7C-5340-8BE2-71AC804B9BA1}"/>
+                <a16:creationId xmlns="" xmlns:a16="http://schemas.microsoft.com/office/drawing/2014/main" id="{10F74374-CE7C-5340-8BE2-71AC804B9BA1}"/>
               </a:ext>
             </a:extLst>
           </p:cNvPr>
@@ -2216,7 +1226,7 @@
           <p:cNvPr id="2" name="Title 1">
             <a:extLst>
               <a:ext uri="{FF2B5EF4-FFF2-40B4-BE49-F238E27FC236}">
-                <a16:creationId xmlns:a16="http://schemas.microsoft.com/office/drawing/2014/main" id="{48BAE0FD-0F9B-9E4F-833E-12435BE722A9}"/>
+                <a16:creationId xmlns="" xmlns:a16="http://schemas.microsoft.com/office/drawing/2014/main" id="{48BAE0FD-0F9B-9E4F-833E-12435BE722A9}"/>
               </a:ext>
             </a:extLst>
           </p:cNvPr>
@@ -2245,7 +1255,7 @@
           <p:cNvPr id="3" name="Vertical Text Placeholder 2">
             <a:extLst>
               <a:ext uri="{FF2B5EF4-FFF2-40B4-BE49-F238E27FC236}">
-                <a16:creationId xmlns:a16="http://schemas.microsoft.com/office/drawing/2014/main" id="{71A6CA65-9EB6-8749-853D-3BDC2107EA92}"/>
+                <a16:creationId xmlns="" xmlns:a16="http://schemas.microsoft.com/office/drawing/2014/main" id="{71A6CA65-9EB6-8749-853D-3BDC2107EA92}"/>
               </a:ext>
             </a:extLst>
           </p:cNvPr>
@@ -2303,7 +1313,7 @@
           <p:cNvPr id="4" name="Date Placeholder 3">
             <a:extLst>
               <a:ext uri="{FF2B5EF4-FFF2-40B4-BE49-F238E27FC236}">
-                <a16:creationId xmlns:a16="http://schemas.microsoft.com/office/drawing/2014/main" id="{69108CA8-18BE-B744-8CDC-F5791EAB6C9B}"/>
+                <a16:creationId xmlns="" xmlns:a16="http://schemas.microsoft.com/office/drawing/2014/main" id="{69108CA8-18BE-B744-8CDC-F5791EAB6C9B}"/>
               </a:ext>
             </a:extLst>
           </p:cNvPr>
@@ -2320,7 +1330,7 @@
           <a:lstStyle/>
           <a:p>
             <a:fld id="{B2DBA213-96A6-5E42-AF5C-6ED87FB0D293}" type="datetimeFigureOut">
-              <a:t>2021/3/19</a:t>
+              <a:t>2021/3/20</a:t>
             </a:fld>
             <a:endParaRPr lang="fr-FR"/>
           </a:p>
@@ -2331,7 +1341,7 @@
           <p:cNvPr id="5" name="Footer Placeholder 4">
             <a:extLst>
               <a:ext uri="{FF2B5EF4-FFF2-40B4-BE49-F238E27FC236}">
-                <a16:creationId xmlns:a16="http://schemas.microsoft.com/office/drawing/2014/main" id="{95B7D082-F804-D149-B704-35780EA265AE}"/>
+                <a16:creationId xmlns="" xmlns:a16="http://schemas.microsoft.com/office/drawing/2014/main" id="{95B7D082-F804-D149-B704-35780EA265AE}"/>
               </a:ext>
             </a:extLst>
           </p:cNvPr>
@@ -2356,7 +1366,7 @@
           <p:cNvPr id="6" name="Slide Number Placeholder 5">
             <a:extLst>
               <a:ext uri="{FF2B5EF4-FFF2-40B4-BE49-F238E27FC236}">
-                <a16:creationId xmlns:a16="http://schemas.microsoft.com/office/drawing/2014/main" id="{CA42F76E-53EF-5A49-9033-A2341EBD21D2}"/>
+                <a16:creationId xmlns="" xmlns:a16="http://schemas.microsoft.com/office/drawing/2014/main" id="{CA42F76E-53EF-5A49-9033-A2341EBD21D2}"/>
               </a:ext>
             </a:extLst>
           </p:cNvPr>
@@ -2414,7 +1424,7 @@
           <p:cNvPr id="2" name="Vertical Title 1">
             <a:extLst>
               <a:ext uri="{FF2B5EF4-FFF2-40B4-BE49-F238E27FC236}">
-                <a16:creationId xmlns:a16="http://schemas.microsoft.com/office/drawing/2014/main" id="{FDE56E39-1658-9341-9AA0-83FE7A963C34}"/>
+                <a16:creationId xmlns="" xmlns:a16="http://schemas.microsoft.com/office/drawing/2014/main" id="{FDE56E39-1658-9341-9AA0-83FE7A963C34}"/>
               </a:ext>
             </a:extLst>
           </p:cNvPr>
@@ -2448,7 +1458,7 @@
           <p:cNvPr id="3" name="Vertical Text Placeholder 2">
             <a:extLst>
               <a:ext uri="{FF2B5EF4-FFF2-40B4-BE49-F238E27FC236}">
-                <a16:creationId xmlns:a16="http://schemas.microsoft.com/office/drawing/2014/main" id="{96E80642-03D8-A04E-A98B-E39D155636D9}"/>
+                <a16:creationId xmlns="" xmlns:a16="http://schemas.microsoft.com/office/drawing/2014/main" id="{96E80642-03D8-A04E-A98B-E39D155636D9}"/>
               </a:ext>
             </a:extLst>
           </p:cNvPr>
@@ -2511,7 +1521,7 @@
           <p:cNvPr id="4" name="Date Placeholder 3">
             <a:extLst>
               <a:ext uri="{FF2B5EF4-FFF2-40B4-BE49-F238E27FC236}">
-                <a16:creationId xmlns:a16="http://schemas.microsoft.com/office/drawing/2014/main" id="{4833C718-9A5B-8545-98FA-1AF3E219DD5F}"/>
+                <a16:creationId xmlns="" xmlns:a16="http://schemas.microsoft.com/office/drawing/2014/main" id="{4833C718-9A5B-8545-98FA-1AF3E219DD5F}"/>
               </a:ext>
             </a:extLst>
           </p:cNvPr>
@@ -2528,7 +1538,7 @@
           <a:lstStyle/>
           <a:p>
             <a:fld id="{B2DBA213-96A6-5E42-AF5C-6ED87FB0D293}" type="datetimeFigureOut">
-              <a:t>2021/3/19</a:t>
+              <a:t>2021/3/20</a:t>
             </a:fld>
             <a:endParaRPr lang="fr-FR"/>
           </a:p>
@@ -2539,7 +1549,7 @@
           <p:cNvPr id="5" name="Footer Placeholder 4">
             <a:extLst>
               <a:ext uri="{FF2B5EF4-FFF2-40B4-BE49-F238E27FC236}">
-                <a16:creationId xmlns:a16="http://schemas.microsoft.com/office/drawing/2014/main" id="{17D5A540-0729-7140-BA44-24D54323AFD3}"/>
+                <a16:creationId xmlns="" xmlns:a16="http://schemas.microsoft.com/office/drawing/2014/main" id="{17D5A540-0729-7140-BA44-24D54323AFD3}"/>
               </a:ext>
             </a:extLst>
           </p:cNvPr>
@@ -2564,7 +1574,7 @@
           <p:cNvPr id="6" name="Slide Number Placeholder 5">
             <a:extLst>
               <a:ext uri="{FF2B5EF4-FFF2-40B4-BE49-F238E27FC236}">
-                <a16:creationId xmlns:a16="http://schemas.microsoft.com/office/drawing/2014/main" id="{54A04347-5839-FC43-835F-1DED9E2A8067}"/>
+                <a16:creationId xmlns="" xmlns:a16="http://schemas.microsoft.com/office/drawing/2014/main" id="{54A04347-5839-FC43-835F-1DED9E2A8067}"/>
               </a:ext>
             </a:extLst>
           </p:cNvPr>
@@ -3886,7 +2896,7 @@
           <p:cNvPr id="2" name="Title 1">
             <a:extLst>
               <a:ext uri="{FF2B5EF4-FFF2-40B4-BE49-F238E27FC236}">
-                <a16:creationId xmlns:a16="http://schemas.microsoft.com/office/drawing/2014/main" id="{27838A57-3FDC-FE49-B719-98B37FDF8B2E}"/>
+                <a16:creationId xmlns="" xmlns:a16="http://schemas.microsoft.com/office/drawing/2014/main" id="{27838A57-3FDC-FE49-B719-98B37FDF8B2E}"/>
               </a:ext>
             </a:extLst>
           </p:cNvPr>
@@ -3915,7 +2925,7 @@
           <p:cNvPr id="3" name="Content Placeholder 2">
             <a:extLst>
               <a:ext uri="{FF2B5EF4-FFF2-40B4-BE49-F238E27FC236}">
-                <a16:creationId xmlns:a16="http://schemas.microsoft.com/office/drawing/2014/main" id="{97DD8054-49ED-BB4A-874F-D337C1EA5C15}"/>
+                <a16:creationId xmlns="" xmlns:a16="http://schemas.microsoft.com/office/drawing/2014/main" id="{97DD8054-49ED-BB4A-874F-D337C1EA5C15}"/>
               </a:ext>
             </a:extLst>
           </p:cNvPr>
@@ -3973,7 +2983,7 @@
           <p:cNvPr id="4" name="Date Placeholder 3">
             <a:extLst>
               <a:ext uri="{FF2B5EF4-FFF2-40B4-BE49-F238E27FC236}">
-                <a16:creationId xmlns:a16="http://schemas.microsoft.com/office/drawing/2014/main" id="{D285F9E6-474F-1147-B2AC-E892BE9C57AA}"/>
+                <a16:creationId xmlns="" xmlns:a16="http://schemas.microsoft.com/office/drawing/2014/main" id="{D285F9E6-474F-1147-B2AC-E892BE9C57AA}"/>
               </a:ext>
             </a:extLst>
           </p:cNvPr>
@@ -3990,7 +3000,7 @@
           <a:lstStyle/>
           <a:p>
             <a:fld id="{B2DBA213-96A6-5E42-AF5C-6ED87FB0D293}" type="datetimeFigureOut">
-              <a:t>2021/3/19</a:t>
+              <a:t>2021/3/20</a:t>
             </a:fld>
             <a:endParaRPr lang="fr-FR"/>
           </a:p>
@@ -4001,7 +3011,7 @@
           <p:cNvPr id="5" name="Footer Placeholder 4">
             <a:extLst>
               <a:ext uri="{FF2B5EF4-FFF2-40B4-BE49-F238E27FC236}">
-                <a16:creationId xmlns:a16="http://schemas.microsoft.com/office/drawing/2014/main" id="{A99F881B-EF71-5E45-B194-DEDB9C5728ED}"/>
+                <a16:creationId xmlns="" xmlns:a16="http://schemas.microsoft.com/office/drawing/2014/main" id="{A99F881B-EF71-5E45-B194-DEDB9C5728ED}"/>
               </a:ext>
             </a:extLst>
           </p:cNvPr>
@@ -4026,7 +3036,7 @@
           <p:cNvPr id="6" name="Slide Number Placeholder 5">
             <a:extLst>
               <a:ext uri="{FF2B5EF4-FFF2-40B4-BE49-F238E27FC236}">
-                <a16:creationId xmlns:a16="http://schemas.microsoft.com/office/drawing/2014/main" id="{0B7FF980-FE35-BD4F-8F04-9D6140DCADE4}"/>
+                <a16:creationId xmlns="" xmlns:a16="http://schemas.microsoft.com/office/drawing/2014/main" id="{0B7FF980-FE35-BD4F-8F04-9D6140DCADE4}"/>
               </a:ext>
             </a:extLst>
           </p:cNvPr>
@@ -4084,7 +3094,7 @@
           <p:cNvPr id="2" name="Title 1">
             <a:extLst>
               <a:ext uri="{FF2B5EF4-FFF2-40B4-BE49-F238E27FC236}">
-                <a16:creationId xmlns:a16="http://schemas.microsoft.com/office/drawing/2014/main" id="{560A8C7F-509F-1D4A-9E02-242D9AFC5C7D}"/>
+                <a16:creationId xmlns="" xmlns:a16="http://schemas.microsoft.com/office/drawing/2014/main" id="{560A8C7F-509F-1D4A-9E02-242D9AFC5C7D}"/>
               </a:ext>
             </a:extLst>
           </p:cNvPr>
@@ -4122,7 +3132,7 @@
           <p:cNvPr id="3" name="Text Placeholder 2">
             <a:extLst>
               <a:ext uri="{FF2B5EF4-FFF2-40B4-BE49-F238E27FC236}">
-                <a16:creationId xmlns:a16="http://schemas.microsoft.com/office/drawing/2014/main" id="{1CBC81CE-FF10-E74F-8174-5EB26C853B15}"/>
+                <a16:creationId xmlns="" xmlns:a16="http://schemas.microsoft.com/office/drawing/2014/main" id="{1CBC81CE-FF10-E74F-8174-5EB26C853B15}"/>
               </a:ext>
             </a:extLst>
           </p:cNvPr>
@@ -4247,7 +3257,7 @@
           <p:cNvPr id="4" name="Date Placeholder 3">
             <a:extLst>
               <a:ext uri="{FF2B5EF4-FFF2-40B4-BE49-F238E27FC236}">
-                <a16:creationId xmlns:a16="http://schemas.microsoft.com/office/drawing/2014/main" id="{0ABD4211-9ED0-1049-A8D9-5448898D80CB}"/>
+                <a16:creationId xmlns="" xmlns:a16="http://schemas.microsoft.com/office/drawing/2014/main" id="{0ABD4211-9ED0-1049-A8D9-5448898D80CB}"/>
               </a:ext>
             </a:extLst>
           </p:cNvPr>
@@ -4264,7 +3274,7 @@
           <a:lstStyle/>
           <a:p>
             <a:fld id="{B2DBA213-96A6-5E42-AF5C-6ED87FB0D293}" type="datetimeFigureOut">
-              <a:t>2021/3/19</a:t>
+              <a:t>2021/3/20</a:t>
             </a:fld>
             <a:endParaRPr lang="fr-FR"/>
           </a:p>
@@ -4275,7 +3285,7 @@
           <p:cNvPr id="5" name="Footer Placeholder 4">
             <a:extLst>
               <a:ext uri="{FF2B5EF4-FFF2-40B4-BE49-F238E27FC236}">
-                <a16:creationId xmlns:a16="http://schemas.microsoft.com/office/drawing/2014/main" id="{52FF763B-3559-6248-808B-D33B574A9841}"/>
+                <a16:creationId xmlns="" xmlns:a16="http://schemas.microsoft.com/office/drawing/2014/main" id="{52FF763B-3559-6248-808B-D33B574A9841}"/>
               </a:ext>
             </a:extLst>
           </p:cNvPr>
@@ -4300,7 +3310,7 @@
           <p:cNvPr id="6" name="Slide Number Placeholder 5">
             <a:extLst>
               <a:ext uri="{FF2B5EF4-FFF2-40B4-BE49-F238E27FC236}">
-                <a16:creationId xmlns:a16="http://schemas.microsoft.com/office/drawing/2014/main" id="{1EA4599E-9CD8-3046-BE7A-BB6FE771617D}"/>
+                <a16:creationId xmlns="" xmlns:a16="http://schemas.microsoft.com/office/drawing/2014/main" id="{1EA4599E-9CD8-3046-BE7A-BB6FE771617D}"/>
               </a:ext>
             </a:extLst>
           </p:cNvPr>
@@ -4358,7 +3368,7 @@
           <p:cNvPr id="2" name="Title 1">
             <a:extLst>
               <a:ext uri="{FF2B5EF4-FFF2-40B4-BE49-F238E27FC236}">
-                <a16:creationId xmlns:a16="http://schemas.microsoft.com/office/drawing/2014/main" id="{A01C83B6-FB67-3244-BFBB-50B0E92451EB}"/>
+                <a16:creationId xmlns="" xmlns:a16="http://schemas.microsoft.com/office/drawing/2014/main" id="{A01C83B6-FB67-3244-BFBB-50B0E92451EB}"/>
               </a:ext>
             </a:extLst>
           </p:cNvPr>
@@ -4387,7 +3397,7 @@
           <p:cNvPr id="3" name="Content Placeholder 2">
             <a:extLst>
               <a:ext uri="{FF2B5EF4-FFF2-40B4-BE49-F238E27FC236}">
-                <a16:creationId xmlns:a16="http://schemas.microsoft.com/office/drawing/2014/main" id="{65AD8CB0-53A2-974C-B501-E21B1CF65A1B}"/>
+                <a16:creationId xmlns="" xmlns:a16="http://schemas.microsoft.com/office/drawing/2014/main" id="{65AD8CB0-53A2-974C-B501-E21B1CF65A1B}"/>
               </a:ext>
             </a:extLst>
           </p:cNvPr>
@@ -4450,7 +3460,7 @@
           <p:cNvPr id="4" name="Content Placeholder 3">
             <a:extLst>
               <a:ext uri="{FF2B5EF4-FFF2-40B4-BE49-F238E27FC236}">
-                <a16:creationId xmlns:a16="http://schemas.microsoft.com/office/drawing/2014/main" id="{C5DF6F1C-8CED-5840-A639-DD2B75AC9A12}"/>
+                <a16:creationId xmlns="" xmlns:a16="http://schemas.microsoft.com/office/drawing/2014/main" id="{C5DF6F1C-8CED-5840-A639-DD2B75AC9A12}"/>
               </a:ext>
             </a:extLst>
           </p:cNvPr>
@@ -4513,7 +3523,7 @@
           <p:cNvPr id="5" name="Date Placeholder 4">
             <a:extLst>
               <a:ext uri="{FF2B5EF4-FFF2-40B4-BE49-F238E27FC236}">
-                <a16:creationId xmlns:a16="http://schemas.microsoft.com/office/drawing/2014/main" id="{4FCC6EA1-C8AD-1D4F-9371-20ED10F8E996}"/>
+                <a16:creationId xmlns="" xmlns:a16="http://schemas.microsoft.com/office/drawing/2014/main" id="{4FCC6EA1-C8AD-1D4F-9371-20ED10F8E996}"/>
               </a:ext>
             </a:extLst>
           </p:cNvPr>
@@ -4530,7 +3540,7 @@
           <a:lstStyle/>
           <a:p>
             <a:fld id="{B2DBA213-96A6-5E42-AF5C-6ED87FB0D293}" type="datetimeFigureOut">
-              <a:t>2021/3/19</a:t>
+              <a:t>2021/3/20</a:t>
             </a:fld>
             <a:endParaRPr lang="fr-FR"/>
           </a:p>
@@ -4541,7 +3551,7 @@
           <p:cNvPr id="6" name="Footer Placeholder 5">
             <a:extLst>
               <a:ext uri="{FF2B5EF4-FFF2-40B4-BE49-F238E27FC236}">
-                <a16:creationId xmlns:a16="http://schemas.microsoft.com/office/drawing/2014/main" id="{4A9D9C6E-5E24-A14E-9F69-6A7C241DF432}"/>
+                <a16:creationId xmlns="" xmlns:a16="http://schemas.microsoft.com/office/drawing/2014/main" id="{4A9D9C6E-5E24-A14E-9F69-6A7C241DF432}"/>
               </a:ext>
             </a:extLst>
           </p:cNvPr>
@@ -4566,7 +3576,7 @@
           <p:cNvPr id="7" name="Slide Number Placeholder 6">
             <a:extLst>
               <a:ext uri="{FF2B5EF4-FFF2-40B4-BE49-F238E27FC236}">
-                <a16:creationId xmlns:a16="http://schemas.microsoft.com/office/drawing/2014/main" id="{32A4968A-DD7B-E345-B888-88E6CC3E8D0C}"/>
+                <a16:creationId xmlns="" xmlns:a16="http://schemas.microsoft.com/office/drawing/2014/main" id="{32A4968A-DD7B-E345-B888-88E6CC3E8D0C}"/>
               </a:ext>
             </a:extLst>
           </p:cNvPr>
@@ -4624,7 +3634,7 @@
           <p:cNvPr id="2" name="Title 1">
             <a:extLst>
               <a:ext uri="{FF2B5EF4-FFF2-40B4-BE49-F238E27FC236}">
-                <a16:creationId xmlns:a16="http://schemas.microsoft.com/office/drawing/2014/main" id="{DEB92FEE-7FEC-044F-B9DD-ACB1DD6A01FC}"/>
+                <a16:creationId xmlns="" xmlns:a16="http://schemas.microsoft.com/office/drawing/2014/main" id="{DEB92FEE-7FEC-044F-B9DD-ACB1DD6A01FC}"/>
               </a:ext>
             </a:extLst>
           </p:cNvPr>
@@ -4658,7 +3668,7 @@
           <p:cNvPr id="3" name="Text Placeholder 2">
             <a:extLst>
               <a:ext uri="{FF2B5EF4-FFF2-40B4-BE49-F238E27FC236}">
-                <a16:creationId xmlns:a16="http://schemas.microsoft.com/office/drawing/2014/main" id="{498DD939-DFCB-874E-8FB3-565F3A1D8329}"/>
+                <a16:creationId xmlns="" xmlns:a16="http://schemas.microsoft.com/office/drawing/2014/main" id="{498DD939-DFCB-874E-8FB3-565F3A1D8329}"/>
               </a:ext>
             </a:extLst>
           </p:cNvPr>
@@ -4729,7 +3739,7 @@
           <p:cNvPr id="4" name="Content Placeholder 3">
             <a:extLst>
               <a:ext uri="{FF2B5EF4-FFF2-40B4-BE49-F238E27FC236}">
-                <a16:creationId xmlns:a16="http://schemas.microsoft.com/office/drawing/2014/main" id="{9AF54902-5914-634E-B62A-D1827CB15393}"/>
+                <a16:creationId xmlns="" xmlns:a16="http://schemas.microsoft.com/office/drawing/2014/main" id="{9AF54902-5914-634E-B62A-D1827CB15393}"/>
               </a:ext>
             </a:extLst>
           </p:cNvPr>
@@ -4792,7 +3802,7 @@
           <p:cNvPr id="5" name="Text Placeholder 4">
             <a:extLst>
               <a:ext uri="{FF2B5EF4-FFF2-40B4-BE49-F238E27FC236}">
-                <a16:creationId xmlns:a16="http://schemas.microsoft.com/office/drawing/2014/main" id="{3D5E01F7-30CC-6B4C-98F6-9A50A685EDC3}"/>
+                <a16:creationId xmlns="" xmlns:a16="http://schemas.microsoft.com/office/drawing/2014/main" id="{3D5E01F7-30CC-6B4C-98F6-9A50A685EDC3}"/>
               </a:ext>
             </a:extLst>
           </p:cNvPr>
@@ -4863,7 +3873,7 @@
           <p:cNvPr id="6" name="Content Placeholder 5">
             <a:extLst>
               <a:ext uri="{FF2B5EF4-FFF2-40B4-BE49-F238E27FC236}">
-                <a16:creationId xmlns:a16="http://schemas.microsoft.com/office/drawing/2014/main" id="{45AA976D-1818-4C40-92D9-D10283374766}"/>
+                <a16:creationId xmlns="" xmlns:a16="http://schemas.microsoft.com/office/drawing/2014/main" id="{45AA976D-1818-4C40-92D9-D10283374766}"/>
               </a:ext>
             </a:extLst>
           </p:cNvPr>
@@ -4926,7 +3936,7 @@
           <p:cNvPr id="7" name="Date Placeholder 6">
             <a:extLst>
               <a:ext uri="{FF2B5EF4-FFF2-40B4-BE49-F238E27FC236}">
-                <a16:creationId xmlns:a16="http://schemas.microsoft.com/office/drawing/2014/main" id="{E4A4FB42-03C4-7148-87F7-6B602F145433}"/>
+                <a16:creationId xmlns="" xmlns:a16="http://schemas.microsoft.com/office/drawing/2014/main" id="{E4A4FB42-03C4-7148-87F7-6B602F145433}"/>
               </a:ext>
             </a:extLst>
           </p:cNvPr>
@@ -4943,7 +3953,7 @@
           <a:lstStyle/>
           <a:p>
             <a:fld id="{B2DBA213-96A6-5E42-AF5C-6ED87FB0D293}" type="datetimeFigureOut">
-              <a:t>2021/3/19</a:t>
+              <a:t>2021/3/20</a:t>
             </a:fld>
             <a:endParaRPr lang="fr-FR"/>
           </a:p>
@@ -4954,7 +3964,7 @@
           <p:cNvPr id="8" name="Footer Placeholder 7">
             <a:extLst>
               <a:ext uri="{FF2B5EF4-FFF2-40B4-BE49-F238E27FC236}">
-                <a16:creationId xmlns:a16="http://schemas.microsoft.com/office/drawing/2014/main" id="{477D45B0-1256-6145-B63C-7E2DB70BAFC7}"/>
+                <a16:creationId xmlns="" xmlns:a16="http://schemas.microsoft.com/office/drawing/2014/main" id="{477D45B0-1256-6145-B63C-7E2DB70BAFC7}"/>
               </a:ext>
             </a:extLst>
           </p:cNvPr>
@@ -4979,7 +3989,7 @@
           <p:cNvPr id="9" name="Slide Number Placeholder 8">
             <a:extLst>
               <a:ext uri="{FF2B5EF4-FFF2-40B4-BE49-F238E27FC236}">
-                <a16:creationId xmlns:a16="http://schemas.microsoft.com/office/drawing/2014/main" id="{2C56CB5E-DB7F-A648-8036-74599B5B3FFD}"/>
+                <a16:creationId xmlns="" xmlns:a16="http://schemas.microsoft.com/office/drawing/2014/main" id="{2C56CB5E-DB7F-A648-8036-74599B5B3FFD}"/>
               </a:ext>
             </a:extLst>
           </p:cNvPr>
@@ -5037,7 +4047,7 @@
           <p:cNvPr id="2" name="Title 1">
             <a:extLst>
               <a:ext uri="{FF2B5EF4-FFF2-40B4-BE49-F238E27FC236}">
-                <a16:creationId xmlns:a16="http://schemas.microsoft.com/office/drawing/2014/main" id="{E5EAD3D0-898F-874D-9A8D-4B9A38E2590F}"/>
+                <a16:creationId xmlns="" xmlns:a16="http://schemas.microsoft.com/office/drawing/2014/main" id="{E5EAD3D0-898F-874D-9A8D-4B9A38E2590F}"/>
               </a:ext>
             </a:extLst>
           </p:cNvPr>
@@ -5066,7 +4076,7 @@
           <p:cNvPr id="3" name="Date Placeholder 2">
             <a:extLst>
               <a:ext uri="{FF2B5EF4-FFF2-40B4-BE49-F238E27FC236}">
-                <a16:creationId xmlns:a16="http://schemas.microsoft.com/office/drawing/2014/main" id="{783F41DF-605A-254D-85A0-B127672C73CD}"/>
+                <a16:creationId xmlns="" xmlns:a16="http://schemas.microsoft.com/office/drawing/2014/main" id="{783F41DF-605A-254D-85A0-B127672C73CD}"/>
               </a:ext>
             </a:extLst>
           </p:cNvPr>
@@ -5083,7 +4093,7 @@
           <a:lstStyle/>
           <a:p>
             <a:fld id="{B2DBA213-96A6-5E42-AF5C-6ED87FB0D293}" type="datetimeFigureOut">
-              <a:t>2021/3/19</a:t>
+              <a:t>2021/3/20</a:t>
             </a:fld>
             <a:endParaRPr lang="fr-FR"/>
           </a:p>
@@ -5094,7 +4104,7 @@
           <p:cNvPr id="4" name="Footer Placeholder 3">
             <a:extLst>
               <a:ext uri="{FF2B5EF4-FFF2-40B4-BE49-F238E27FC236}">
-                <a16:creationId xmlns:a16="http://schemas.microsoft.com/office/drawing/2014/main" id="{1EC9EFC5-7D6B-E943-98B1-D1B8ED6B794F}"/>
+                <a16:creationId xmlns="" xmlns:a16="http://schemas.microsoft.com/office/drawing/2014/main" id="{1EC9EFC5-7D6B-E943-98B1-D1B8ED6B794F}"/>
               </a:ext>
             </a:extLst>
           </p:cNvPr>
@@ -5119,7 +4129,7 @@
           <p:cNvPr id="5" name="Slide Number Placeholder 4">
             <a:extLst>
               <a:ext uri="{FF2B5EF4-FFF2-40B4-BE49-F238E27FC236}">
-                <a16:creationId xmlns:a16="http://schemas.microsoft.com/office/drawing/2014/main" id="{300F5E0B-73F2-234B-B239-6B5DF9DCE31F}"/>
+                <a16:creationId xmlns="" xmlns:a16="http://schemas.microsoft.com/office/drawing/2014/main" id="{300F5E0B-73F2-234B-B239-6B5DF9DCE31F}"/>
               </a:ext>
             </a:extLst>
           </p:cNvPr>
@@ -5177,7 +4187,7 @@
           <p:cNvPr id="2" name="Date Placeholder 1">
             <a:extLst>
               <a:ext uri="{FF2B5EF4-FFF2-40B4-BE49-F238E27FC236}">
-                <a16:creationId xmlns:a16="http://schemas.microsoft.com/office/drawing/2014/main" id="{140EB951-FD93-F94F-8D62-A360E2038AC6}"/>
+                <a16:creationId xmlns="" xmlns:a16="http://schemas.microsoft.com/office/drawing/2014/main" id="{140EB951-FD93-F94F-8D62-A360E2038AC6}"/>
               </a:ext>
             </a:extLst>
           </p:cNvPr>
@@ -5194,7 +4204,7 @@
           <a:lstStyle/>
           <a:p>
             <a:fld id="{B2DBA213-96A6-5E42-AF5C-6ED87FB0D293}" type="datetimeFigureOut">
-              <a:t>2021/3/19</a:t>
+              <a:t>2021/3/20</a:t>
             </a:fld>
             <a:endParaRPr lang="fr-FR"/>
           </a:p>
@@ -5205,7 +4215,7 @@
           <p:cNvPr id="3" name="Footer Placeholder 2">
             <a:extLst>
               <a:ext uri="{FF2B5EF4-FFF2-40B4-BE49-F238E27FC236}">
-                <a16:creationId xmlns:a16="http://schemas.microsoft.com/office/drawing/2014/main" id="{E1B5254E-E36C-B547-A61C-67B45044C99B}"/>
+                <a16:creationId xmlns="" xmlns:a16="http://schemas.microsoft.com/office/drawing/2014/main" id="{E1B5254E-E36C-B547-A61C-67B45044C99B}"/>
               </a:ext>
             </a:extLst>
           </p:cNvPr>
@@ -5230,7 +4240,7 @@
           <p:cNvPr id="4" name="Slide Number Placeholder 3">
             <a:extLst>
               <a:ext uri="{FF2B5EF4-FFF2-40B4-BE49-F238E27FC236}">
-                <a16:creationId xmlns:a16="http://schemas.microsoft.com/office/drawing/2014/main" id="{A48570AF-FC4F-914A-A66D-E35970CC7A8A}"/>
+                <a16:creationId xmlns="" xmlns:a16="http://schemas.microsoft.com/office/drawing/2014/main" id="{A48570AF-FC4F-914A-A66D-E35970CC7A8A}"/>
               </a:ext>
             </a:extLst>
           </p:cNvPr>
@@ -5288,7 +4298,7 @@
           <p:cNvPr id="2" name="Title 1">
             <a:extLst>
               <a:ext uri="{FF2B5EF4-FFF2-40B4-BE49-F238E27FC236}">
-                <a16:creationId xmlns:a16="http://schemas.microsoft.com/office/drawing/2014/main" id="{F5C58C5F-94D1-144E-BA4C-7660EC4035D4}"/>
+                <a16:creationId xmlns="" xmlns:a16="http://schemas.microsoft.com/office/drawing/2014/main" id="{F5C58C5F-94D1-144E-BA4C-7660EC4035D4}"/>
               </a:ext>
             </a:extLst>
           </p:cNvPr>
@@ -5326,7 +4336,7 @@
           <p:cNvPr id="3" name="Content Placeholder 2">
             <a:extLst>
               <a:ext uri="{FF2B5EF4-FFF2-40B4-BE49-F238E27FC236}">
-                <a16:creationId xmlns:a16="http://schemas.microsoft.com/office/drawing/2014/main" id="{9D8363BB-FB9F-C247-A3F9-4562182F8311}"/>
+                <a16:creationId xmlns="" xmlns:a16="http://schemas.microsoft.com/office/drawing/2014/main" id="{9D8363BB-FB9F-C247-A3F9-4562182F8311}"/>
               </a:ext>
             </a:extLst>
           </p:cNvPr>
@@ -5417,7 +4427,7 @@
           <p:cNvPr id="4" name="Text Placeholder 3">
             <a:extLst>
               <a:ext uri="{FF2B5EF4-FFF2-40B4-BE49-F238E27FC236}">
-                <a16:creationId xmlns:a16="http://schemas.microsoft.com/office/drawing/2014/main" id="{708F4EF5-B9CF-E342-B270-08C36E356377}"/>
+                <a16:creationId xmlns="" xmlns:a16="http://schemas.microsoft.com/office/drawing/2014/main" id="{708F4EF5-B9CF-E342-B270-08C36E356377}"/>
               </a:ext>
             </a:extLst>
           </p:cNvPr>
@@ -5488,7 +4498,7 @@
           <p:cNvPr id="5" name="Date Placeholder 4">
             <a:extLst>
               <a:ext uri="{FF2B5EF4-FFF2-40B4-BE49-F238E27FC236}">
-                <a16:creationId xmlns:a16="http://schemas.microsoft.com/office/drawing/2014/main" id="{6A0F4559-BF4A-964C-9ED8-EFCE97987944}"/>
+                <a16:creationId xmlns="" xmlns:a16="http://schemas.microsoft.com/office/drawing/2014/main" id="{6A0F4559-BF4A-964C-9ED8-EFCE97987944}"/>
               </a:ext>
             </a:extLst>
           </p:cNvPr>
@@ -5505,7 +4515,7 @@
           <a:lstStyle/>
           <a:p>
             <a:fld id="{B2DBA213-96A6-5E42-AF5C-6ED87FB0D293}" type="datetimeFigureOut">
-              <a:t>2021/3/19</a:t>
+              <a:t>2021/3/20</a:t>
             </a:fld>
             <a:endParaRPr lang="fr-FR"/>
           </a:p>
@@ -5516,7 +4526,7 @@
           <p:cNvPr id="6" name="Footer Placeholder 5">
             <a:extLst>
               <a:ext uri="{FF2B5EF4-FFF2-40B4-BE49-F238E27FC236}">
-                <a16:creationId xmlns:a16="http://schemas.microsoft.com/office/drawing/2014/main" id="{7B3412DD-5F1D-9E41-A1F3-4C7B30E8D899}"/>
+                <a16:creationId xmlns="" xmlns:a16="http://schemas.microsoft.com/office/drawing/2014/main" id="{7B3412DD-5F1D-9E41-A1F3-4C7B30E8D899}"/>
               </a:ext>
             </a:extLst>
           </p:cNvPr>
@@ -5541,7 +4551,7 @@
           <p:cNvPr id="7" name="Slide Number Placeholder 6">
             <a:extLst>
               <a:ext uri="{FF2B5EF4-FFF2-40B4-BE49-F238E27FC236}">
-                <a16:creationId xmlns:a16="http://schemas.microsoft.com/office/drawing/2014/main" id="{2021BAA2-40A6-D94A-A81F-9BDBA873DD29}"/>
+                <a16:creationId xmlns="" xmlns:a16="http://schemas.microsoft.com/office/drawing/2014/main" id="{2021BAA2-40A6-D94A-A81F-9BDBA873DD29}"/>
               </a:ext>
             </a:extLst>
           </p:cNvPr>
@@ -5599,7 +4609,7 @@
           <p:cNvPr id="2" name="Title 1">
             <a:extLst>
               <a:ext uri="{FF2B5EF4-FFF2-40B4-BE49-F238E27FC236}">
-                <a16:creationId xmlns:a16="http://schemas.microsoft.com/office/drawing/2014/main" id="{4551EB26-BFD1-FF40-9E43-49062DC1A6D1}"/>
+                <a16:creationId xmlns="" xmlns:a16="http://schemas.microsoft.com/office/drawing/2014/main" id="{4551EB26-BFD1-FF40-9E43-49062DC1A6D1}"/>
               </a:ext>
             </a:extLst>
           </p:cNvPr>
@@ -5637,7 +4647,7 @@
           <p:cNvPr id="3" name="Picture Placeholder 2">
             <a:extLst>
               <a:ext uri="{FF2B5EF4-FFF2-40B4-BE49-F238E27FC236}">
-                <a16:creationId xmlns:a16="http://schemas.microsoft.com/office/drawing/2014/main" id="{09C7D571-9664-4B47-9F12-48A2E4C609FF}"/>
+                <a16:creationId xmlns="" xmlns:a16="http://schemas.microsoft.com/office/drawing/2014/main" id="{09C7D571-9664-4B47-9F12-48A2E4C609FF}"/>
               </a:ext>
             </a:extLst>
           </p:cNvPr>
@@ -5704,7 +4714,7 @@
           <p:cNvPr id="4" name="Text Placeholder 3">
             <a:extLst>
               <a:ext uri="{FF2B5EF4-FFF2-40B4-BE49-F238E27FC236}">
-                <a16:creationId xmlns:a16="http://schemas.microsoft.com/office/drawing/2014/main" id="{CD189552-F8D3-A647-89F9-C81472779960}"/>
+                <a16:creationId xmlns="" xmlns:a16="http://schemas.microsoft.com/office/drawing/2014/main" id="{CD189552-F8D3-A647-89F9-C81472779960}"/>
               </a:ext>
             </a:extLst>
           </p:cNvPr>
@@ -5775,7 +4785,7 @@
           <p:cNvPr id="5" name="Date Placeholder 4">
             <a:extLst>
               <a:ext uri="{FF2B5EF4-FFF2-40B4-BE49-F238E27FC236}">
-                <a16:creationId xmlns:a16="http://schemas.microsoft.com/office/drawing/2014/main" id="{74F47C4D-5990-684C-8693-688B590E00D9}"/>
+                <a16:creationId xmlns="" xmlns:a16="http://schemas.microsoft.com/office/drawing/2014/main" id="{74F47C4D-5990-684C-8693-688B590E00D9}"/>
               </a:ext>
             </a:extLst>
           </p:cNvPr>
@@ -5792,7 +4802,7 @@
           <a:lstStyle/>
           <a:p>
             <a:fld id="{B2DBA213-96A6-5E42-AF5C-6ED87FB0D293}" type="datetimeFigureOut">
-              <a:t>2021/3/19</a:t>
+              <a:t>2021/3/20</a:t>
             </a:fld>
             <a:endParaRPr lang="fr-FR"/>
           </a:p>
@@ -5803,7 +4813,7 @@
           <p:cNvPr id="6" name="Footer Placeholder 5">
             <a:extLst>
               <a:ext uri="{FF2B5EF4-FFF2-40B4-BE49-F238E27FC236}">
-                <a16:creationId xmlns:a16="http://schemas.microsoft.com/office/drawing/2014/main" id="{4E913781-857A-3E48-B226-09CE89C72A7A}"/>
+                <a16:creationId xmlns="" xmlns:a16="http://schemas.microsoft.com/office/drawing/2014/main" id="{4E913781-857A-3E48-B226-09CE89C72A7A}"/>
               </a:ext>
             </a:extLst>
           </p:cNvPr>
@@ -5828,7 +4838,7 @@
           <p:cNvPr id="7" name="Slide Number Placeholder 6">
             <a:extLst>
               <a:ext uri="{FF2B5EF4-FFF2-40B4-BE49-F238E27FC236}">
-                <a16:creationId xmlns:a16="http://schemas.microsoft.com/office/drawing/2014/main" id="{A864856C-4BF7-3B4E-9CEA-2E7EA7900245}"/>
+                <a16:creationId xmlns="" xmlns:a16="http://schemas.microsoft.com/office/drawing/2014/main" id="{A864856C-4BF7-3B4E-9CEA-2E7EA7900245}"/>
               </a:ext>
             </a:extLst>
           </p:cNvPr>
@@ -5891,7 +4901,7 @@
           <p:cNvPr id="2" name="Title Placeholder 1">
             <a:extLst>
               <a:ext uri="{FF2B5EF4-FFF2-40B4-BE49-F238E27FC236}">
-                <a16:creationId xmlns:a16="http://schemas.microsoft.com/office/drawing/2014/main" id="{BD2A244F-B280-7C4A-AD83-C9C8905E45B7}"/>
+                <a16:creationId xmlns="" xmlns:a16="http://schemas.microsoft.com/office/drawing/2014/main" id="{BD2A244F-B280-7C4A-AD83-C9C8905E45B7}"/>
               </a:ext>
             </a:extLst>
           </p:cNvPr>
@@ -5930,7 +4940,7 @@
           <p:cNvPr id="3" name="Text Placeholder 2">
             <a:extLst>
               <a:ext uri="{FF2B5EF4-FFF2-40B4-BE49-F238E27FC236}">
-                <a16:creationId xmlns:a16="http://schemas.microsoft.com/office/drawing/2014/main" id="{8EE5F68F-36DA-F146-8811-CB40E8999A78}"/>
+                <a16:creationId xmlns="" xmlns:a16="http://schemas.microsoft.com/office/drawing/2014/main" id="{8EE5F68F-36DA-F146-8811-CB40E8999A78}"/>
               </a:ext>
             </a:extLst>
           </p:cNvPr>
@@ -5998,7 +5008,7 @@
           <p:cNvPr id="4" name="Date Placeholder 3">
             <a:extLst>
               <a:ext uri="{FF2B5EF4-FFF2-40B4-BE49-F238E27FC236}">
-                <a16:creationId xmlns:a16="http://schemas.microsoft.com/office/drawing/2014/main" id="{DACDDB87-55EC-0640-9CA5-3E70A8CB4F2E}"/>
+                <a16:creationId xmlns="" xmlns:a16="http://schemas.microsoft.com/office/drawing/2014/main" id="{DACDDB87-55EC-0640-9CA5-3E70A8CB4F2E}"/>
               </a:ext>
             </a:extLst>
           </p:cNvPr>
@@ -6033,7 +5043,7 @@
           </a:lstStyle>
           <a:p>
             <a:fld id="{B2DBA213-96A6-5E42-AF5C-6ED87FB0D293}" type="datetimeFigureOut">
-              <a:t>2021/3/19</a:t>
+              <a:t>2021/3/20</a:t>
             </a:fld>
             <a:endParaRPr lang="fr-FR"/>
           </a:p>
@@ -6044,7 +5054,7 @@
           <p:cNvPr id="5" name="Footer Placeholder 4">
             <a:extLst>
               <a:ext uri="{FF2B5EF4-FFF2-40B4-BE49-F238E27FC236}">
-                <a16:creationId xmlns:a16="http://schemas.microsoft.com/office/drawing/2014/main" id="{DB9D735B-71F3-1945-934E-603670D21918}"/>
+                <a16:creationId xmlns="" xmlns:a16="http://schemas.microsoft.com/office/drawing/2014/main" id="{DB9D735B-71F3-1945-934E-603670D21918}"/>
               </a:ext>
             </a:extLst>
           </p:cNvPr>
@@ -6087,7 +5097,7 @@
           <p:cNvPr id="6" name="Slide Number Placeholder 5">
             <a:extLst>
               <a:ext uri="{FF2B5EF4-FFF2-40B4-BE49-F238E27FC236}">
-                <a16:creationId xmlns:a16="http://schemas.microsoft.com/office/drawing/2014/main" id="{AC60CE60-F9DD-6B45-A6CD-DE8BA1DCDD10}"/>
+                <a16:creationId xmlns="" xmlns:a16="http://schemas.microsoft.com/office/drawing/2014/main" id="{AC60CE60-F9DD-6B45-A6CD-DE8BA1DCDD10}"/>
               </a:ext>
             </a:extLst>
           </p:cNvPr>
@@ -6485,7 +5495,7 @@
               </a:buClr>
             </a:pPr>
             <a:r>
-              <a:rPr lang="en-US" altLang="zh-CN" sz="3200" b="1" dirty="0" err="1">
+              <a:rPr lang="en-US" altLang="zh-CN" sz="3200" b="1" dirty="0" smtClean="0">
                 <a:solidFill>
                   <a:srgbClr val="232323"/>
                 </a:solidFill>
@@ -6494,19 +5504,7 @@
                 <a:cs typeface="Helvetica Neue"/>
                 <a:sym typeface="Helvetica Neue"/>
               </a:rPr>
-              <a:t>MiniApps</a:t>
-            </a:r>
-            <a:r>
-              <a:rPr lang="en-US" altLang="zh-CN" sz="3200" b="1" dirty="0">
-                <a:solidFill>
-                  <a:srgbClr val="232323"/>
-                </a:solidFill>
-                <a:latin typeface="Helvetica Neue"/>
-                <a:ea typeface="Helvetica Neue"/>
-                <a:cs typeface="Helvetica Neue"/>
-                <a:sym typeface="Helvetica Neue"/>
-              </a:rPr>
-              <a:t> CG Work Intro</a:t>
+              <a:t>MiniApps CG Work Intro</a:t>
             </a:r>
             <a:endParaRPr sz="3200" b="1" dirty="0">
               <a:solidFill>
@@ -6591,7 +5589,7 @@
               <a:buSzPts val="1500"/>
             </a:pPr>
             <a:r>
-              <a:rPr lang="en" sz="2000" dirty="0">
+              <a:rPr lang="en" sz="2000" dirty="0" smtClean="0">
                 <a:solidFill>
                   <a:srgbClr val="232323"/>
                 </a:solidFill>
@@ -6603,7 +5601,7 @@
               <a:t>2021</a:t>
             </a:r>
             <a:r>
-              <a:rPr lang="en-US" sz="2000" dirty="0">
+              <a:rPr lang="en-US" sz="2000" dirty="0" smtClean="0">
                 <a:solidFill>
                   <a:srgbClr val="232323"/>
                 </a:solidFill>
@@ -6666,7 +5664,7 @@
                 <a:srgbClr val="232323"/>
               </a:buClr>
             </a:pPr>
-            <a:endParaRPr lang="en" dirty="0">
+            <a:endParaRPr lang="en" dirty="0" smtClean="0">
               <a:solidFill>
                 <a:srgbClr val="232323"/>
               </a:solidFill>
@@ -6688,6 +5686,13 @@
   <p:clrMapOvr>
     <a:masterClrMapping/>
   </p:clrMapOvr>
+  <p:timing>
+    <p:tnLst>
+      <p:par>
+        <p:cTn id="1" dur="indefinite" restart="never" nodeType="tmRoot"/>
+      </p:par>
+    </p:tnLst>
+  </p:timing>
 </p:sld>
 </file>
 
@@ -6724,17 +5729,37 @@
           <a:lstStyle/>
           <a:p>
             <a:r>
-              <a:rPr lang="en-US" altLang="zh-CN" b="1" dirty="0" err="1"/>
-              <a:t>MiniApps</a:t>
-            </a:r>
-            <a:r>
-              <a:rPr lang="en-US" altLang="zh-CN" b="1" dirty="0"/>
-              <a:t> CG Work Overview</a:t>
+              <a:rPr lang="en-US" altLang="zh-CN" b="1" dirty="0" smtClean="0"/>
+              <a:t>MiniApps CG Work Overview</a:t>
             </a:r>
             <a:endParaRPr lang="zh-CN" altLang="en-US" b="1" dirty="0"/>
           </a:p>
         </p:txBody>
       </p:sp>
+      <p:pic>
+        <p:nvPicPr>
+          <p:cNvPr id="13" name="图片 12"/>
+          <p:cNvPicPr>
+            <a:picLocks noChangeAspect="1"/>
+          </p:cNvPicPr>
+          <p:nvPr/>
+        </p:nvPicPr>
+        <p:blipFill>
+          <a:blip r:embed="rId3"/>
+          <a:stretch>
+            <a:fillRect/>
+          </a:stretch>
+        </p:blipFill>
+        <p:spPr>
+          <a:xfrm>
+            <a:off x="372533" y="-1709121"/>
+            <a:ext cx="11091384" cy="1564591"/>
+          </a:xfrm>
+          <a:prstGeom prst="rect">
+            <a:avLst/>
+          </a:prstGeom>
+        </p:spPr>
+      </p:pic>
       <p:sp>
         <p:nvSpPr>
           <p:cNvPr id="4" name="立方体 3"/>
@@ -6743,8 +5768,8 @@
         </p:nvSpPr>
         <p:spPr>
           <a:xfrm>
-            <a:off x="3753194" y="3087006"/>
-            <a:ext cx="1340369" cy="887023"/>
+            <a:off x="4691505" y="2162453"/>
+            <a:ext cx="1115891" cy="584152"/>
           </a:xfrm>
           <a:prstGeom prst="cube">
             <a:avLst/>
@@ -6772,10 +5797,10 @@
           <a:p>
             <a:pPr algn="ctr"/>
             <a:r>
-              <a:rPr lang="en-US" altLang="zh-CN" b="1" dirty="0"/>
+              <a:rPr lang="en-US" altLang="zh-CN" sz="1600" b="1" dirty="0" smtClean="0"/>
               <a:t>Package</a:t>
             </a:r>
-            <a:endParaRPr lang="zh-CN" altLang="en-US" b="1" dirty="0"/>
+            <a:endParaRPr lang="zh-CN" altLang="en-US" sz="1600" b="1" dirty="0"/>
           </a:p>
         </p:txBody>
       </p:sp>
@@ -6787,8 +5812,8 @@
         </p:nvSpPr>
         <p:spPr>
           <a:xfrm>
-            <a:off x="838200" y="3359878"/>
-            <a:ext cx="2184705" cy="470888"/>
+            <a:off x="1908089" y="2342154"/>
+            <a:ext cx="1818823" cy="310105"/>
           </a:xfrm>
           <a:prstGeom prst="bracketPair">
             <a:avLst/>
@@ -6814,10 +5839,10 @@
           <a:p>
             <a:pPr algn="ctr"/>
             <a:r>
-              <a:rPr lang="en-US" altLang="zh-CN" b="1" dirty="0"/>
+              <a:rPr lang="en-US" altLang="zh-CN" sz="1600" b="1" dirty="0" smtClean="0"/>
               <a:t>MiniApp URI (Addressing)</a:t>
             </a:r>
-            <a:endParaRPr lang="zh-CN" altLang="en-US" b="1" dirty="0"/>
+            <a:endParaRPr lang="zh-CN" altLang="en-US" sz="1600" b="1" dirty="0"/>
           </a:p>
         </p:txBody>
       </p:sp>
@@ -6829,8 +5854,8 @@
         </p:nvSpPr>
         <p:spPr>
           <a:xfrm>
-            <a:off x="5576267" y="2271164"/>
-            <a:ext cx="1089614" cy="815842"/>
+            <a:off x="6443200" y="1826157"/>
+            <a:ext cx="1002255" cy="336295"/>
           </a:xfrm>
           <a:prstGeom prst="foldedCorner">
             <a:avLst/>
@@ -6858,10 +5883,10 @@
           <a:p>
             <a:pPr algn="ctr"/>
             <a:r>
-              <a:rPr lang="en-US" altLang="zh-CN" b="1" dirty="0"/>
+              <a:rPr lang="en-US" altLang="zh-CN" sz="1600" b="1" dirty="0" smtClean="0"/>
               <a:t>Manifest</a:t>
             </a:r>
-            <a:endParaRPr lang="zh-CN" altLang="en-US" b="1" dirty="0"/>
+            <a:endParaRPr lang="zh-CN" altLang="en-US" sz="1600" b="1" dirty="0"/>
           </a:p>
         </p:txBody>
       </p:sp>
@@ -6873,8 +5898,8 @@
         </p:nvSpPr>
         <p:spPr>
           <a:xfrm>
-            <a:off x="5576267" y="3818591"/>
-            <a:ext cx="1122467" cy="897974"/>
+            <a:off x="6443201" y="2534170"/>
+            <a:ext cx="999000" cy="591364"/>
           </a:xfrm>
           <a:prstGeom prst="flowChartMultidocument">
             <a:avLst/>
@@ -6902,17 +5927,17 @@
           <a:p>
             <a:pPr algn="ctr"/>
             <a:r>
-              <a:rPr lang="en-US" altLang="zh-CN" b="1" dirty="0"/>
+              <a:rPr lang="en-US" altLang="zh-CN" sz="1600" b="1" dirty="0" smtClean="0"/>
               <a:t>Pages</a:t>
             </a:r>
           </a:p>
           <a:p>
             <a:pPr algn="ctr"/>
             <a:r>
-              <a:rPr lang="en-US" altLang="zh-CN" sz="1400" b="1" dirty="0"/>
+              <a:rPr lang="en-US" altLang="zh-CN" sz="1200" b="1" dirty="0" smtClean="0"/>
               <a:t>(Widget)</a:t>
             </a:r>
-            <a:endParaRPr lang="zh-CN" altLang="en-US" sz="1400" b="1" dirty="0"/>
+            <a:endParaRPr lang="zh-CN" altLang="en-US" sz="1200" b="1" dirty="0"/>
           </a:p>
         </p:txBody>
       </p:sp>
@@ -6924,8 +5949,8 @@
         </p:nvSpPr>
         <p:spPr>
           <a:xfrm flipH="1">
-            <a:off x="7122204" y="3392875"/>
-            <a:ext cx="1259353" cy="498266"/>
+            <a:off x="8155683" y="2522634"/>
+            <a:ext cx="1048444" cy="328135"/>
           </a:xfrm>
           <a:prstGeom prst="curvedUpArrow">
             <a:avLst/>
@@ -6952,7 +5977,7 @@
           <a:lstStyle/>
           <a:p>
             <a:pPr algn="ctr"/>
-            <a:endParaRPr lang="zh-CN" altLang="en-US">
+            <a:endParaRPr lang="zh-CN" altLang="en-US" sz="1600">
               <a:solidFill>
                 <a:schemeClr val="tx1"/>
               </a:solidFill>
@@ -6968,8 +5993,8 @@
         </p:nvSpPr>
         <p:spPr>
           <a:xfrm>
-            <a:off x="7176957" y="2774150"/>
-            <a:ext cx="1259353" cy="518655"/>
+            <a:off x="8201266" y="2115171"/>
+            <a:ext cx="1048444" cy="341562"/>
           </a:xfrm>
           <a:prstGeom prst="curvedDownArrow">
             <a:avLst/>
@@ -6996,7 +6021,7 @@
           <a:lstStyle/>
           <a:p>
             <a:pPr algn="ctr"/>
-            <a:endParaRPr lang="zh-CN" altLang="en-US">
+            <a:endParaRPr lang="zh-CN" altLang="en-US" sz="1600">
               <a:solidFill>
                 <a:schemeClr val="tx1"/>
               </a:solidFill>
@@ -7012,8 +6037,8 @@
         </p:nvSpPr>
         <p:spPr>
           <a:xfrm>
-            <a:off x="7190645" y="3074543"/>
-            <a:ext cx="1130684" cy="470888"/>
+            <a:off x="8212662" y="2312995"/>
+            <a:ext cx="941323" cy="310105"/>
           </a:xfrm>
           <a:prstGeom prst="bracketPair">
             <a:avLst/>
@@ -7042,37 +6067,13 @@
           <a:p>
             <a:pPr algn="ctr"/>
             <a:r>
-              <a:rPr lang="en-US" altLang="zh-CN" b="1" dirty="0"/>
+              <a:rPr lang="en-US" altLang="zh-CN" sz="1600" b="1" dirty="0" smtClean="0"/>
               <a:t>Lifecycle</a:t>
             </a:r>
-            <a:endParaRPr lang="zh-CN" altLang="en-US" b="1" dirty="0"/>
-          </a:p>
-        </p:txBody>
-      </p:sp>
-      <p:pic>
-        <p:nvPicPr>
-          <p:cNvPr id="13" name="图片 12"/>
-          <p:cNvPicPr>
-            <a:picLocks noChangeAspect="1"/>
-          </p:cNvPicPr>
-          <p:nvPr/>
-        </p:nvPicPr>
-        <p:blipFill>
-          <a:blip r:embed="rId2"/>
-          <a:stretch>
-            <a:fillRect/>
-          </a:stretch>
-        </p:blipFill>
-        <p:spPr>
-          <a:xfrm>
-            <a:off x="372533" y="-1709121"/>
-            <a:ext cx="11091384" cy="1564591"/>
-          </a:xfrm>
-          <a:prstGeom prst="rect">
-            <a:avLst/>
-          </a:prstGeom>
-        </p:spPr>
-      </p:pic>
+            <a:endParaRPr lang="zh-CN" altLang="en-US" sz="1600" b="1" dirty="0"/>
+          </a:p>
+        </p:txBody>
+      </p:sp>
       <p:sp>
         <p:nvSpPr>
           <p:cNvPr id="14" name="左大括号 13"/>
@@ -7081,8 +6082,8 @@
         </p:nvSpPr>
         <p:spPr>
           <a:xfrm>
-            <a:off x="5225994" y="2773843"/>
-            <a:ext cx="213542" cy="1618608"/>
+            <a:off x="6018240" y="1956218"/>
+            <a:ext cx="177779" cy="1065940"/>
           </a:xfrm>
           <a:prstGeom prst="leftBrace">
             <a:avLst/>
@@ -7107,7 +6108,7 @@
           <a:lstStyle/>
           <a:p>
             <a:pPr algn="ctr"/>
-            <a:endParaRPr lang="zh-CN" altLang="en-US"/>
+            <a:endParaRPr lang="zh-CN" altLang="en-US" sz="1600"/>
           </a:p>
         </p:txBody>
       </p:sp>
@@ -7119,8 +6120,8 @@
         </p:nvSpPr>
         <p:spPr>
           <a:xfrm>
-            <a:off x="2761023" y="4815002"/>
-            <a:ext cx="1464733" cy="719667"/>
+            <a:off x="3898901" y="3103996"/>
+            <a:ext cx="1531493" cy="557031"/>
           </a:xfrm>
           <a:prstGeom prst="cloud">
             <a:avLst/>
@@ -7148,10 +6149,10 @@
           <a:p>
             <a:pPr algn="ctr"/>
             <a:r>
-              <a:rPr lang="en-US" altLang="zh-CN" b="1" dirty="0"/>
+              <a:rPr lang="en-US" altLang="zh-CN" sz="1600" b="1" dirty="0" smtClean="0"/>
               <a:t>Package Server</a:t>
             </a:r>
-            <a:endParaRPr lang="zh-CN" altLang="en-US" b="1" dirty="0"/>
+            <a:endParaRPr lang="zh-CN" altLang="en-US" sz="1600" b="1" dirty="0"/>
           </a:p>
         </p:txBody>
       </p:sp>
@@ -7163,8 +6164,8 @@
         </p:nvSpPr>
         <p:spPr>
           <a:xfrm>
-            <a:off x="7349713" y="4641790"/>
-            <a:ext cx="804333" cy="964493"/>
+            <a:off x="7752519" y="3150661"/>
+            <a:ext cx="1859266" cy="463700"/>
           </a:xfrm>
           <a:prstGeom prst="rect">
             <a:avLst/>
@@ -7192,10 +6193,29 @@
           <a:p>
             <a:pPr algn="ctr"/>
             <a:r>
-              <a:rPr lang="en-US" altLang="zh-CN" b="1" dirty="0"/>
-              <a:t>User Agent</a:t>
-            </a:r>
-            <a:endParaRPr lang="zh-CN" altLang="en-US" b="1" dirty="0"/>
+              <a:rPr lang="en-US" altLang="zh-CN" sz="1600" b="1" dirty="0" smtClean="0"/>
+              <a:t>User </a:t>
+            </a:r>
+            <a:r>
+              <a:rPr lang="en-US" altLang="zh-CN" sz="1600" b="1" dirty="0" smtClean="0"/>
+              <a:t>Agent</a:t>
+            </a:r>
+            <a:br>
+              <a:rPr lang="en-US" altLang="zh-CN" sz="1600" b="1" dirty="0" smtClean="0"/>
+            </a:br>
+            <a:r>
+              <a:rPr lang="zh-CN" altLang="en-US" sz="1100" b="1" dirty="0" smtClean="0"/>
+              <a:t>（</a:t>
+            </a:r>
+            <a:r>
+              <a:rPr lang="en-US" altLang="zh-CN" sz="1100" b="1" dirty="0" smtClean="0"/>
+              <a:t>super apps, OS, browser…</a:t>
+            </a:r>
+            <a:r>
+              <a:rPr lang="zh-CN" altLang="en-US" sz="1100" b="1" dirty="0" smtClean="0"/>
+              <a:t>）</a:t>
+            </a:r>
+            <a:endParaRPr lang="zh-CN" altLang="en-US" sz="1100" b="1" dirty="0"/>
           </a:p>
         </p:txBody>
       </p:sp>
@@ -7207,14 +6227,14 @@
         </p:nvSpPr>
         <p:spPr>
           <a:xfrm>
-            <a:off x="1671372" y="2846941"/>
-            <a:ext cx="372534" cy="372534"/>
+            <a:off x="2601726" y="2004357"/>
+            <a:ext cx="310144" cy="245334"/>
           </a:xfrm>
           <a:prstGeom prst="ellipse">
             <a:avLst/>
           </a:prstGeom>
           <a:solidFill>
-            <a:srgbClr val="C00000"/>
+            <a:schemeClr val="accent1"/>
           </a:solidFill>
           <a:ln>
             <a:noFill/>
@@ -7242,10 +6262,10 @@
           <a:p>
             <a:pPr algn="ctr"/>
             <a:r>
-              <a:rPr lang="en-US" altLang="zh-CN" sz="2000" b="1" dirty="0"/>
+              <a:rPr lang="en-US" altLang="zh-CN" b="1" dirty="0" smtClean="0"/>
               <a:t>1</a:t>
             </a:r>
-            <a:endParaRPr lang="zh-CN" altLang="en-US" sz="2000" b="1" dirty="0"/>
+            <a:endParaRPr lang="zh-CN" altLang="en-US" b="1" dirty="0"/>
           </a:p>
         </p:txBody>
       </p:sp>
@@ -7257,14 +6277,14 @@
         </p:nvSpPr>
         <p:spPr>
           <a:xfrm>
-            <a:off x="4225756" y="2651103"/>
-            <a:ext cx="372534" cy="372534"/>
+            <a:off x="5147416" y="1875388"/>
+            <a:ext cx="310144" cy="245334"/>
           </a:xfrm>
           <a:prstGeom prst="ellipse">
             <a:avLst/>
           </a:prstGeom>
           <a:solidFill>
-            <a:srgbClr val="C00000"/>
+            <a:schemeClr val="accent1"/>
           </a:solidFill>
           <a:ln>
             <a:noFill/>
@@ -7292,10 +6312,10 @@
           <a:p>
             <a:pPr algn="ctr"/>
             <a:r>
-              <a:rPr lang="en-US" altLang="zh-CN" sz="2000" b="1" dirty="0"/>
+              <a:rPr lang="en-US" altLang="zh-CN" b="1" dirty="0" smtClean="0"/>
               <a:t>2</a:t>
             </a:r>
-            <a:endParaRPr lang="zh-CN" altLang="en-US" sz="2000" b="1" dirty="0"/>
+            <a:endParaRPr lang="zh-CN" altLang="en-US" b="1" dirty="0"/>
           </a:p>
         </p:txBody>
       </p:sp>
@@ -7307,14 +6327,14 @@
         </p:nvSpPr>
         <p:spPr>
           <a:xfrm>
-            <a:off x="6005834" y="1819686"/>
-            <a:ext cx="372534" cy="372534"/>
+            <a:off x="6800827" y="1547452"/>
+            <a:ext cx="310144" cy="245334"/>
           </a:xfrm>
           <a:prstGeom prst="ellipse">
             <a:avLst/>
           </a:prstGeom>
           <a:solidFill>
-            <a:srgbClr val="C00000"/>
+            <a:schemeClr val="accent1"/>
           </a:solidFill>
           <a:ln>
             <a:noFill/>
@@ -7342,10 +6362,10 @@
           <a:p>
             <a:pPr algn="ctr"/>
             <a:r>
-              <a:rPr lang="en-US" altLang="zh-CN" sz="2000" b="1" dirty="0"/>
+              <a:rPr lang="en-US" altLang="zh-CN" b="1" dirty="0" smtClean="0"/>
               <a:t>3</a:t>
             </a:r>
-            <a:endParaRPr lang="zh-CN" altLang="en-US" sz="2000" b="1" dirty="0"/>
+            <a:endParaRPr lang="zh-CN" altLang="en-US" b="1" dirty="0"/>
           </a:p>
         </p:txBody>
       </p:sp>
@@ -7357,14 +6377,14 @@
         </p:nvSpPr>
         <p:spPr>
           <a:xfrm>
-            <a:off x="5989301" y="3359164"/>
-            <a:ext cx="372534" cy="372534"/>
+            <a:off x="6787062" y="2259512"/>
+            <a:ext cx="310144" cy="245334"/>
           </a:xfrm>
           <a:prstGeom prst="ellipse">
             <a:avLst/>
           </a:prstGeom>
           <a:solidFill>
-            <a:srgbClr val="C00000"/>
+            <a:schemeClr val="accent1"/>
           </a:solidFill>
           <a:ln>
             <a:noFill/>
@@ -7392,10 +6412,10 @@
           <a:p>
             <a:pPr algn="ctr"/>
             <a:r>
-              <a:rPr lang="en-US" altLang="zh-CN" sz="2000" b="1" dirty="0"/>
+              <a:rPr lang="en-US" altLang="zh-CN" b="1" dirty="0" smtClean="0"/>
               <a:t>4</a:t>
             </a:r>
-            <a:endParaRPr lang="zh-CN" altLang="en-US" sz="2000" b="1" dirty="0"/>
+            <a:endParaRPr lang="zh-CN" altLang="en-US" b="1" dirty="0"/>
           </a:p>
         </p:txBody>
       </p:sp>
@@ -7407,14 +6427,14 @@
         </p:nvSpPr>
         <p:spPr>
           <a:xfrm>
-            <a:off x="7620366" y="2272661"/>
-            <a:ext cx="372534" cy="372534"/>
+            <a:off x="8570416" y="1784913"/>
+            <a:ext cx="310144" cy="245334"/>
           </a:xfrm>
           <a:prstGeom prst="ellipse">
             <a:avLst/>
           </a:prstGeom>
           <a:solidFill>
-            <a:srgbClr val="C00000"/>
+            <a:schemeClr val="accent1"/>
           </a:solidFill>
           <a:ln>
             <a:noFill/>
@@ -7442,10 +6462,10 @@
           <a:p>
             <a:pPr algn="ctr"/>
             <a:r>
-              <a:rPr lang="en-US" altLang="zh-CN" sz="2000" b="1" dirty="0"/>
+              <a:rPr lang="en-US" altLang="zh-CN" b="1" dirty="0" smtClean="0"/>
               <a:t>5</a:t>
             </a:r>
-            <a:endParaRPr lang="zh-CN" altLang="en-US" sz="2000" b="1" dirty="0"/>
+            <a:endParaRPr lang="zh-CN" altLang="en-US" b="1" dirty="0"/>
           </a:p>
         </p:txBody>
       </p:sp>
@@ -7457,8 +6477,8 @@
         </p:nvSpPr>
         <p:spPr>
           <a:xfrm>
-            <a:off x="1057902" y="5053855"/>
-            <a:ext cx="1364575" cy="296333"/>
+            <a:off x="1961878" y="3218668"/>
+            <a:ext cx="1833305" cy="403500"/>
           </a:xfrm>
           <a:prstGeom prst="rightArrow">
             <a:avLst/>
@@ -7485,7 +6505,11 @@
           <a:lstStyle/>
           <a:p>
             <a:pPr algn="ctr"/>
-            <a:endParaRPr lang="zh-CN" altLang="en-US"/>
+            <a:r>
+              <a:rPr lang="en-US" altLang="zh-CN" sz="1600" dirty="0" smtClean="0"/>
+              <a:t>request</a:t>
+            </a:r>
+            <a:endParaRPr lang="zh-CN" altLang="en-US" sz="1600" dirty="0"/>
           </a:p>
         </p:txBody>
       </p:sp>
@@ -7497,8 +6521,8 @@
         </p:nvSpPr>
         <p:spPr>
           <a:xfrm>
-            <a:off x="4598289" y="4998821"/>
-            <a:ext cx="2227855" cy="296333"/>
+            <a:off x="5629009" y="3218668"/>
+            <a:ext cx="1854746" cy="403500"/>
           </a:xfrm>
           <a:prstGeom prst="rightArrow">
             <a:avLst/>
@@ -7525,113 +6549,429 @@
           <a:lstStyle/>
           <a:p>
             <a:pPr algn="ctr"/>
-            <a:endParaRPr lang="zh-CN" altLang="en-US"/>
-          </a:p>
-        </p:txBody>
-      </p:sp>
-      <p:sp>
-        <p:nvSpPr>
-          <p:cNvPr id="30" name="文本框 29"/>
-          <p:cNvSpPr txBox="1"/>
-          <p:nvPr/>
-        </p:nvSpPr>
-        <p:spPr>
-          <a:xfrm>
-            <a:off x="9150139" y="1960183"/>
-            <a:ext cx="2616751" cy="2585323"/>
-          </a:xfrm>
-          <a:prstGeom prst="rect">
-            <a:avLst/>
-          </a:prstGeom>
-          <a:noFill/>
-        </p:spPr>
-        <p:txBody>
-          <a:bodyPr wrap="square" rtlCol="0">
-            <a:spAutoFit/>
-          </a:bodyPr>
-          <a:lstStyle/>
-          <a:p>
-            <a:r>
-              <a:rPr lang="en-US" altLang="zh-CN" b="1" dirty="0"/>
-              <a:t>MiniApp specs:</a:t>
-            </a:r>
-          </a:p>
-          <a:p>
-            <a:pPr marL="342900" indent="-342900">
-              <a:buAutoNum type="arabicPeriod"/>
-            </a:pPr>
-            <a:r>
-              <a:rPr lang="en-US" altLang="zh-CN" b="1" dirty="0" err="1"/>
-              <a:t>MiniApp</a:t>
-            </a:r>
-            <a:r>
-              <a:rPr lang="en-US" altLang="zh-CN" b="1" dirty="0"/>
-              <a:t> URI Scheme</a:t>
-            </a:r>
-          </a:p>
-          <a:p>
-            <a:pPr marL="342900" indent="-342900">
-              <a:buFontTx/>
-              <a:buAutoNum type="arabicPeriod"/>
-            </a:pPr>
-            <a:r>
-              <a:rPr lang="en-US" altLang="zh-CN" b="1" dirty="0"/>
-              <a:t>MiniApp Packaging</a:t>
-            </a:r>
-            <a:r>
-              <a:rPr lang="zh-CN" altLang="en-US" b="1" dirty="0"/>
-              <a:t>*</a:t>
-            </a:r>
-            <a:endParaRPr lang="en-US" altLang="zh-CN" b="1" dirty="0"/>
-          </a:p>
-          <a:p>
-            <a:pPr marL="342900" indent="-342900">
-              <a:buFontTx/>
-              <a:buAutoNum type="arabicPeriod"/>
-            </a:pPr>
-            <a:r>
-              <a:rPr lang="en-US" altLang="zh-CN" b="1" dirty="0"/>
-              <a:t>MiniApp Manifest</a:t>
-            </a:r>
-            <a:r>
-              <a:rPr lang="zh-CN" altLang="en-US" b="1" dirty="0"/>
-              <a:t>*</a:t>
-            </a:r>
-            <a:endParaRPr lang="en-US" altLang="zh-CN" b="1" dirty="0"/>
-          </a:p>
-          <a:p>
-            <a:pPr marL="342900" indent="-342900">
-              <a:buFont typeface="+mj-lt"/>
-              <a:buAutoNum type="arabicPeriod" startAt="4"/>
-            </a:pPr>
-            <a:r>
-              <a:rPr lang="en-US" altLang="zh-CN" b="1" dirty="0"/>
-              <a:t>MiniApp Widget Requirements</a:t>
-            </a:r>
-          </a:p>
-          <a:p>
-            <a:pPr marL="342900" indent="-342900">
-              <a:buFont typeface="+mj-lt"/>
-              <a:buAutoNum type="arabicPeriod" startAt="4"/>
-            </a:pPr>
-            <a:r>
-              <a:rPr lang="en-US" altLang="zh-CN" b="1" dirty="0"/>
-              <a:t>MiniApp Lifecycle</a:t>
-            </a:r>
-            <a:r>
-              <a:rPr lang="zh-CN" altLang="en-US" b="1" dirty="0"/>
-              <a:t>*</a:t>
-            </a:r>
-            <a:endParaRPr lang="en-US" altLang="zh-CN" b="1" dirty="0"/>
-          </a:p>
-          <a:p>
-            <a:r>
-              <a:rPr lang="en-US" altLang="zh-CN" dirty="0"/>
-              <a:t>(* transferred to WG as normative)</a:t>
-            </a:r>
-          </a:p>
-        </p:txBody>
-      </p:sp>
+            <a:r>
+              <a:rPr lang="en-US" altLang="zh-CN" sz="1600" dirty="0" smtClean="0"/>
+              <a:t>delivery</a:t>
+            </a:r>
+            <a:endParaRPr lang="zh-CN" altLang="en-US" sz="1600" dirty="0"/>
+          </a:p>
+        </p:txBody>
+      </p:sp>
+      <p:graphicFrame>
+        <p:nvGraphicFramePr>
+          <p:cNvPr id="5" name="表格 4"/>
+          <p:cNvGraphicFramePr>
+            <a:graphicFrameLocks noGrp="1"/>
+          </p:cNvGraphicFramePr>
+          <p:nvPr>
+            <p:extLst>
+              <p:ext uri="{D42A27DB-BD31-4B8C-83A1-F6EECF244321}">
+                <p14:modId xmlns:p14="http://schemas.microsoft.com/office/powerpoint/2010/main" val="1303322027"/>
+              </p:ext>
+            </p:extLst>
+          </p:nvPr>
+        </p:nvGraphicFramePr>
+        <p:xfrm>
+          <a:off x="1894144" y="4111975"/>
+          <a:ext cx="7767955" cy="2011680"/>
+        </p:xfrm>
+        <a:graphic>
+          <a:graphicData uri="http://schemas.openxmlformats.org/drawingml/2006/table">
+            <a:tbl>
+              <a:tblPr firstRow="1" bandRow="1">
+                <a:tableStyleId>{5C22544A-7EE6-4342-B048-85BDC9FD1C3A}</a:tableStyleId>
+              </a:tblPr>
+              <a:tblGrid>
+                <a:gridCol w="351155"/>
+                <a:gridCol w="3455757"/>
+                <a:gridCol w="2108200"/>
+                <a:gridCol w="1852843"/>
+              </a:tblGrid>
+              <a:tr h="321356">
+                <a:tc>
+                  <a:txBody>
+                    <a:bodyPr/>
+                    <a:lstStyle/>
+                    <a:p>
+                      <a:r>
+                        <a:rPr lang="en-US" altLang="zh-CN" sz="1600" dirty="0" smtClean="0"/>
+                        <a:t>#</a:t>
+                      </a:r>
+                      <a:endParaRPr lang="zh-CN" altLang="en-US" sz="1600" dirty="0"/>
+                    </a:p>
+                  </a:txBody>
+                  <a:tcPr/>
+                </a:tc>
+                <a:tc>
+                  <a:txBody>
+                    <a:bodyPr/>
+                    <a:lstStyle/>
+                    <a:p>
+                      <a:r>
+                        <a:rPr lang="en-US" altLang="zh-CN" sz="1600" dirty="0" smtClean="0"/>
+                        <a:t>MiniApp Specs (incubated in CG)</a:t>
+                      </a:r>
+                      <a:endParaRPr lang="zh-CN" altLang="en-US" sz="1600" dirty="0"/>
+                    </a:p>
+                  </a:txBody>
+                  <a:tcPr/>
+                </a:tc>
+                <a:tc>
+                  <a:txBody>
+                    <a:bodyPr/>
+                    <a:lstStyle/>
+                    <a:p>
+                      <a:r>
+                        <a:rPr lang="en-US" altLang="zh-CN" sz="1600" dirty="0" smtClean="0"/>
+                        <a:t>Transposed to WG</a:t>
+                      </a:r>
+                      <a:endParaRPr lang="zh-CN" altLang="en-US" sz="1600" dirty="0"/>
+                    </a:p>
+                  </a:txBody>
+                  <a:tcPr/>
+                </a:tc>
+                <a:tc>
+                  <a:txBody>
+                    <a:bodyPr/>
+                    <a:lstStyle/>
+                    <a:p>
+                      <a:r>
+                        <a:rPr lang="en-US" altLang="zh-CN" sz="1600" dirty="0" smtClean="0"/>
+                        <a:t>TAG Reviewed</a:t>
+                      </a:r>
+                      <a:endParaRPr lang="zh-CN" altLang="en-US" sz="1600" dirty="0"/>
+                    </a:p>
+                  </a:txBody>
+                  <a:tcPr/>
+                </a:tc>
+              </a:tr>
+              <a:tr h="321356">
+                <a:tc>
+                  <a:txBody>
+                    <a:bodyPr/>
+                    <a:lstStyle/>
+                    <a:p>
+                      <a:r>
+                        <a:rPr lang="en-US" altLang="zh-CN" sz="1600" dirty="0" smtClean="0"/>
+                        <a:t>1</a:t>
+                      </a:r>
+                      <a:endParaRPr lang="zh-CN" altLang="en-US" sz="1600" dirty="0"/>
+                    </a:p>
+                  </a:txBody>
+                  <a:tcPr/>
+                </a:tc>
+                <a:tc>
+                  <a:txBody>
+                    <a:bodyPr/>
+                    <a:lstStyle/>
+                    <a:p>
+                      <a:pPr marL="0" marR="0" lvl="0" indent="0" algn="l" defTabSz="914400" rtl="0" eaLnBrk="1" fontAlgn="auto" latinLnBrk="0" hangingPunct="1">
+                        <a:lnSpc>
+                          <a:spcPct val="100000"/>
+                        </a:lnSpc>
+                        <a:spcBef>
+                          <a:spcPts val="0"/>
+                        </a:spcBef>
+                        <a:spcAft>
+                          <a:spcPts val="0"/>
+                        </a:spcAft>
+                        <a:buClrTx/>
+                        <a:buSzTx/>
+                        <a:buFontTx/>
+                        <a:buNone/>
+                        <a:tabLst/>
+                        <a:defRPr/>
+                      </a:pPr>
+                      <a:r>
+                        <a:rPr lang="en-US" altLang="zh-CN" sz="1600" b="1" dirty="0" smtClean="0"/>
+                        <a:t>MiniApp URI Scheme</a:t>
+                      </a:r>
+                    </a:p>
+                  </a:txBody>
+                  <a:tcPr/>
+                </a:tc>
+                <a:tc>
+                  <a:txBody>
+                    <a:bodyPr/>
+                    <a:lstStyle/>
+                    <a:p>
+                      <a:r>
+                        <a:rPr lang="en-US" altLang="zh-CN" sz="1600" dirty="0" smtClean="0"/>
+                        <a:t>Note</a:t>
+                      </a:r>
+                      <a:endParaRPr lang="zh-CN" altLang="en-US" sz="1600" dirty="0"/>
+                    </a:p>
+                  </a:txBody>
+                  <a:tcPr/>
+                </a:tc>
+                <a:tc>
+                  <a:txBody>
+                    <a:bodyPr/>
+                    <a:lstStyle/>
+                    <a:p>
+                      <a:r>
+                        <a:rPr lang="en-US" altLang="zh-CN" sz="1600" dirty="0" smtClean="0"/>
+                        <a:t>Y</a:t>
+                      </a:r>
+                      <a:endParaRPr lang="zh-CN" altLang="en-US" sz="1600" dirty="0"/>
+                    </a:p>
+                  </a:txBody>
+                  <a:tcPr/>
+                </a:tc>
+              </a:tr>
+              <a:tr h="321356">
+                <a:tc>
+                  <a:txBody>
+                    <a:bodyPr/>
+                    <a:lstStyle/>
+                    <a:p>
+                      <a:r>
+                        <a:rPr lang="en-US" altLang="zh-CN" sz="1600" dirty="0" smtClean="0"/>
+                        <a:t>2</a:t>
+                      </a:r>
+                      <a:endParaRPr lang="zh-CN" altLang="en-US" sz="1600" dirty="0"/>
+                    </a:p>
+                  </a:txBody>
+                  <a:tcPr/>
+                </a:tc>
+                <a:tc>
+                  <a:txBody>
+                    <a:bodyPr/>
+                    <a:lstStyle/>
+                    <a:p>
+                      <a:r>
+                        <a:rPr lang="en-US" altLang="zh-CN" sz="1600" b="1" dirty="0" smtClean="0"/>
+                        <a:t>MiniApp Packaging</a:t>
+                      </a:r>
+                      <a:endParaRPr lang="zh-CN" altLang="en-US" sz="1600" b="1" dirty="0"/>
+                    </a:p>
+                  </a:txBody>
+                  <a:tcPr/>
+                </a:tc>
+                <a:tc>
+                  <a:txBody>
+                    <a:bodyPr/>
+                    <a:lstStyle/>
+                    <a:p>
+                      <a:r>
+                        <a:rPr lang="en-US" altLang="zh-CN" sz="1600" b="0" dirty="0" smtClean="0"/>
+                        <a:t>Normative</a:t>
+                      </a:r>
+                      <a:endParaRPr lang="zh-CN" altLang="en-US" sz="1600" b="0" dirty="0"/>
+                    </a:p>
+                  </a:txBody>
+                  <a:tcPr/>
+                </a:tc>
+                <a:tc>
+                  <a:txBody>
+                    <a:bodyPr/>
+                    <a:lstStyle/>
+                    <a:p>
+                      <a:r>
+                        <a:rPr lang="en-US" altLang="zh-CN" sz="1600" dirty="0" smtClean="0"/>
+                        <a:t>informally</a:t>
+                      </a:r>
+                      <a:endParaRPr lang="zh-CN" altLang="en-US" sz="1600" dirty="0"/>
+                    </a:p>
+                  </a:txBody>
+                  <a:tcPr/>
+                </a:tc>
+              </a:tr>
+              <a:tr h="321356">
+                <a:tc>
+                  <a:txBody>
+                    <a:bodyPr/>
+                    <a:lstStyle/>
+                    <a:p>
+                      <a:r>
+                        <a:rPr lang="en-US" altLang="zh-CN" sz="1600" dirty="0" smtClean="0"/>
+                        <a:t>3</a:t>
+                      </a:r>
+                      <a:endParaRPr lang="zh-CN" altLang="en-US" sz="1600" dirty="0"/>
+                    </a:p>
+                  </a:txBody>
+                  <a:tcPr/>
+                </a:tc>
+                <a:tc>
+                  <a:txBody>
+                    <a:bodyPr/>
+                    <a:lstStyle/>
+                    <a:p>
+                      <a:r>
+                        <a:rPr lang="en-US" altLang="zh-CN" sz="1600" b="1" dirty="0" smtClean="0"/>
+                        <a:t>MiniApp Manifest</a:t>
+                      </a:r>
+                      <a:endParaRPr lang="zh-CN" altLang="en-US" sz="1600" b="1" dirty="0"/>
+                    </a:p>
+                  </a:txBody>
+                  <a:tcPr/>
+                </a:tc>
+                <a:tc>
+                  <a:txBody>
+                    <a:bodyPr/>
+                    <a:lstStyle/>
+                    <a:p>
+                      <a:r>
+                        <a:rPr lang="en-US" altLang="zh-CN" sz="1600" b="0" dirty="0" smtClean="0"/>
+                        <a:t>Normative</a:t>
+                      </a:r>
+                      <a:endParaRPr lang="zh-CN" altLang="en-US" sz="1600" b="0" dirty="0"/>
+                    </a:p>
+                  </a:txBody>
+                  <a:tcPr/>
+                </a:tc>
+                <a:tc>
+                  <a:txBody>
+                    <a:bodyPr/>
+                    <a:lstStyle/>
+                    <a:p>
+                      <a:r>
+                        <a:rPr lang="en-US" altLang="zh-CN" sz="1600" dirty="0" smtClean="0"/>
+                        <a:t>Y</a:t>
+                      </a:r>
+                      <a:endParaRPr lang="zh-CN" altLang="en-US" sz="1600" dirty="0"/>
+                    </a:p>
+                  </a:txBody>
+                  <a:tcPr/>
+                </a:tc>
+              </a:tr>
+              <a:tr h="321356">
+                <a:tc>
+                  <a:txBody>
+                    <a:bodyPr/>
+                    <a:lstStyle/>
+                    <a:p>
+                      <a:r>
+                        <a:rPr lang="en-US" altLang="zh-CN" sz="1600" b="0" dirty="0" smtClean="0"/>
+                        <a:t>4</a:t>
+                      </a:r>
+                      <a:endParaRPr lang="zh-CN" altLang="en-US" sz="1600" b="0" dirty="0"/>
+                    </a:p>
+                  </a:txBody>
+                  <a:tcPr/>
+                </a:tc>
+                <a:tc>
+                  <a:txBody>
+                    <a:bodyPr/>
+                    <a:lstStyle/>
+                    <a:p>
+                      <a:pPr marL="0" marR="0" lvl="0" indent="0" algn="l" defTabSz="914400" rtl="0" eaLnBrk="1" fontAlgn="auto" latinLnBrk="0" hangingPunct="1">
+                        <a:lnSpc>
+                          <a:spcPct val="100000"/>
+                        </a:lnSpc>
+                        <a:spcBef>
+                          <a:spcPts val="0"/>
+                        </a:spcBef>
+                        <a:spcAft>
+                          <a:spcPts val="0"/>
+                        </a:spcAft>
+                        <a:buClrTx/>
+                        <a:buSzTx/>
+                        <a:buFontTx/>
+                        <a:buNone/>
+                        <a:tabLst/>
+                        <a:defRPr/>
+                      </a:pPr>
+                      <a:r>
+                        <a:rPr lang="en-US" altLang="zh-CN" sz="1600" b="1" dirty="0" smtClean="0"/>
+                        <a:t>MiniApp Widget Requirements</a:t>
+                      </a:r>
+                      <a:endParaRPr lang="zh-CN" altLang="en-US" sz="1600" b="1" dirty="0"/>
+                    </a:p>
+                  </a:txBody>
+                  <a:tcPr/>
+                </a:tc>
+                <a:tc>
+                  <a:txBody>
+                    <a:bodyPr/>
+                    <a:lstStyle/>
+                    <a:p>
+                      <a:r>
+                        <a:rPr lang="en-US" altLang="zh-CN" sz="1600" b="0" dirty="0" smtClean="0"/>
+                        <a:t>Note</a:t>
+                      </a:r>
+                      <a:endParaRPr lang="zh-CN" altLang="en-US" sz="1600" b="0" dirty="0"/>
+                    </a:p>
+                  </a:txBody>
+                  <a:tcPr/>
+                </a:tc>
+                <a:tc>
+                  <a:txBody>
+                    <a:bodyPr/>
+                    <a:lstStyle/>
+                    <a:p>
+                      <a:r>
+                        <a:rPr lang="en-US" altLang="zh-CN" sz="1600" dirty="0" smtClean="0"/>
+                        <a:t>N</a:t>
+                      </a:r>
+                      <a:endParaRPr lang="zh-CN" altLang="en-US" sz="1600" dirty="0"/>
+                    </a:p>
+                  </a:txBody>
+                  <a:tcPr/>
+                </a:tc>
+              </a:tr>
+              <a:tr h="321356">
+                <a:tc>
+                  <a:txBody>
+                    <a:bodyPr/>
+                    <a:lstStyle/>
+                    <a:p>
+                      <a:r>
+                        <a:rPr lang="en-US" altLang="zh-CN" sz="1600" dirty="0" smtClean="0"/>
+                        <a:t>5</a:t>
+                      </a:r>
+                      <a:endParaRPr lang="zh-CN" altLang="en-US" sz="1600" dirty="0"/>
+                    </a:p>
+                  </a:txBody>
+                  <a:tcPr/>
+                </a:tc>
+                <a:tc>
+                  <a:txBody>
+                    <a:bodyPr/>
+                    <a:lstStyle/>
+                    <a:p>
+                      <a:r>
+                        <a:rPr lang="en-US" altLang="zh-CN" sz="1600" b="1" dirty="0" smtClean="0"/>
+                        <a:t>MiniApp Lifecycle</a:t>
+                      </a:r>
+                      <a:endParaRPr lang="zh-CN" altLang="en-US" sz="1600" dirty="0"/>
+                    </a:p>
+                  </a:txBody>
+                  <a:tcPr/>
+                </a:tc>
+                <a:tc>
+                  <a:txBody>
+                    <a:bodyPr/>
+                    <a:lstStyle/>
+                    <a:p>
+                      <a:r>
+                        <a:rPr lang="en-US" altLang="zh-CN" sz="1600" b="0" dirty="0" smtClean="0"/>
+                        <a:t>Normative</a:t>
+                      </a:r>
+                      <a:endParaRPr lang="zh-CN" altLang="en-US" sz="1600" b="0" dirty="0"/>
+                    </a:p>
+                  </a:txBody>
+                  <a:tcPr/>
+                </a:tc>
+                <a:tc>
+                  <a:txBody>
+                    <a:bodyPr/>
+                    <a:lstStyle/>
+                    <a:p>
+                      <a:r>
+                        <a:rPr lang="en-US" altLang="zh-CN" sz="1600" dirty="0" smtClean="0"/>
+                        <a:t>Y</a:t>
+                      </a:r>
+                      <a:endParaRPr lang="zh-CN" altLang="en-US" sz="1600" dirty="0"/>
+                    </a:p>
+                  </a:txBody>
+                  <a:tcPr/>
+                </a:tc>
+              </a:tr>
+            </a:tbl>
+          </a:graphicData>
+        </a:graphic>
+      </p:graphicFrame>
     </p:spTree>
     <p:extLst>
       <p:ext uri="{BB962C8B-B14F-4D97-AF65-F5344CB8AC3E}">
@@ -7642,6 +6982,13 @@
   <p:clrMapOvr>
     <a:masterClrMapping/>
   </p:clrMapOvr>
+  <p:timing>
+    <p:tnLst>
+      <p:par>
+        <p:cTn id="1" dur="indefinite" restart="never" nodeType="tmRoot"/>
+      </p:par>
+    </p:tnLst>
+  </p:timing>
 </p:sld>
 </file>
 
@@ -7670,8 +7017,8 @@
         </p:nvSpPr>
         <p:spPr>
           <a:xfrm>
-            <a:off x="8579766" y="2057131"/>
-            <a:ext cx="3201012" cy="1865652"/>
+            <a:off x="8798919" y="1676664"/>
+            <a:ext cx="2430439" cy="1423038"/>
           </a:xfrm>
           <a:prstGeom prst="rect">
             <a:avLst/>
@@ -7703,8 +7050,78 @@
           <a:bodyPr rtlCol="0" anchor="ctr"/>
           <a:lstStyle/>
           <a:p>
-            <a:pPr algn="ctr"/>
-            <a:endParaRPr lang="zh-CN" altLang="en-US"/>
+            <a:pPr marL="285750" lvl="0" indent="-285750">
+              <a:buFont typeface="Wingdings" panose="05000000000000000000" pitchFamily="2" charset="2"/>
+              <a:buChar char="Ø"/>
+            </a:pPr>
+            <a:r>
+              <a:rPr lang="en-US" altLang="zh-CN" sz="1400" b="1" dirty="0">
+                <a:solidFill>
+                  <a:prstClr val="black"/>
+                </a:solidFill>
+              </a:rPr>
+              <a:t>To Do:</a:t>
+            </a:r>
+          </a:p>
+          <a:p>
+            <a:pPr marL="342900" lvl="0" indent="-342900">
+              <a:buFontTx/>
+              <a:buAutoNum type="arabicPeriod"/>
+            </a:pPr>
+            <a:r>
+              <a:rPr lang="en-US" altLang="zh-CN" sz="1400" dirty="0">
+                <a:solidFill>
+                  <a:prstClr val="black"/>
+                </a:solidFill>
+              </a:rPr>
+              <a:t>Naming convention </a:t>
+            </a:r>
+            <a:endParaRPr lang="en-US" altLang="zh-CN" sz="1400" dirty="0" smtClean="0">
+              <a:solidFill>
+                <a:prstClr val="black"/>
+              </a:solidFill>
+            </a:endParaRPr>
+          </a:p>
+          <a:p>
+            <a:pPr marL="342900" lvl="0" indent="-342900">
+              <a:buFontTx/>
+              <a:buAutoNum type="arabicPeriod"/>
+            </a:pPr>
+            <a:r>
+              <a:rPr lang="en-US" altLang="zh-CN" sz="1400" dirty="0" smtClean="0">
+                <a:solidFill>
+                  <a:prstClr val="black"/>
+                </a:solidFill>
+              </a:rPr>
+              <a:t>Additional </a:t>
+            </a:r>
+            <a:r>
+              <a:rPr lang="en-US" altLang="zh-CN" sz="1400" dirty="0">
+                <a:solidFill>
+                  <a:prstClr val="black"/>
+                </a:solidFill>
+              </a:rPr>
+              <a:t>configurations (e.g. refined permission model)</a:t>
+            </a:r>
+          </a:p>
+          <a:p>
+            <a:pPr marL="342900" lvl="0" indent="-342900">
+              <a:buFontTx/>
+              <a:buAutoNum type="arabicPeriod"/>
+            </a:pPr>
+            <a:r>
+              <a:rPr lang="en-US" altLang="zh-CN" sz="1400" dirty="0" smtClean="0">
+                <a:solidFill>
+                  <a:prstClr val="black"/>
+                </a:solidFill>
+              </a:rPr>
+              <a:t>i18n</a:t>
+            </a:r>
+            <a:endParaRPr lang="en-US" altLang="zh-CN" sz="1400" dirty="0">
+              <a:solidFill>
+                <a:prstClr val="black"/>
+              </a:solidFill>
+            </a:endParaRPr>
           </a:p>
         </p:txBody>
       </p:sp>
@@ -7716,8 +7133,8 @@
         </p:nvSpPr>
         <p:spPr>
           <a:xfrm>
-            <a:off x="3740352" y="4586632"/>
-            <a:ext cx="8040425" cy="1648370"/>
+            <a:off x="3927315" y="4596988"/>
+            <a:ext cx="5178184" cy="1544954"/>
           </a:xfrm>
           <a:prstGeom prst="rect">
             <a:avLst/>
@@ -7775,10 +7192,18 @@
           <a:lstStyle/>
           <a:p>
             <a:r>
+              <a:rPr lang="en-US" altLang="zh-CN" b="1" dirty="0" smtClean="0"/>
+              <a:t>MiniApp Packaging &amp; </a:t>
+            </a:r>
+            <a:r>
               <a:rPr lang="en-US" altLang="zh-CN" b="1" dirty="0"/>
-              <a:t>MiniApp Packaging &amp; Manifest</a:t>
-            </a:r>
-            <a:endParaRPr lang="zh-CN" altLang="en-US" b="1" dirty="0"/>
+              <a:t>Manifest </a:t>
+            </a:r>
+            <a:r>
+              <a:rPr lang="en-US" altLang="zh-CN" sz="1800" b="1" dirty="0" smtClean="0"/>
+              <a:t>(Normative)</a:t>
+            </a:r>
+            <a:endParaRPr lang="zh-CN" altLang="en-US" sz="1800" b="1" dirty="0"/>
           </a:p>
         </p:txBody>
       </p:sp>
@@ -7798,7 +7223,7 @@
         </p:blipFill>
         <p:spPr>
           <a:xfrm>
-            <a:off x="933776" y="2484754"/>
+            <a:off x="902530" y="2291175"/>
             <a:ext cx="2243599" cy="3750249"/>
           </a:xfrm>
           <a:prstGeom prst="rect">
@@ -7821,7 +7246,7 @@
         </p:blipFill>
         <p:spPr>
           <a:xfrm>
-            <a:off x="4499854" y="1790203"/>
+            <a:off x="3912220" y="1559738"/>
             <a:ext cx="1200475" cy="2693101"/>
           </a:xfrm>
           <a:prstGeom prst="rect">
@@ -7831,79 +7256,13 @@
       </p:pic>
       <p:sp>
         <p:nvSpPr>
-          <p:cNvPr id="6" name="文本框 5"/>
-          <p:cNvSpPr txBox="1"/>
-          <p:nvPr/>
-        </p:nvSpPr>
-        <p:spPr>
-          <a:xfrm>
-            <a:off x="8668419" y="2179263"/>
-            <a:ext cx="3112358" cy="1815882"/>
-          </a:xfrm>
-          <a:prstGeom prst="rect">
-            <a:avLst/>
-          </a:prstGeom>
-          <a:noFill/>
-        </p:spPr>
-        <p:txBody>
-          <a:bodyPr wrap="square" rtlCol="0">
-            <a:spAutoFit/>
-          </a:bodyPr>
-          <a:lstStyle/>
-          <a:p>
-            <a:pPr marL="285750" indent="-285750">
-              <a:buFont typeface="Wingdings" panose="05000000000000000000" pitchFamily="2" charset="2"/>
-              <a:buChar char="Ø"/>
-            </a:pPr>
-            <a:r>
-              <a:rPr lang="en-US" altLang="zh-CN" sz="1600" b="1" dirty="0"/>
-              <a:t>To Do:</a:t>
-            </a:r>
-          </a:p>
-          <a:p>
-            <a:pPr marL="342900" indent="-342900">
-              <a:buAutoNum type="arabicPeriod"/>
-            </a:pPr>
-            <a:r>
-              <a:rPr lang="en-US" altLang="zh-CN" sz="1600" dirty="0"/>
-              <a:t>Naming convention (manifest members)</a:t>
-            </a:r>
-          </a:p>
-          <a:p>
-            <a:pPr marL="342900" indent="-342900">
-              <a:buAutoNum type="arabicPeriod"/>
-            </a:pPr>
-            <a:r>
-              <a:rPr lang="en-US" altLang="zh-CN" sz="1600" dirty="0"/>
-              <a:t>Additional configurations (e.g. refined permission model)</a:t>
-            </a:r>
-          </a:p>
-          <a:p>
-            <a:pPr marL="342900" indent="-342900">
-              <a:buAutoNum type="arabicPeriod"/>
-            </a:pPr>
-            <a:r>
-              <a:rPr lang="en-US" altLang="zh-CN" sz="1600" dirty="0"/>
-              <a:t>i18n support</a:t>
-            </a:r>
-          </a:p>
-          <a:p>
-            <a:pPr marL="342900" indent="-342900">
-              <a:buAutoNum type="arabicPeriod"/>
-            </a:pPr>
-            <a:endParaRPr lang="en-US" altLang="zh-CN" sz="1600" dirty="0"/>
-          </a:p>
-        </p:txBody>
-      </p:sp>
-      <p:sp>
-        <p:nvSpPr>
           <p:cNvPr id="7" name="矩形 6"/>
           <p:cNvSpPr/>
           <p:nvPr/>
         </p:nvSpPr>
         <p:spPr>
           <a:xfrm>
-            <a:off x="671363" y="1344749"/>
+            <a:off x="578229" y="1250093"/>
             <a:ext cx="3068989" cy="830997"/>
           </a:xfrm>
           <a:prstGeom prst="rect">
@@ -7921,20 +7280,36 @@
               <a:buChar char="•"/>
             </a:pPr>
             <a:r>
+              <a:rPr lang="en-US" altLang="zh-CN" sz="1600" dirty="0" smtClean="0">
+                <a:solidFill>
+                  <a:srgbClr val="0070C0"/>
+                </a:solidFill>
+              </a:rPr>
+              <a:t>The </a:t>
+            </a:r>
+            <a:r>
+              <a:rPr lang="en-US" altLang="zh-CN" sz="1600" b="1" dirty="0" smtClean="0">
+                <a:solidFill>
+                  <a:srgbClr val="0070C0"/>
+                </a:solidFill>
+              </a:rPr>
+              <a:t>package </a:t>
+            </a:r>
+            <a:r>
               <a:rPr lang="en-US" altLang="zh-CN" sz="1600" dirty="0">
                 <a:solidFill>
                   <a:srgbClr val="0070C0"/>
                 </a:solidFill>
               </a:rPr>
-              <a:t>A </a:t>
-            </a:r>
-            <a:r>
-              <a:rPr lang="en-US" altLang="zh-CN" sz="1600" b="1" dirty="0">
+              <a:t>is a </a:t>
+            </a:r>
+            <a:r>
+              <a:rPr lang="en-US" altLang="zh-CN" sz="1600" dirty="0" smtClean="0">
                 <a:solidFill>
                   <a:srgbClr val="0070C0"/>
                 </a:solidFill>
               </a:rPr>
-              <a:t>MiniApp package </a:t>
+              <a:t>ZIP-based </a:t>
             </a:r>
             <a:r>
               <a:rPr lang="en-US" altLang="zh-CN" sz="1600" dirty="0">
@@ -7942,48 +7317,37 @@
                   <a:srgbClr val="0070C0"/>
                 </a:solidFill>
               </a:rPr>
-              <a:t>is a ZIP-based file (to be registered as </a:t>
-            </a:r>
-            <a:r>
-              <a:rPr lang="zh-CN" altLang="en-US" sz="1600" dirty="0">
+              <a:t>file </a:t>
+            </a:r>
+            <a:r>
+              <a:rPr lang="en-US" altLang="zh-CN" sz="1600" dirty="0" smtClean="0">
                 <a:solidFill>
                   <a:srgbClr val="0070C0"/>
                 </a:solidFill>
               </a:rPr>
-              <a:t>‘</a:t>
-            </a:r>
-            <a:r>
-              <a:rPr lang="en-US" altLang="zh-CN" sz="1600" dirty="0">
+              <a:t>containing </a:t>
+            </a:r>
+            <a:r>
+              <a:rPr lang="en-US" altLang="zh-CN" sz="1600" dirty="0" smtClean="0">
                 <a:solidFill>
                   <a:srgbClr val="0070C0"/>
                 </a:solidFill>
               </a:rPr>
-              <a:t>application/</a:t>
-            </a:r>
-            <a:r>
-              <a:rPr lang="en-US" altLang="zh-CN" sz="1600" dirty="0" err="1">
+              <a:t>necessary </a:t>
+            </a:r>
+            <a:r>
+              <a:rPr lang="en-US" altLang="zh-CN" sz="1600" dirty="0" smtClean="0">
                 <a:solidFill>
                   <a:srgbClr val="0070C0"/>
                 </a:solidFill>
               </a:rPr>
-              <a:t>miniapp-pkg+zip</a:t>
-            </a:r>
-            <a:r>
-              <a:rPr lang="zh-CN" altLang="en-US" sz="1600" dirty="0">
-                <a:solidFill>
-                  <a:srgbClr val="0070C0"/>
-                </a:solidFill>
-              </a:rPr>
-              <a:t>‘</a:t>
-            </a:r>
-            <a:r>
-              <a:rPr lang="en-US" altLang="zh-CN" sz="1600" dirty="0">
-                <a:solidFill>
-                  <a:srgbClr val="0070C0"/>
-                </a:solidFill>
-              </a:rPr>
-              <a:t>).  </a:t>
-            </a:r>
+              <a:t>resources that construct a MiniApp.  </a:t>
+            </a:r>
+            <a:endParaRPr lang="en-US" altLang="zh-CN" sz="1600" dirty="0">
+              <a:solidFill>
+                <a:srgbClr val="0070C0"/>
+              </a:solidFill>
+            </a:endParaRPr>
           </a:p>
         </p:txBody>
       </p:sp>
@@ -7995,7 +7359,7 @@
         </p:nvSpPr>
         <p:spPr>
           <a:xfrm>
-            <a:off x="1378774" y="2984480"/>
+            <a:off x="1347528" y="2790901"/>
             <a:ext cx="1219200" cy="177800"/>
           </a:xfrm>
           <a:prstGeom prst="rect">
@@ -8044,13 +7408,14 @@
         </p:nvCxnSpPr>
         <p:spPr>
           <a:xfrm>
-            <a:off x="2597974" y="3073380"/>
-            <a:ext cx="1705356" cy="44259"/>
+            <a:off x="2566728" y="2879801"/>
+            <a:ext cx="1148968" cy="7373"/>
           </a:xfrm>
           <a:prstGeom prst="straightConnector1">
             <a:avLst/>
           </a:prstGeom>
-          <a:ln>
+          <a:ln w="12700">
+            <a:prstDash val="lgDash"/>
             <a:tailEnd type="triangle"/>
           </a:ln>
         </p:spPr>
@@ -8077,12 +7442,13 @@
         </p:nvSpPr>
         <p:spPr>
           <a:xfrm>
-            <a:off x="4303330" y="1921940"/>
+            <a:off x="3715696" y="1691475"/>
             <a:ext cx="196524" cy="2391398"/>
           </a:xfrm>
           <a:prstGeom prst="leftBrace">
             <a:avLst/>
           </a:prstGeom>
+          <a:ln w="12700"/>
         </p:spPr>
         <p:style>
           <a:lnRef idx="1">
@@ -8115,13 +7481,13 @@
         </p:nvSpPr>
         <p:spPr>
           <a:xfrm>
-            <a:off x="6218217" y="1896079"/>
-            <a:ext cx="1846446" cy="738664"/>
+            <a:off x="5603656" y="1653984"/>
+            <a:ext cx="2777248" cy="307777"/>
           </a:xfrm>
           <a:prstGeom prst="wedgeRectCallout">
             <a:avLst>
-              <a:gd name="adj1" fmla="val -66343"/>
-              <a:gd name="adj2" fmla="val 45944"/>
+              <a:gd name="adj1" fmla="val -62014"/>
+              <a:gd name="adj2" fmla="val 22298"/>
             </a:avLst>
           </a:prstGeom>
           <a:ln>
@@ -8136,14 +7502,19 @@
           </a:bodyPr>
           <a:lstStyle/>
           <a:p>
-            <a:pPr marL="285750" indent="-285750">
-              <a:buFont typeface="Arial" panose="020B0604020202020204" pitchFamily="34" charset="0"/>
-              <a:buChar char="•"/>
-            </a:pPr>
-            <a:r>
-              <a:rPr lang="en-US" altLang="zh-CN" sz="1400" dirty="0"/>
-              <a:t>Basic metadata inherited from Web App Manifest.  </a:t>
-            </a:r>
+            <a:r>
+              <a:rPr lang="en-US" altLang="zh-CN" sz="1400" b="1" dirty="0" smtClean="0"/>
+              <a:t>Metadata </a:t>
+            </a:r>
+            <a:r>
+              <a:rPr lang="en-US" altLang="zh-CN" sz="1400" b="1" dirty="0" smtClean="0"/>
+              <a:t>inherited from </a:t>
+            </a:r>
+            <a:r>
+              <a:rPr lang="en-US" altLang="zh-CN" sz="1400" b="1" dirty="0" smtClean="0"/>
+              <a:t>WAM</a:t>
+            </a:r>
+            <a:endParaRPr lang="en-US" altLang="zh-CN" sz="1400" dirty="0"/>
           </a:p>
         </p:txBody>
       </p:sp>
@@ -8155,12 +7526,16 @@
         </p:nvSpPr>
         <p:spPr>
           <a:xfrm>
-            <a:off x="5761430" y="2015761"/>
+            <a:off x="5173796" y="1785296"/>
             <a:ext cx="61101" cy="1164968"/>
           </a:xfrm>
           <a:prstGeom prst="rightBrace">
-            <a:avLst/>
+            <a:avLst>
+              <a:gd name="adj1" fmla="val 8333"/>
+              <a:gd name="adj2" fmla="val 26017"/>
+            </a:avLst>
           </a:prstGeom>
+          <a:ln w="12700"/>
         </p:spPr>
         <p:style>
           <a:lnRef idx="1">
@@ -8187,57 +7562,19 @@
       </p:sp>
       <p:sp>
         <p:nvSpPr>
-          <p:cNvPr id="24" name="右大括号 23"/>
-          <p:cNvSpPr/>
-          <p:nvPr/>
-        </p:nvSpPr>
-        <p:spPr>
-          <a:xfrm>
-            <a:off x="5761430" y="3276607"/>
-            <a:ext cx="61101" cy="453535"/>
-          </a:xfrm>
-          <a:prstGeom prst="rightBrace">
-            <a:avLst/>
-          </a:prstGeom>
-        </p:spPr>
-        <p:style>
-          <a:lnRef idx="1">
-            <a:schemeClr val="accent1"/>
-          </a:lnRef>
-          <a:fillRef idx="0">
-            <a:schemeClr val="accent1"/>
-          </a:fillRef>
-          <a:effectRef idx="0">
-            <a:schemeClr val="accent1"/>
-          </a:effectRef>
-          <a:fontRef idx="minor">
-            <a:schemeClr val="tx1"/>
-          </a:fontRef>
-        </p:style>
-        <p:txBody>
-          <a:bodyPr rtlCol="0" anchor="ctr"/>
-          <a:lstStyle/>
-          <a:p>
-            <a:pPr algn="ctr"/>
-            <a:endParaRPr lang="zh-CN" altLang="en-US"/>
-          </a:p>
-        </p:txBody>
-      </p:sp>
-      <p:sp>
-        <p:nvSpPr>
           <p:cNvPr id="30" name="矩形标注 29"/>
           <p:cNvSpPr/>
           <p:nvPr/>
         </p:nvSpPr>
         <p:spPr>
           <a:xfrm>
-            <a:off x="6215433" y="2716708"/>
-            <a:ext cx="1849230" cy="738664"/>
+            <a:off x="5623942" y="2141374"/>
+            <a:ext cx="2756962" cy="2149795"/>
           </a:xfrm>
           <a:prstGeom prst="wedgeRectCallout">
             <a:avLst>
-              <a:gd name="adj1" fmla="val -67887"/>
-              <a:gd name="adj2" fmla="val 57786"/>
+              <a:gd name="adj1" fmla="val -62732"/>
+              <a:gd name="adj2" fmla="val -2325"/>
             </a:avLst>
           </a:prstGeom>
           <a:ln>
@@ -8248,96 +7585,15 @@
         </p:spPr>
         <p:txBody>
           <a:bodyPr wrap="square">
-            <a:spAutoFit/>
+            <a:noAutofit/>
           </a:bodyPr>
           <a:lstStyle/>
           <a:p>
-            <a:pPr marL="285750" indent="-285750">
-              <a:buFont typeface="Arial" panose="020B0604020202020204" pitchFamily="34" charset="0"/>
-              <a:buChar char="•"/>
-            </a:pPr>
-            <a:r>
-              <a:rPr lang="en-US" altLang="zh-CN" sz="1400" dirty="0"/>
-              <a:t>Version control for platform compatibility</a:t>
-            </a:r>
-          </a:p>
-        </p:txBody>
-      </p:sp>
-      <p:sp>
-        <p:nvSpPr>
-          <p:cNvPr id="42" name="矩形标注 41"/>
-          <p:cNvSpPr/>
-          <p:nvPr/>
-        </p:nvSpPr>
-        <p:spPr>
-          <a:xfrm>
-            <a:off x="6215432" y="3567638"/>
-            <a:ext cx="1865131" cy="738664"/>
-          </a:xfrm>
-          <a:prstGeom prst="wedgeRectCallout">
-            <a:avLst>
-              <a:gd name="adj1" fmla="val -67438"/>
-              <a:gd name="adj2" fmla="val 26359"/>
-            </a:avLst>
-          </a:prstGeom>
-          <a:ln>
-            <a:solidFill>
-              <a:srgbClr val="0070C0"/>
-            </a:solidFill>
-          </a:ln>
-        </p:spPr>
-        <p:txBody>
-          <a:bodyPr wrap="square">
-            <a:spAutoFit/>
-          </a:bodyPr>
-          <a:lstStyle/>
-          <a:p>
-            <a:pPr marL="285750" indent="-285750">
-              <a:buFont typeface="Arial" panose="020B0604020202020204" pitchFamily="34" charset="0"/>
-              <a:buChar char="•"/>
-            </a:pPr>
-            <a:r>
-              <a:rPr lang="en-US" altLang="zh-CN" sz="1400" dirty="0"/>
-              <a:t>Page routing, window style, permission control</a:t>
-            </a:r>
-          </a:p>
-        </p:txBody>
-      </p:sp>
-      <p:sp>
-        <p:nvSpPr>
-          <p:cNvPr id="44" name="右大括号 43"/>
-          <p:cNvSpPr/>
-          <p:nvPr/>
-        </p:nvSpPr>
-        <p:spPr>
-          <a:xfrm>
-            <a:off x="5761429" y="3821176"/>
-            <a:ext cx="61102" cy="575589"/>
-          </a:xfrm>
-          <a:prstGeom prst="rightBrace">
-            <a:avLst/>
-          </a:prstGeom>
-        </p:spPr>
-        <p:style>
-          <a:lnRef idx="1">
-            <a:schemeClr val="accent1"/>
-          </a:lnRef>
-          <a:fillRef idx="0">
-            <a:schemeClr val="accent1"/>
-          </a:fillRef>
-          <a:effectRef idx="0">
-            <a:schemeClr val="accent1"/>
-          </a:effectRef>
-          <a:fontRef idx="minor">
-            <a:schemeClr val="tx1"/>
-          </a:fontRef>
-        </p:style>
-        <p:txBody>
-          <a:bodyPr rtlCol="0" anchor="ctr"/>
-          <a:lstStyle/>
-          <a:p>
-            <a:pPr algn="ctr"/>
-            <a:endParaRPr lang="zh-CN" altLang="en-US"/>
+            <a:r>
+              <a:rPr lang="en-US" altLang="zh-CN" sz="1400" b="1" dirty="0" smtClean="0"/>
+              <a:t>MiniApp-specific extensions</a:t>
+            </a:r>
+            <a:endParaRPr lang="en-US" altLang="zh-CN" sz="1400" b="1" dirty="0"/>
           </a:p>
         </p:txBody>
       </p:sp>
@@ -8349,7 +7605,7 @@
         </p:nvSpPr>
         <p:spPr>
           <a:xfrm>
-            <a:off x="1725531" y="3929115"/>
+            <a:off x="1694285" y="3735536"/>
             <a:ext cx="1219200" cy="177800"/>
           </a:xfrm>
           <a:prstGeom prst="rect">
@@ -8398,13 +7654,14 @@
         </p:nvCxnSpPr>
         <p:spPr>
           <a:xfrm>
-            <a:off x="2944731" y="4018015"/>
-            <a:ext cx="1066191" cy="1069499"/>
+            <a:off x="2913485" y="3824436"/>
+            <a:ext cx="1333222" cy="1258046"/>
           </a:xfrm>
           <a:prstGeom prst="straightConnector1">
             <a:avLst/>
           </a:prstGeom>
-          <a:ln>
+          <a:ln w="12700">
+            <a:prstDash val="lgDash"/>
             <a:tailEnd type="triangle"/>
           </a:ln>
         </p:spPr>
@@ -8431,7 +7688,7 @@
         </p:nvSpPr>
         <p:spPr>
           <a:xfrm>
-            <a:off x="1378773" y="5634743"/>
+            <a:off x="1347527" y="5441164"/>
             <a:ext cx="1670309" cy="600259"/>
           </a:xfrm>
           <a:prstGeom prst="rect">
@@ -8480,13 +7737,14 @@
         </p:nvCxnSpPr>
         <p:spPr>
           <a:xfrm>
-            <a:off x="3049082" y="5934873"/>
-            <a:ext cx="961840" cy="27436"/>
+            <a:off x="3017836" y="5741294"/>
+            <a:ext cx="1228871" cy="215983"/>
           </a:xfrm>
           <a:prstGeom prst="straightConnector1">
             <a:avLst/>
           </a:prstGeom>
-          <a:ln>
+          <a:ln w="12700">
+            <a:prstDash val="lgDash"/>
             <a:tailEnd type="triangle"/>
           </a:ln>
         </p:spPr>
@@ -8513,8 +7771,8 @@
         </p:nvSpPr>
         <p:spPr>
           <a:xfrm>
-            <a:off x="1926929" y="4690108"/>
-            <a:ext cx="1219200" cy="376718"/>
+            <a:off x="1895683" y="4496529"/>
+            <a:ext cx="1219200" cy="712210"/>
           </a:xfrm>
           <a:prstGeom prst="rect">
             <a:avLst/>
@@ -8559,7 +7817,7 @@
         </p:nvSpPr>
         <p:spPr>
           <a:xfrm>
-            <a:off x="1725531" y="4139240"/>
+            <a:off x="1694285" y="3945661"/>
             <a:ext cx="1219200" cy="177800"/>
           </a:xfrm>
           <a:prstGeom prst="rect">
@@ -8608,13 +7866,14 @@
         </p:nvCxnSpPr>
         <p:spPr>
           <a:xfrm>
-            <a:off x="3146129" y="4878467"/>
-            <a:ext cx="864793" cy="802222"/>
+            <a:off x="3114883" y="4852634"/>
+            <a:ext cx="1131824" cy="823023"/>
           </a:xfrm>
           <a:prstGeom prst="straightConnector1">
             <a:avLst/>
           </a:prstGeom>
-          <a:ln>
+          <a:ln w="12700">
+            <a:prstDash val="lgDash"/>
             <a:tailEnd type="triangle"/>
           </a:ln>
         </p:spPr>
@@ -8644,13 +7903,14 @@
         </p:nvCxnSpPr>
         <p:spPr>
           <a:xfrm>
-            <a:off x="2944731" y="4228140"/>
-            <a:ext cx="1066191" cy="1164628"/>
+            <a:off x="2913485" y="4034561"/>
+            <a:ext cx="1333222" cy="1353175"/>
           </a:xfrm>
           <a:prstGeom prst="straightConnector1">
             <a:avLst/>
           </a:prstGeom>
-          <a:ln>
+          <a:ln w="12700">
+            <a:prstDash val="lgDash"/>
             <a:tailEnd type="triangle"/>
           </a:ln>
         </p:spPr>
@@ -8677,8 +7937,8 @@
         </p:nvSpPr>
         <p:spPr>
           <a:xfrm>
-            <a:off x="4010922" y="5511412"/>
-            <a:ext cx="2440678" cy="338554"/>
+            <a:off x="4246707" y="5521768"/>
+            <a:ext cx="2440678" cy="307777"/>
           </a:xfrm>
           <a:prstGeom prst="rect">
             <a:avLst/>
@@ -8692,7 +7952,7 @@
           <a:lstStyle/>
           <a:p>
             <a:r>
-              <a:rPr lang="en-US" altLang="zh-CN" sz="1600" dirty="0"/>
+              <a:rPr lang="en-US" altLang="zh-CN" sz="1400" dirty="0" smtClean="0"/>
               <a:t>3. UI components &amp; APIs</a:t>
             </a:r>
           </a:p>
@@ -8706,8 +7966,8 @@
         </p:nvSpPr>
         <p:spPr>
           <a:xfrm>
-            <a:off x="4010922" y="5223491"/>
-            <a:ext cx="2327112" cy="338554"/>
+            <a:off x="4246707" y="5233847"/>
+            <a:ext cx="1982659" cy="307777"/>
           </a:xfrm>
           <a:prstGeom prst="rect">
             <a:avLst/>
@@ -8720,9 +7980,14 @@
           <a:lstStyle/>
           <a:p>
             <a:r>
-              <a:rPr lang="en-US" altLang="zh-CN" sz="1600" dirty="0"/>
-              <a:t>2. Page-specific manifest?</a:t>
-            </a:r>
+              <a:rPr lang="en-US" altLang="zh-CN" sz="1400" dirty="0" smtClean="0"/>
+              <a:t>2. Page-specific </a:t>
+            </a:r>
+            <a:r>
+              <a:rPr lang="en-US" altLang="zh-CN" sz="1400" dirty="0" smtClean="0"/>
+              <a:t>manifest</a:t>
+            </a:r>
+            <a:endParaRPr lang="en-US" altLang="zh-CN" sz="1400" dirty="0"/>
           </a:p>
         </p:txBody>
       </p:sp>
@@ -8734,8 +7999,8 @@
         </p:nvSpPr>
         <p:spPr>
           <a:xfrm>
-            <a:off x="4010922" y="4918237"/>
-            <a:ext cx="3657796" cy="338554"/>
+            <a:off x="4246707" y="4928593"/>
+            <a:ext cx="1906035" cy="307777"/>
           </a:xfrm>
           <a:prstGeom prst="rect">
             <a:avLst/>
@@ -8748,9 +8013,14 @@
           <a:lstStyle/>
           <a:p>
             <a:r>
-              <a:rPr lang="en-US" altLang="zh-CN" sz="1600" dirty="0"/>
-              <a:t>1. Page layout template/markup language</a:t>
-            </a:r>
+              <a:rPr lang="en-US" altLang="zh-CN" sz="1400" dirty="0" smtClean="0"/>
+              <a:t>1. Page layout </a:t>
+            </a:r>
+            <a:r>
+              <a:rPr lang="en-US" altLang="zh-CN" sz="1400" dirty="0" smtClean="0"/>
+              <a:t>template</a:t>
+            </a:r>
+            <a:endParaRPr lang="en-US" altLang="zh-CN" sz="1400" dirty="0"/>
           </a:p>
         </p:txBody>
       </p:sp>
@@ -8762,8 +8032,8 @@
         </p:nvSpPr>
         <p:spPr>
           <a:xfrm>
-            <a:off x="4010922" y="5793032"/>
-            <a:ext cx="1447832" cy="338554"/>
+            <a:off x="4246707" y="5803388"/>
+            <a:ext cx="679994" cy="307777"/>
           </a:xfrm>
           <a:prstGeom prst="rect">
             <a:avLst/>
@@ -8776,9 +8046,14 @@
           <a:lstStyle/>
           <a:p>
             <a:r>
-              <a:rPr lang="en-US" altLang="zh-CN" sz="1600" dirty="0"/>
-              <a:t>4. i18n support</a:t>
-            </a:r>
+              <a:rPr lang="en-US" altLang="zh-CN" sz="1400" dirty="0" smtClean="0"/>
+              <a:t>4. </a:t>
+            </a:r>
+            <a:r>
+              <a:rPr lang="en-US" altLang="zh-CN" sz="1400" dirty="0" smtClean="0"/>
+              <a:t>i18n</a:t>
+            </a:r>
+            <a:endParaRPr lang="en-US" altLang="zh-CN" sz="1400" dirty="0"/>
           </a:p>
         </p:txBody>
       </p:sp>
@@ -8790,8 +8065,8 @@
         </p:nvSpPr>
         <p:spPr>
           <a:xfrm>
-            <a:off x="7946669" y="4892836"/>
-            <a:ext cx="3707106" cy="1077218"/>
+            <a:off x="6570867" y="4958265"/>
+            <a:ext cx="2419129" cy="954107"/>
           </a:xfrm>
           <a:prstGeom prst="rect">
             <a:avLst/>
@@ -8804,27 +8079,49 @@
           <a:lstStyle/>
           <a:p>
             <a:r>
-              <a:rPr lang="en-US" altLang="zh-CN" sz="1600" dirty="0"/>
-              <a:t>5. Security consideration (digital signature) </a:t>
-            </a:r>
-          </a:p>
-          <a:p>
-            <a:r>
-              <a:rPr lang="en-US" altLang="zh-CN" sz="1600" dirty="0"/>
-              <a:t>6. Package dereferencing process</a:t>
-            </a:r>
-          </a:p>
-          <a:p>
-            <a:r>
-              <a:rPr lang="en-US" altLang="zh-CN" sz="1600" dirty="0"/>
+              <a:rPr lang="en-US" altLang="zh-CN" sz="1400" dirty="0" smtClean="0"/>
+              <a:t>5. Security </a:t>
+            </a:r>
+            <a:r>
+              <a:rPr lang="en-US" altLang="zh-CN" sz="1400" dirty="0" smtClean="0"/>
+              <a:t>(</a:t>
+            </a:r>
+            <a:r>
+              <a:rPr lang="en-US" altLang="zh-CN" sz="1400" dirty="0" smtClean="0"/>
+              <a:t>digital </a:t>
+            </a:r>
+            <a:r>
+              <a:rPr lang="en-US" altLang="zh-CN" sz="1400" dirty="0"/>
+              <a:t>signature) </a:t>
+            </a:r>
+            <a:endParaRPr lang="en-US" altLang="zh-CN" sz="1400" dirty="0" smtClean="0"/>
+          </a:p>
+          <a:p>
+            <a:r>
+              <a:rPr lang="en-US" altLang="zh-CN" sz="1400" dirty="0" smtClean="0"/>
+              <a:t>6. </a:t>
+            </a:r>
+            <a:r>
+              <a:rPr lang="en-US" altLang="zh-CN" sz="1400" dirty="0" smtClean="0"/>
+              <a:t>dereferencing </a:t>
+            </a:r>
+            <a:r>
+              <a:rPr lang="en-US" altLang="zh-CN" sz="1400" dirty="0" smtClean="0"/>
+              <a:t>process</a:t>
+            </a:r>
+          </a:p>
+          <a:p>
+            <a:r>
+              <a:rPr lang="en-US" altLang="zh-CN" sz="1400" dirty="0" smtClean="0"/>
               <a:t>7. Widgets</a:t>
             </a:r>
           </a:p>
           <a:p>
             <a:r>
-              <a:rPr lang="en-US" altLang="zh-CN" sz="1600" dirty="0"/>
+              <a:rPr lang="en-US" altLang="zh-CN" sz="1400" dirty="0" smtClean="0"/>
               <a:t>8. Other APIs (IoT, TV, …)</a:t>
             </a:r>
+            <a:endParaRPr lang="en-US" altLang="zh-CN" sz="1400" dirty="0"/>
           </a:p>
         </p:txBody>
       </p:sp>
@@ -8836,8 +8133,8 @@
         </p:nvSpPr>
         <p:spPr>
           <a:xfrm>
-            <a:off x="4352871" y="1378155"/>
-            <a:ext cx="5574354" cy="338554"/>
+            <a:off x="3903749" y="1233815"/>
+            <a:ext cx="7669266" cy="338554"/>
           </a:xfrm>
           <a:prstGeom prst="rect">
             <a:avLst/>
@@ -8854,29 +8151,42 @@
               <a:buChar char="•"/>
             </a:pPr>
             <a:r>
-              <a:rPr lang="en-US" altLang="zh-CN" sz="1600" dirty="0">
+              <a:rPr lang="en-US" altLang="zh-CN" sz="1600" dirty="0" smtClean="0">
                 <a:solidFill>
                   <a:srgbClr val="0070C0"/>
                 </a:solidFill>
               </a:rPr>
-              <a:t>A </a:t>
-            </a:r>
-            <a:r>
-              <a:rPr lang="en-US" altLang="zh-CN" sz="1600" b="1" dirty="0">
+              <a:t>The </a:t>
+            </a:r>
+            <a:r>
+              <a:rPr lang="en-US" altLang="zh-CN" sz="1600" b="1" dirty="0" smtClean="0">
                 <a:solidFill>
                   <a:srgbClr val="0070C0"/>
                 </a:solidFill>
               </a:rPr>
-              <a:t>MiniApp Manifest </a:t>
-            </a:r>
-            <a:r>
-              <a:rPr lang="en-US" altLang="zh-CN" sz="1600" dirty="0">
+              <a:t>Manifest </a:t>
+            </a:r>
+            <a:r>
+              <a:rPr lang="en-US" altLang="zh-CN" sz="1600" dirty="0" smtClean="0">
                 <a:solidFill>
                   <a:srgbClr val="0070C0"/>
                 </a:solidFill>
               </a:rPr>
-              <a:t>is an extension of Web App Manifest.  </a:t>
-            </a:r>
+              <a:t>is an extension of Web App </a:t>
+            </a:r>
+            <a:r>
+              <a:rPr lang="en-US" altLang="zh-CN" sz="1600" dirty="0" smtClean="0">
+                <a:solidFill>
+                  <a:srgbClr val="0070C0"/>
+                </a:solidFill>
+              </a:rPr>
+              <a:t>Manifest to describe &amp; configure a MiniApp.  </a:t>
+            </a:r>
+            <a:endParaRPr lang="en-US" altLang="zh-CN" sz="1600" dirty="0">
+              <a:solidFill>
+                <a:srgbClr val="0070C0"/>
+              </a:solidFill>
+            </a:endParaRPr>
           </a:p>
         </p:txBody>
       </p:sp>
@@ -8888,8 +8198,8 @@
         </p:nvSpPr>
         <p:spPr>
           <a:xfrm>
-            <a:off x="3996883" y="4640132"/>
-            <a:ext cx="1010085" cy="338554"/>
+            <a:off x="4232668" y="4650488"/>
+            <a:ext cx="941796" cy="307777"/>
           </a:xfrm>
           <a:prstGeom prst="rect">
             <a:avLst/>
@@ -8906,10 +8216,694 @@
               <a:buChar char="Ø"/>
             </a:pPr>
             <a:r>
-              <a:rPr lang="en-US" altLang="zh-CN" sz="1600" b="1" dirty="0"/>
+              <a:rPr lang="en-US" altLang="zh-CN" sz="1400" b="1" dirty="0" smtClean="0"/>
               <a:t>To Do:</a:t>
             </a:r>
-            <a:endParaRPr lang="en-US" altLang="zh-CN" sz="1600" dirty="0"/>
+            <a:endParaRPr lang="en-US" altLang="zh-CN" sz="1400" dirty="0"/>
+          </a:p>
+        </p:txBody>
+      </p:sp>
+      <p:sp>
+        <p:nvSpPr>
+          <p:cNvPr id="18" name="矩形 17"/>
+          <p:cNvSpPr/>
+          <p:nvPr/>
+        </p:nvSpPr>
+        <p:spPr>
+          <a:xfrm>
+            <a:off x="5673004" y="2474838"/>
+            <a:ext cx="2658837" cy="1754326"/>
+          </a:xfrm>
+          <a:prstGeom prst="rect">
+            <a:avLst/>
+          </a:prstGeom>
+          <a:solidFill>
+            <a:srgbClr val="FFFCDD"/>
+          </a:solidFill>
+        </p:spPr>
+        <p:txBody>
+          <a:bodyPr wrap="square">
+            <a:spAutoFit/>
+          </a:bodyPr>
+          <a:lstStyle/>
+          <a:p>
+            <a:r>
+              <a:rPr lang="en-US" altLang="zh-CN" sz="900" dirty="0">
+                <a:solidFill>
+                  <a:srgbClr val="986801"/>
+                </a:solidFill>
+                <a:latin typeface="Menlo"/>
+              </a:rPr>
+              <a:t>"</a:t>
+            </a:r>
+            <a:r>
+              <a:rPr lang="en-US" altLang="zh-CN" sz="900" dirty="0" err="1">
+                <a:solidFill>
+                  <a:srgbClr val="986801"/>
+                </a:solidFill>
+                <a:latin typeface="Menlo"/>
+              </a:rPr>
+              <a:t>versionName</a:t>
+            </a:r>
+            <a:r>
+              <a:rPr lang="en-US" altLang="zh-CN" sz="900" dirty="0">
+                <a:solidFill>
+                  <a:srgbClr val="986801"/>
+                </a:solidFill>
+                <a:latin typeface="Menlo"/>
+              </a:rPr>
+              <a:t>"</a:t>
+            </a:r>
+            <a:r>
+              <a:rPr lang="en-US" altLang="zh-CN" sz="900" dirty="0">
+                <a:solidFill>
+                  <a:srgbClr val="383A42"/>
+                </a:solidFill>
+                <a:latin typeface="Menlo"/>
+              </a:rPr>
+              <a:t>: </a:t>
+            </a:r>
+            <a:r>
+              <a:rPr lang="en-US" altLang="zh-CN" sz="900" dirty="0">
+                <a:solidFill>
+                  <a:srgbClr val="42803C"/>
+                </a:solidFill>
+                <a:latin typeface="Menlo"/>
+              </a:rPr>
+              <a:t>"1.0.0</a:t>
+            </a:r>
+            <a:r>
+              <a:rPr lang="en-US" altLang="zh-CN" sz="900" dirty="0" smtClean="0">
+                <a:solidFill>
+                  <a:srgbClr val="42803C"/>
+                </a:solidFill>
+                <a:latin typeface="Menlo"/>
+              </a:rPr>
+              <a:t>"</a:t>
+            </a:r>
+            <a:r>
+              <a:rPr lang="en-US" altLang="zh-CN" sz="900" dirty="0" smtClean="0">
+                <a:solidFill>
+                  <a:srgbClr val="383A42"/>
+                </a:solidFill>
+                <a:latin typeface="Menlo"/>
+              </a:rPr>
+              <a:t>,</a:t>
+            </a:r>
+          </a:p>
+          <a:p>
+            <a:r>
+              <a:rPr lang="en-US" altLang="zh-CN" sz="900" dirty="0" smtClean="0">
+                <a:solidFill>
+                  <a:srgbClr val="986801"/>
+                </a:solidFill>
+                <a:latin typeface="Menlo"/>
+              </a:rPr>
+              <a:t>"</a:t>
+            </a:r>
+            <a:r>
+              <a:rPr lang="en-US" altLang="zh-CN" sz="900" dirty="0" err="1">
+                <a:solidFill>
+                  <a:srgbClr val="986801"/>
+                </a:solidFill>
+                <a:latin typeface="Menlo"/>
+              </a:rPr>
+              <a:t>versionCode</a:t>
+            </a:r>
+            <a:r>
+              <a:rPr lang="en-US" altLang="zh-CN" sz="900" dirty="0">
+                <a:solidFill>
+                  <a:srgbClr val="986801"/>
+                </a:solidFill>
+                <a:latin typeface="Menlo"/>
+              </a:rPr>
+              <a:t>"</a:t>
+            </a:r>
+            <a:r>
+              <a:rPr lang="en-US" altLang="zh-CN" sz="900" dirty="0">
+                <a:solidFill>
+                  <a:srgbClr val="383A42"/>
+                </a:solidFill>
+                <a:latin typeface="Menlo"/>
+              </a:rPr>
+              <a:t>: </a:t>
+            </a:r>
+            <a:r>
+              <a:rPr lang="en-US" altLang="zh-CN" sz="900" dirty="0">
+                <a:solidFill>
+                  <a:srgbClr val="986801"/>
+                </a:solidFill>
+                <a:latin typeface="Menlo"/>
+              </a:rPr>
+              <a:t>1</a:t>
+            </a:r>
+            <a:r>
+              <a:rPr lang="en-US" altLang="zh-CN" sz="900" dirty="0" smtClean="0">
+                <a:solidFill>
+                  <a:srgbClr val="383A42"/>
+                </a:solidFill>
+                <a:latin typeface="Menlo"/>
+              </a:rPr>
+              <a:t>,</a:t>
+            </a:r>
+          </a:p>
+          <a:p>
+            <a:r>
+              <a:rPr lang="en-US" altLang="zh-CN" sz="900" dirty="0" smtClean="0">
+                <a:solidFill>
+                  <a:srgbClr val="986801"/>
+                </a:solidFill>
+                <a:latin typeface="Menlo"/>
+              </a:rPr>
+              <a:t>"</a:t>
+            </a:r>
+            <a:r>
+              <a:rPr lang="en-US" altLang="zh-CN" sz="900" dirty="0" err="1">
+                <a:solidFill>
+                  <a:srgbClr val="986801"/>
+                </a:solidFill>
+                <a:latin typeface="Menlo"/>
+              </a:rPr>
+              <a:t>minPlatformVersion</a:t>
+            </a:r>
+            <a:r>
+              <a:rPr lang="en-US" altLang="zh-CN" sz="900" dirty="0">
+                <a:solidFill>
+                  <a:srgbClr val="986801"/>
+                </a:solidFill>
+                <a:latin typeface="Menlo"/>
+              </a:rPr>
+              <a:t>"</a:t>
+            </a:r>
+            <a:r>
+              <a:rPr lang="en-US" altLang="zh-CN" sz="900" dirty="0">
+                <a:solidFill>
+                  <a:srgbClr val="383A42"/>
+                </a:solidFill>
+                <a:latin typeface="Menlo"/>
+              </a:rPr>
+              <a:t>: </a:t>
+            </a:r>
+            <a:r>
+              <a:rPr lang="en-US" altLang="zh-CN" sz="900" dirty="0">
+                <a:solidFill>
+                  <a:srgbClr val="42803C"/>
+                </a:solidFill>
+                <a:latin typeface="Menlo"/>
+              </a:rPr>
+              <a:t>"1.0.0</a:t>
+            </a:r>
+            <a:r>
+              <a:rPr lang="en-US" altLang="zh-CN" sz="900" dirty="0" smtClean="0">
+                <a:solidFill>
+                  <a:srgbClr val="42803C"/>
+                </a:solidFill>
+                <a:latin typeface="Menlo"/>
+              </a:rPr>
+              <a:t>"</a:t>
+            </a:r>
+            <a:r>
+              <a:rPr lang="en-US" altLang="zh-CN" sz="900" dirty="0" smtClean="0">
+                <a:solidFill>
+                  <a:srgbClr val="383A42"/>
+                </a:solidFill>
+                <a:latin typeface="Menlo"/>
+              </a:rPr>
+              <a:t>,</a:t>
+            </a:r>
+          </a:p>
+          <a:p>
+            <a:r>
+              <a:rPr lang="en-US" altLang="zh-CN" sz="900" dirty="0" smtClean="0">
+                <a:solidFill>
+                  <a:srgbClr val="986801"/>
+                </a:solidFill>
+                <a:latin typeface="Menlo"/>
+              </a:rPr>
+              <a:t>"</a:t>
+            </a:r>
+            <a:r>
+              <a:rPr lang="en-US" altLang="zh-CN" sz="900" dirty="0">
+                <a:solidFill>
+                  <a:srgbClr val="986801"/>
+                </a:solidFill>
+                <a:latin typeface="Menlo"/>
+              </a:rPr>
+              <a:t>pages"</a:t>
+            </a:r>
+            <a:r>
+              <a:rPr lang="en-US" altLang="zh-CN" sz="900" dirty="0">
+                <a:solidFill>
+                  <a:srgbClr val="383A42"/>
+                </a:solidFill>
+                <a:latin typeface="Menlo"/>
+              </a:rPr>
+              <a:t>: [ </a:t>
+            </a:r>
+            <a:r>
+              <a:rPr lang="en-US" altLang="zh-CN" sz="900" dirty="0">
+                <a:solidFill>
+                  <a:srgbClr val="42803C"/>
+                </a:solidFill>
+                <a:latin typeface="Menlo"/>
+              </a:rPr>
+              <a:t>"pages/index/index"</a:t>
+            </a:r>
+            <a:r>
+              <a:rPr lang="en-US" altLang="zh-CN" sz="900" dirty="0">
+                <a:solidFill>
+                  <a:srgbClr val="383A42"/>
+                </a:solidFill>
+                <a:latin typeface="Menlo"/>
+              </a:rPr>
+              <a:t>, </a:t>
+            </a:r>
+            <a:r>
+              <a:rPr lang="en-US" altLang="zh-CN" sz="900" dirty="0">
+                <a:solidFill>
+                  <a:srgbClr val="42803C"/>
+                </a:solidFill>
+                <a:latin typeface="Menlo"/>
+              </a:rPr>
+              <a:t>"pages/detail/detail"</a:t>
+            </a:r>
+            <a:r>
+              <a:rPr lang="en-US" altLang="zh-CN" sz="900" dirty="0">
+                <a:solidFill>
+                  <a:srgbClr val="383A42"/>
+                </a:solidFill>
+                <a:latin typeface="Menlo"/>
+              </a:rPr>
+              <a:t> ], </a:t>
+            </a:r>
+            <a:endParaRPr lang="en-US" altLang="zh-CN" sz="900" dirty="0" smtClean="0">
+              <a:solidFill>
+                <a:srgbClr val="383A42"/>
+              </a:solidFill>
+              <a:latin typeface="Menlo"/>
+            </a:endParaRPr>
+          </a:p>
+          <a:p>
+            <a:r>
+              <a:rPr lang="en-US" altLang="zh-CN" sz="900" dirty="0" smtClean="0">
+                <a:solidFill>
+                  <a:srgbClr val="986801"/>
+                </a:solidFill>
+                <a:latin typeface="Menlo"/>
+              </a:rPr>
+              <a:t>"window</a:t>
+            </a:r>
+            <a:r>
+              <a:rPr lang="en-US" altLang="zh-CN" sz="900" dirty="0">
+                <a:solidFill>
+                  <a:srgbClr val="986801"/>
+                </a:solidFill>
+                <a:latin typeface="Menlo"/>
+              </a:rPr>
+              <a:t>"</a:t>
+            </a:r>
+            <a:r>
+              <a:rPr lang="en-US" altLang="zh-CN" sz="900" dirty="0">
+                <a:solidFill>
+                  <a:srgbClr val="383A42"/>
+                </a:solidFill>
+                <a:latin typeface="Menlo"/>
+              </a:rPr>
+              <a:t>: { </a:t>
+            </a:r>
+            <a:endParaRPr lang="en-US" altLang="zh-CN" sz="900" dirty="0" smtClean="0">
+              <a:solidFill>
+                <a:srgbClr val="383A42"/>
+              </a:solidFill>
+              <a:latin typeface="Menlo"/>
+            </a:endParaRPr>
+          </a:p>
+          <a:p>
+            <a:pPr marL="177800"/>
+            <a:r>
+              <a:rPr lang="en-US" altLang="zh-CN" sz="900" dirty="0" smtClean="0">
+                <a:solidFill>
+                  <a:srgbClr val="986801"/>
+                </a:solidFill>
+                <a:latin typeface="Menlo"/>
+              </a:rPr>
+              <a:t>"</a:t>
+            </a:r>
+            <a:r>
+              <a:rPr lang="en-US" altLang="zh-CN" sz="900" dirty="0" err="1">
+                <a:solidFill>
+                  <a:srgbClr val="986801"/>
+                </a:solidFill>
+                <a:latin typeface="Menlo"/>
+              </a:rPr>
+              <a:t>navigationBarTextStyle</a:t>
+            </a:r>
+            <a:r>
+              <a:rPr lang="en-US" altLang="zh-CN" sz="900" dirty="0">
+                <a:solidFill>
+                  <a:srgbClr val="986801"/>
+                </a:solidFill>
+                <a:latin typeface="Menlo"/>
+              </a:rPr>
+              <a:t>"</a:t>
+            </a:r>
+            <a:r>
+              <a:rPr lang="en-US" altLang="zh-CN" sz="900" dirty="0">
+                <a:solidFill>
+                  <a:srgbClr val="383A42"/>
+                </a:solidFill>
+                <a:latin typeface="Menlo"/>
+              </a:rPr>
+              <a:t>: </a:t>
+            </a:r>
+            <a:r>
+              <a:rPr lang="en-US" altLang="zh-CN" sz="900" dirty="0">
+                <a:solidFill>
+                  <a:srgbClr val="42803C"/>
+                </a:solidFill>
+                <a:latin typeface="Menlo"/>
+              </a:rPr>
+              <a:t>"black"</a:t>
+            </a:r>
+            <a:r>
+              <a:rPr lang="en-US" altLang="zh-CN" sz="900" dirty="0">
+                <a:solidFill>
+                  <a:srgbClr val="383A42"/>
+                </a:solidFill>
+                <a:latin typeface="Menlo"/>
+              </a:rPr>
+              <a:t>, </a:t>
+            </a:r>
+            <a:r>
+              <a:rPr lang="en-US" altLang="zh-CN" sz="900" dirty="0">
+                <a:solidFill>
+                  <a:srgbClr val="986801"/>
+                </a:solidFill>
+                <a:latin typeface="Menlo"/>
+              </a:rPr>
+              <a:t>"</a:t>
+            </a:r>
+            <a:r>
+              <a:rPr lang="en-US" altLang="zh-CN" sz="900" dirty="0" err="1">
+                <a:solidFill>
+                  <a:srgbClr val="986801"/>
+                </a:solidFill>
+                <a:latin typeface="Menlo"/>
+              </a:rPr>
+              <a:t>navigationBarTitleText</a:t>
+            </a:r>
+            <a:r>
+              <a:rPr lang="en-US" altLang="zh-CN" sz="900" dirty="0">
+                <a:solidFill>
+                  <a:srgbClr val="986801"/>
+                </a:solidFill>
+                <a:latin typeface="Menlo"/>
+              </a:rPr>
+              <a:t>"</a:t>
+            </a:r>
+            <a:r>
+              <a:rPr lang="en-US" altLang="zh-CN" sz="900" dirty="0">
+                <a:solidFill>
+                  <a:srgbClr val="383A42"/>
+                </a:solidFill>
+                <a:latin typeface="Menlo"/>
+              </a:rPr>
+              <a:t>: </a:t>
+            </a:r>
+            <a:r>
+              <a:rPr lang="en-US" altLang="zh-CN" sz="900" dirty="0">
+                <a:solidFill>
+                  <a:srgbClr val="42803C"/>
+                </a:solidFill>
+                <a:latin typeface="Menlo"/>
+              </a:rPr>
+              <a:t>"Demo"</a:t>
+            </a:r>
+            <a:r>
+              <a:rPr lang="en-US" altLang="zh-CN" sz="900" dirty="0">
+                <a:solidFill>
+                  <a:srgbClr val="383A42"/>
+                </a:solidFill>
+                <a:latin typeface="Menlo"/>
+              </a:rPr>
+              <a:t>, </a:t>
+            </a:r>
+            <a:r>
+              <a:rPr lang="en-US" altLang="zh-CN" sz="900" dirty="0">
+                <a:solidFill>
+                  <a:srgbClr val="986801"/>
+                </a:solidFill>
+                <a:latin typeface="Menlo"/>
+              </a:rPr>
+              <a:t>"</a:t>
+            </a:r>
+            <a:r>
+              <a:rPr lang="en-US" altLang="zh-CN" sz="900" dirty="0" err="1">
+                <a:solidFill>
+                  <a:srgbClr val="986801"/>
+                </a:solidFill>
+                <a:latin typeface="Menlo"/>
+              </a:rPr>
+              <a:t>navigationBarBackgroundColor</a:t>
+            </a:r>
+            <a:r>
+              <a:rPr lang="en-US" altLang="zh-CN" sz="900" dirty="0">
+                <a:solidFill>
+                  <a:srgbClr val="986801"/>
+                </a:solidFill>
+                <a:latin typeface="Menlo"/>
+              </a:rPr>
+              <a:t>"</a:t>
+            </a:r>
+            <a:r>
+              <a:rPr lang="en-US" altLang="zh-CN" sz="900" dirty="0">
+                <a:solidFill>
+                  <a:srgbClr val="383A42"/>
+                </a:solidFill>
+                <a:latin typeface="Menlo"/>
+              </a:rPr>
+              <a:t>: </a:t>
+            </a:r>
+            <a:r>
+              <a:rPr lang="en-US" altLang="zh-CN" sz="900" dirty="0">
+                <a:solidFill>
+                  <a:srgbClr val="42803C"/>
+                </a:solidFill>
+                <a:latin typeface="Menlo"/>
+              </a:rPr>
+              <a:t>"#f8f8f8"</a:t>
+            </a:r>
+            <a:r>
+              <a:rPr lang="en-US" altLang="zh-CN" sz="900" dirty="0">
+                <a:solidFill>
+                  <a:srgbClr val="383A42"/>
+                </a:solidFill>
+                <a:latin typeface="Menlo"/>
+              </a:rPr>
+              <a:t>, </a:t>
+            </a:r>
+            <a:r>
+              <a:rPr lang="en-US" altLang="zh-CN" sz="900" dirty="0">
+                <a:solidFill>
+                  <a:srgbClr val="986801"/>
+                </a:solidFill>
+                <a:latin typeface="Menlo"/>
+              </a:rPr>
+              <a:t>"</a:t>
+            </a:r>
+            <a:r>
+              <a:rPr lang="en-US" altLang="zh-CN" sz="900" dirty="0" err="1">
+                <a:solidFill>
+                  <a:srgbClr val="986801"/>
+                </a:solidFill>
+                <a:latin typeface="Menlo"/>
+              </a:rPr>
+              <a:t>backgroundColor</a:t>
+            </a:r>
+            <a:r>
+              <a:rPr lang="en-US" altLang="zh-CN" sz="900" dirty="0">
+                <a:solidFill>
+                  <a:srgbClr val="986801"/>
+                </a:solidFill>
+                <a:latin typeface="Menlo"/>
+              </a:rPr>
+              <a:t>"</a:t>
+            </a:r>
+            <a:r>
+              <a:rPr lang="en-US" altLang="zh-CN" sz="900" dirty="0">
+                <a:solidFill>
+                  <a:srgbClr val="383A42"/>
+                </a:solidFill>
+                <a:latin typeface="Menlo"/>
+              </a:rPr>
+              <a:t>: </a:t>
+            </a:r>
+            <a:r>
+              <a:rPr lang="en-US" altLang="zh-CN" sz="900" dirty="0">
+                <a:solidFill>
+                  <a:srgbClr val="42803C"/>
+                </a:solidFill>
+                <a:latin typeface="Menlo"/>
+              </a:rPr>
+              <a:t>"#</a:t>
+            </a:r>
+            <a:r>
+              <a:rPr lang="en-US" altLang="zh-CN" sz="900" dirty="0" err="1">
+                <a:solidFill>
+                  <a:srgbClr val="42803C"/>
+                </a:solidFill>
+                <a:latin typeface="Menlo"/>
+              </a:rPr>
+              <a:t>ffffff</a:t>
+            </a:r>
+            <a:r>
+              <a:rPr lang="en-US" altLang="zh-CN" sz="900" dirty="0">
+                <a:solidFill>
+                  <a:srgbClr val="42803C"/>
+                </a:solidFill>
+                <a:latin typeface="Menlo"/>
+              </a:rPr>
+              <a:t>"</a:t>
+            </a:r>
+            <a:r>
+              <a:rPr lang="en-US" altLang="zh-CN" sz="900" dirty="0">
+                <a:solidFill>
+                  <a:srgbClr val="383A42"/>
+                </a:solidFill>
+                <a:latin typeface="Menlo"/>
+              </a:rPr>
+              <a:t>, </a:t>
+            </a:r>
+            <a:endParaRPr lang="en-US" altLang="zh-CN" sz="900" dirty="0" smtClean="0">
+              <a:solidFill>
+                <a:srgbClr val="383A42"/>
+              </a:solidFill>
+              <a:latin typeface="Menlo"/>
+            </a:endParaRPr>
+          </a:p>
+          <a:p>
+            <a:pPr marL="177800"/>
+            <a:r>
+              <a:rPr lang="en-US" altLang="zh-CN" sz="900" dirty="0" smtClean="0">
+                <a:solidFill>
+                  <a:srgbClr val="986801"/>
+                </a:solidFill>
+                <a:latin typeface="Menlo"/>
+              </a:rPr>
+              <a:t>"</a:t>
+            </a:r>
+            <a:r>
+              <a:rPr lang="en-US" altLang="zh-CN" sz="900" dirty="0" err="1">
+                <a:solidFill>
+                  <a:srgbClr val="986801"/>
+                </a:solidFill>
+                <a:latin typeface="Menlo"/>
+              </a:rPr>
+              <a:t>fullscreen</a:t>
+            </a:r>
+            <a:r>
+              <a:rPr lang="en-US" altLang="zh-CN" sz="900" dirty="0">
+                <a:solidFill>
+                  <a:srgbClr val="986801"/>
+                </a:solidFill>
+                <a:latin typeface="Menlo"/>
+              </a:rPr>
+              <a:t>"</a:t>
+            </a:r>
+            <a:r>
+              <a:rPr lang="en-US" altLang="zh-CN" sz="900" dirty="0">
+                <a:solidFill>
+                  <a:srgbClr val="383A42"/>
+                </a:solidFill>
+                <a:latin typeface="Menlo"/>
+              </a:rPr>
+              <a:t>: </a:t>
+            </a:r>
+            <a:r>
+              <a:rPr lang="en-US" altLang="zh-CN" sz="900" dirty="0">
+                <a:solidFill>
+                  <a:srgbClr val="0B76C5"/>
+                </a:solidFill>
+                <a:latin typeface="Menlo"/>
+              </a:rPr>
+              <a:t>false</a:t>
+            </a:r>
+            <a:r>
+              <a:rPr lang="en-US" altLang="zh-CN" sz="900" dirty="0">
+                <a:solidFill>
+                  <a:srgbClr val="383A42"/>
+                </a:solidFill>
+                <a:latin typeface="Menlo"/>
+              </a:rPr>
+              <a:t> </a:t>
+            </a:r>
+            <a:r>
+              <a:rPr lang="en-US" altLang="zh-CN" sz="900" dirty="0" smtClean="0">
+                <a:solidFill>
+                  <a:srgbClr val="383A42"/>
+                </a:solidFill>
+                <a:latin typeface="Menlo"/>
+              </a:rPr>
+              <a:t>},</a:t>
+            </a:r>
+            <a:endParaRPr lang="en-US" altLang="zh-CN" sz="900" dirty="0" smtClean="0"/>
+          </a:p>
+          <a:p>
+            <a:r>
+              <a:rPr lang="en-US" altLang="zh-CN" sz="900" dirty="0" smtClean="0">
+                <a:solidFill>
+                  <a:srgbClr val="383A42"/>
+                </a:solidFill>
+                <a:latin typeface="Menlo"/>
+              </a:rPr>
+              <a:t>…</a:t>
+            </a:r>
+          </a:p>
+        </p:txBody>
+      </p:sp>
+      <p:sp>
+        <p:nvSpPr>
+          <p:cNvPr id="43" name="矩形 42"/>
+          <p:cNvSpPr/>
+          <p:nvPr/>
+        </p:nvSpPr>
+        <p:spPr>
+          <a:xfrm>
+            <a:off x="3923707" y="2999067"/>
+            <a:ext cx="1325889" cy="1253772"/>
+          </a:xfrm>
+          <a:prstGeom prst="rect">
+            <a:avLst/>
+          </a:prstGeom>
+          <a:noFill/>
+          <a:ln>
+            <a:solidFill>
+              <a:srgbClr val="0070C0"/>
+            </a:solidFill>
+          </a:ln>
+        </p:spPr>
+        <p:style>
+          <a:lnRef idx="2">
+            <a:schemeClr val="accent1">
+              <a:shade val="50000"/>
+            </a:schemeClr>
+          </a:lnRef>
+          <a:fillRef idx="1">
+            <a:schemeClr val="accent1"/>
+          </a:fillRef>
+          <a:effectRef idx="0">
+            <a:schemeClr val="accent1"/>
+          </a:effectRef>
+          <a:fontRef idx="minor">
+            <a:schemeClr val="lt1"/>
+          </a:fontRef>
+        </p:style>
+        <p:txBody>
+          <a:bodyPr rtlCol="0" anchor="ctr"/>
+          <a:lstStyle/>
+          <a:p>
+            <a:pPr algn="ctr"/>
+            <a:endParaRPr lang="zh-CN" altLang="en-US"/>
           </a:p>
         </p:txBody>
       </p:sp>
@@ -8923,6 +8917,13 @@
   <p:clrMapOvr>
     <a:masterClrMapping/>
   </p:clrMapOvr>
+  <p:timing>
+    <p:tnLst>
+      <p:par>
+        <p:cTn id="1" dur="indefinite" restart="never" nodeType="tmRoot"/>
+      </p:par>
+    </p:tnLst>
+  </p:timing>
 </p:sld>
 </file>
 
@@ -8951,8 +8952,8 @@
         </p:nvSpPr>
         <p:spPr>
           <a:xfrm>
-            <a:off x="1268085" y="5263679"/>
-            <a:ext cx="8040425" cy="1194089"/>
+            <a:off x="5145175" y="5246289"/>
+            <a:ext cx="4742186" cy="773511"/>
           </a:xfrm>
           <a:prstGeom prst="rect">
             <a:avLst/>
@@ -8984,8 +8985,62 @@
           <a:bodyPr rtlCol="0" anchor="ctr"/>
           <a:lstStyle/>
           <a:p>
-            <a:pPr algn="ctr"/>
-            <a:endParaRPr lang="zh-CN" altLang="en-US"/>
+            <a:pPr marL="285750" lvl="0" indent="-285750">
+              <a:buFont typeface="Wingdings" panose="05000000000000000000" pitchFamily="2" charset="2"/>
+              <a:buChar char="Ø"/>
+            </a:pPr>
+            <a:r>
+              <a:rPr lang="en-US" altLang="zh-CN" sz="1400" b="1" dirty="0">
+                <a:solidFill>
+                  <a:prstClr val="black"/>
+                </a:solidFill>
+              </a:rPr>
+              <a:t>To Do:</a:t>
+            </a:r>
+          </a:p>
+          <a:p>
+            <a:pPr marL="342900" lvl="0" indent="-342900">
+              <a:buFontTx/>
+              <a:buAutoNum type="arabicPeriod"/>
+            </a:pPr>
+            <a:r>
+              <a:rPr lang="en-US" altLang="zh-CN" sz="1400" dirty="0">
+                <a:solidFill>
+                  <a:prstClr val="black"/>
+                </a:solidFill>
+              </a:rPr>
+              <a:t>Define </a:t>
+            </a:r>
+            <a:r>
+              <a:rPr lang="en-US" altLang="zh-CN" sz="1400" dirty="0" smtClean="0">
+                <a:solidFill>
+                  <a:prstClr val="black"/>
+                </a:solidFill>
+              </a:rPr>
+              <a:t>the “first </a:t>
+            </a:r>
+            <a:r>
+              <a:rPr lang="en-US" altLang="zh-CN" sz="1400" dirty="0">
+                <a:solidFill>
+                  <a:prstClr val="black"/>
+                </a:solidFill>
+              </a:rPr>
+              <a:t>render”</a:t>
+            </a:r>
+          </a:p>
+          <a:p>
+            <a:pPr marL="342900" lvl="0" indent="-342900">
+              <a:buFontTx/>
+              <a:buAutoNum type="arabicPeriod"/>
+            </a:pPr>
+            <a:r>
+              <a:rPr lang="en-US" altLang="zh-CN" sz="1400" dirty="0">
+                <a:solidFill>
+                  <a:prstClr val="black"/>
+                </a:solidFill>
+              </a:rPr>
+              <a:t>Web IDL for the lifecycle APIs</a:t>
+            </a:r>
           </a:p>
         </p:txBody>
       </p:sp>
@@ -9010,10 +9065,18 @@
           <a:lstStyle/>
           <a:p>
             <a:r>
+              <a:rPr lang="en-US" altLang="zh-CN" b="1" dirty="0" smtClean="0"/>
+              <a:t>MiniApp </a:t>
+            </a:r>
+            <a:r>
               <a:rPr lang="en-US" altLang="zh-CN" b="1" dirty="0"/>
-              <a:t>MiniApp Lifecycle</a:t>
-            </a:r>
-            <a:endParaRPr lang="zh-CN" altLang="en-US" b="1" dirty="0"/>
+              <a:t>Lifecycle </a:t>
+            </a:r>
+            <a:r>
+              <a:rPr lang="en-US" altLang="zh-CN" sz="1800" b="1" dirty="0" smtClean="0"/>
+              <a:t>(Normative)</a:t>
+            </a:r>
+            <a:endParaRPr lang="zh-CN" altLang="en-US" sz="1600" b="1" dirty="0"/>
           </a:p>
         </p:txBody>
       </p:sp>
@@ -9026,13 +9089,13 @@
           <p:nvPr/>
         </p:nvPicPr>
         <p:blipFill rotWithShape="1">
-          <a:blip r:embed="rId2"/>
+          <a:blip r:embed="rId3"/>
           <a:srcRect l="16978" t="8329" r="16929" b="10091"/>
           <a:stretch/>
         </p:blipFill>
         <p:spPr>
           <a:xfrm>
-            <a:off x="838200" y="1354676"/>
+            <a:off x="758231" y="1690175"/>
             <a:ext cx="3505200" cy="3674533"/>
           </a:xfrm>
           <a:prstGeom prst="rect">
@@ -9062,14 +9125,14 @@
           <a:lstStyle/>
           <a:p>
             <a:r>
-              <a:rPr lang="fr-FR" altLang="zh-CN" b="1" dirty="0">
-                <a:latin typeface="Arial" panose="020B0604020202020204" pitchFamily="34" charset="0"/>
-              </a:rPr>
-              <a:t>MiniApp page lifecycle APIs:</a:t>
-            </a:r>
-            <a:endParaRPr lang="zh-CN" altLang="en-US" b="1" dirty="0">
-              <a:latin typeface="Arial" panose="020B0604020202020204" pitchFamily="34" charset="0"/>
-            </a:endParaRPr>
+              <a:rPr lang="fr-FR" altLang="zh-CN" b="1" dirty="0"/>
+              <a:t>MiniApp page </a:t>
+            </a:r>
+            <a:r>
+              <a:rPr lang="fr-FR" altLang="zh-CN" b="1" dirty="0" smtClean="0"/>
+              <a:t>lifecycle APIs:</a:t>
+            </a:r>
+            <a:endParaRPr lang="zh-CN" altLang="en-US" b="1" dirty="0"/>
           </a:p>
         </p:txBody>
       </p:sp>
@@ -9095,14 +9158,11 @@
           <a:lstStyle/>
           <a:p>
             <a:r>
-              <a:rPr lang="en-US" altLang="zh-CN" b="1" dirty="0">
-                <a:latin typeface="Arial" panose="020B0604020202020204" pitchFamily="34" charset="0"/>
-              </a:rPr>
+              <a:rPr lang="en-US" altLang="zh-CN" b="1" dirty="0" smtClean="0"/>
               <a:t>Global Application lifecycle  APIs:</a:t>
             </a:r>
             <a:endParaRPr lang="en-US" altLang="zh-CN" b="1" dirty="0">
               <a:effectLst/>
-              <a:latin typeface="Arial" panose="020B0604020202020204" pitchFamily="34" charset="0"/>
             </a:endParaRPr>
           </a:p>
         </p:txBody>
@@ -9140,7 +9200,6 @@
                 <a:solidFill>
                   <a:srgbClr val="000000"/>
                 </a:solidFill>
-                <a:latin typeface="Arial" panose="020B0604020202020204" pitchFamily="34" charset="0"/>
               </a:rPr>
               <a:t>onLoad</a:t>
             </a:r>
@@ -9149,19 +9208,38 @@
                 <a:solidFill>
                   <a:srgbClr val="000000"/>
                 </a:solidFill>
-                <a:latin typeface="Arial" panose="020B0604020202020204" pitchFamily="34" charset="0"/>
               </a:rPr>
               <a:t>(query: Object): </a:t>
             </a:r>
             <a:r>
+              <a:rPr lang="en-US" altLang="zh-CN" sz="1400" dirty="0" smtClean="0">
+                <a:solidFill>
+                  <a:srgbClr val="000000"/>
+                </a:solidFill>
+              </a:rPr>
+              <a:t>callback when the </a:t>
+            </a:r>
+            <a:r>
               <a:rPr lang="en-US" altLang="zh-CN" sz="1400" dirty="0">
                 <a:solidFill>
                   <a:srgbClr val="000000"/>
                 </a:solidFill>
-                <a:latin typeface="Arial" panose="020B0604020202020204" pitchFamily="34" charset="0"/>
-              </a:rPr>
-              <a:t>callback when the page is loaded.</a:t>
-            </a:r>
+              </a:rPr>
+              <a:t>page </a:t>
+            </a:r>
+            <a:r>
+              <a:rPr lang="en-US" altLang="zh-CN" sz="1400" dirty="0" smtClean="0">
+                <a:solidFill>
+                  <a:srgbClr val="000000"/>
+                </a:solidFill>
+              </a:rPr>
+              <a:t>is loaded.</a:t>
+            </a:r>
+            <a:endParaRPr lang="en-US" altLang="zh-CN" sz="1400" dirty="0">
+              <a:solidFill>
+                <a:srgbClr val="000000"/>
+              </a:solidFill>
+            </a:endParaRPr>
           </a:p>
           <a:p>
             <a:pPr>
@@ -9176,7 +9254,6 @@
                 <a:solidFill>
                   <a:srgbClr val="000000"/>
                 </a:solidFill>
-                <a:latin typeface="Arial" panose="020B0604020202020204" pitchFamily="34" charset="0"/>
               </a:rPr>
               <a:t>onReady</a:t>
             </a:r>
@@ -9185,7 +9262,6 @@
                 <a:solidFill>
                   <a:srgbClr val="000000"/>
                 </a:solidFill>
-                <a:latin typeface="Arial" panose="020B0604020202020204" pitchFamily="34" charset="0"/>
               </a:rPr>
               <a:t>(): </a:t>
             </a:r>
@@ -9194,9 +9270,24 @@
                 <a:solidFill>
                   <a:srgbClr val="000000"/>
                 </a:solidFill>
-                <a:latin typeface="Arial" panose="020B0604020202020204" pitchFamily="34" charset="0"/>
-              </a:rPr>
-              <a:t>callback after the page’s first rendering.</a:t>
+              </a:rPr>
+              <a:t>callback </a:t>
+            </a:r>
+            <a:r>
+              <a:rPr lang="en-US" altLang="zh-CN" sz="1400" dirty="0" smtClean="0">
+                <a:solidFill>
+                  <a:srgbClr val="000000"/>
+                </a:solidFill>
+              </a:rPr>
+              <a:t>after the </a:t>
+            </a:r>
+            <a:r>
+              <a:rPr lang="en-US" altLang="zh-CN" sz="1400" dirty="0">
+                <a:solidFill>
+                  <a:srgbClr val="000000"/>
+                </a:solidFill>
+              </a:rPr>
+              <a:t>page’s first rendering.</a:t>
             </a:r>
           </a:p>
           <a:p>
@@ -9208,11 +9299,10 @@
               <a:buChar char="•"/>
             </a:pPr>
             <a:r>
-              <a:rPr lang="en-US" altLang="zh-CN" sz="1400" b="1" dirty="0" err="1">
+              <a:rPr lang="en-US" altLang="zh-CN" sz="1400" b="1" dirty="0" err="1" smtClean="0">
                 <a:solidFill>
                   <a:srgbClr val="000000"/>
                 </a:solidFill>
-                <a:latin typeface="Arial" panose="020B0604020202020204" pitchFamily="34" charset="0"/>
               </a:rPr>
               <a:t>onShow</a:t>
             </a:r>
@@ -9221,18 +9311,40 @@
                 <a:solidFill>
                   <a:srgbClr val="000000"/>
                 </a:solidFill>
-                <a:latin typeface="Arial" panose="020B0604020202020204" pitchFamily="34" charset="0"/>
               </a:rPr>
               <a:t>(): </a:t>
             </a:r>
             <a:r>
+              <a:rPr lang="en-US" altLang="zh-CN" sz="1400" dirty="0" smtClean="0">
+                <a:solidFill>
+                  <a:srgbClr val="000000"/>
+                </a:solidFill>
+              </a:rPr>
+              <a:t>callback when switching </a:t>
+            </a:r>
+            <a:r>
               <a:rPr lang="en-US" altLang="zh-CN" sz="1400" dirty="0">
                 <a:solidFill>
                   <a:srgbClr val="000000"/>
                 </a:solidFill>
-                <a:latin typeface="Arial" panose="020B0604020202020204" pitchFamily="34" charset="0"/>
-              </a:rPr>
-              <a:t>callback when switching to foreground display.</a:t>
+              </a:rPr>
+              <a:t>to </a:t>
+            </a:r>
+            <a:r>
+              <a:rPr lang="en-US" altLang="zh-CN" sz="1400" dirty="0" smtClean="0">
+                <a:solidFill>
+                  <a:srgbClr val="000000"/>
+                </a:solidFill>
+              </a:rPr>
+              <a:t>foreground display</a:t>
+            </a:r>
+            <a:r>
+              <a:rPr lang="en-US" altLang="zh-CN" sz="1400" dirty="0">
+                <a:solidFill>
+                  <a:srgbClr val="000000"/>
+                </a:solidFill>
+              </a:rPr>
+              <a:t>.</a:t>
             </a:r>
           </a:p>
           <a:p>
@@ -9244,11 +9356,10 @@
               <a:buChar char="•"/>
             </a:pPr>
             <a:r>
-              <a:rPr lang="en-US" altLang="zh-CN" sz="1400" b="1" dirty="0" err="1">
+              <a:rPr lang="en-US" altLang="zh-CN" sz="1400" b="1" dirty="0" err="1" smtClean="0">
                 <a:solidFill>
                   <a:srgbClr val="000000"/>
                 </a:solidFill>
-                <a:latin typeface="Arial" panose="020B0604020202020204" pitchFamily="34" charset="0"/>
               </a:rPr>
               <a:t>onHide</a:t>
             </a:r>
@@ -9257,18 +9368,40 @@
                 <a:solidFill>
                   <a:srgbClr val="000000"/>
                 </a:solidFill>
-                <a:latin typeface="Arial" panose="020B0604020202020204" pitchFamily="34" charset="0"/>
               </a:rPr>
               <a:t>(): </a:t>
             </a:r>
             <a:r>
+              <a:rPr lang="en-US" altLang="zh-CN" sz="1400" dirty="0" smtClean="0">
+                <a:solidFill>
+                  <a:srgbClr val="000000"/>
+                </a:solidFill>
+              </a:rPr>
+              <a:t>callback when switching </a:t>
+            </a:r>
+            <a:r>
               <a:rPr lang="en-US" altLang="zh-CN" sz="1400" dirty="0">
                 <a:solidFill>
                   <a:srgbClr val="000000"/>
                 </a:solidFill>
-                <a:latin typeface="Arial" panose="020B0604020202020204" pitchFamily="34" charset="0"/>
-              </a:rPr>
-              <a:t>callback when switching to the background.</a:t>
+              </a:rPr>
+              <a:t>to </a:t>
+            </a:r>
+            <a:r>
+              <a:rPr lang="en-US" altLang="zh-CN" sz="1400" dirty="0" smtClean="0">
+                <a:solidFill>
+                  <a:srgbClr val="000000"/>
+                </a:solidFill>
+              </a:rPr>
+              <a:t>the </a:t>
+            </a:r>
+            <a:r>
+              <a:rPr lang="en-US" altLang="zh-CN" sz="1400" dirty="0">
+                <a:solidFill>
+                  <a:srgbClr val="000000"/>
+                </a:solidFill>
+              </a:rPr>
+              <a:t>background.</a:t>
             </a:r>
           </a:p>
           <a:p>
@@ -9284,7 +9417,6 @@
                 <a:solidFill>
                   <a:srgbClr val="000000"/>
                 </a:solidFill>
-                <a:latin typeface="Arial" panose="020B0604020202020204" pitchFamily="34" charset="0"/>
               </a:rPr>
               <a:t>onUnload</a:t>
             </a:r>
@@ -9293,25 +9425,46 @@
                 <a:solidFill>
                   <a:srgbClr val="000000"/>
                 </a:solidFill>
-                <a:latin typeface="Arial" panose="020B0604020202020204" pitchFamily="34" charset="0"/>
               </a:rPr>
               <a:t>(): </a:t>
             </a:r>
             <a:r>
+              <a:rPr lang="en-US" altLang="zh-CN" sz="1400" dirty="0" smtClean="0">
+                <a:solidFill>
+                  <a:srgbClr val="000000"/>
+                </a:solidFill>
+              </a:rPr>
+              <a:t>callback when </a:t>
+            </a:r>
+            <a:r>
               <a:rPr lang="en-US" altLang="zh-CN" sz="1400" dirty="0">
                 <a:solidFill>
                   <a:srgbClr val="000000"/>
                 </a:solidFill>
-                <a:latin typeface="Arial" panose="020B0604020202020204" pitchFamily="34" charset="0"/>
-              </a:rPr>
-              <a:t>callback when destroying a MiniApp page.</a:t>
+              </a:rPr>
+              <a:t>destroying a</a:t>
+            </a:r>
+            <a:r>
+              <a:rPr lang="en-US" altLang="zh-CN" sz="1400" dirty="0" smtClean="0">
+                <a:solidFill>
+                  <a:srgbClr val="000000"/>
+                </a:solidFill>
+              </a:rPr>
+              <a:t> MiniApp </a:t>
+            </a:r>
+            <a:r>
+              <a:rPr lang="en-US" altLang="zh-CN" sz="1400" dirty="0">
+                <a:solidFill>
+                  <a:srgbClr val="000000"/>
+                </a:solidFill>
+              </a:rPr>
+              <a:t>page.</a:t>
             </a:r>
             <a:endParaRPr lang="en-US" altLang="zh-CN" sz="1400" b="0" i="0" dirty="0">
               <a:solidFill>
                 <a:srgbClr val="000000"/>
               </a:solidFill>
               <a:effectLst/>
-              <a:latin typeface="Arial" panose="020B0604020202020204" pitchFamily="34" charset="0"/>
             </a:endParaRPr>
           </a:p>
         </p:txBody>
@@ -9325,7 +9478,7 @@
         <p:spPr>
           <a:xfrm>
             <a:off x="5227064" y="1533441"/>
-            <a:ext cx="6697134" cy="1345048"/>
+            <a:ext cx="6697134" cy="1384995"/>
           </a:xfrm>
           <a:prstGeom prst="rect">
             <a:avLst/>
@@ -9349,7 +9502,6 @@
                 <a:solidFill>
                   <a:srgbClr val="000000"/>
                 </a:solidFill>
-                <a:latin typeface="Arial" panose="020B0604020202020204" pitchFamily="34" charset="0"/>
               </a:rPr>
               <a:t>onLaunch</a:t>
             </a:r>
@@ -9358,19 +9510,22 @@
                 <a:solidFill>
                   <a:srgbClr val="000000"/>
                 </a:solidFill>
-                <a:latin typeface="Arial" panose="020B0604020202020204" pitchFamily="34" charset="0"/>
               </a:rPr>
               <a:t>(object: Object): </a:t>
             </a:r>
             <a:r>
-              <a:rPr lang="en-US" altLang="zh-CN" sz="1400" dirty="0">
+              <a:rPr lang="en-US" altLang="zh-CN" sz="1400" dirty="0" smtClean="0">
                 <a:solidFill>
                   <a:srgbClr val="000000"/>
                 </a:solidFill>
-                <a:latin typeface="Arial" panose="020B0604020202020204" pitchFamily="34" charset="0"/>
               </a:rPr>
               <a:t>callback after first initialization.</a:t>
             </a:r>
+            <a:endParaRPr lang="en-US" altLang="zh-CN" sz="1400" dirty="0">
+              <a:solidFill>
+                <a:srgbClr val="000000"/>
+              </a:solidFill>
+            </a:endParaRPr>
           </a:p>
           <a:p>
             <a:pPr>
@@ -9381,31 +9536,60 @@
               <a:buChar char="•"/>
             </a:pPr>
             <a:r>
-              <a:rPr lang="en-US" altLang="zh-CN" sz="1400" b="1" dirty="0" err="1">
+              <a:rPr lang="en-US" altLang="zh-CN" sz="1400" b="1" dirty="0" err="1" smtClean="0">
                 <a:solidFill>
                   <a:srgbClr val="000000"/>
                 </a:solidFill>
-                <a:latin typeface="Arial" panose="020B0604020202020204" pitchFamily="34" charset="0"/>
               </a:rPr>
               <a:t>onShow</a:t>
             </a:r>
             <a:r>
+              <a:rPr lang="en-US" altLang="zh-CN" sz="1400" b="1" dirty="0" smtClean="0">
+                <a:solidFill>
+                  <a:srgbClr val="000000"/>
+                </a:solidFill>
+              </a:rPr>
+              <a:t>(object</a:t>
+            </a:r>
+            <a:r>
               <a:rPr lang="en-US" altLang="zh-CN" sz="1400" b="1" dirty="0">
                 <a:solidFill>
                   <a:srgbClr val="000000"/>
                 </a:solidFill>
-                <a:latin typeface="Arial" panose="020B0604020202020204" pitchFamily="34" charset="0"/>
-              </a:rPr>
-              <a:t>(object: Object): </a:t>
+              </a:rPr>
+              <a:t>: Object): </a:t>
+            </a:r>
+            <a:r>
+              <a:rPr lang="en-US" altLang="zh-CN" sz="1400" dirty="0" smtClean="0">
+                <a:solidFill>
+                  <a:srgbClr val="000000"/>
+                </a:solidFill>
+              </a:rPr>
+              <a:t>callback when </a:t>
             </a:r>
             <a:r>
               <a:rPr lang="en-US" altLang="zh-CN" sz="1400" dirty="0">
                 <a:solidFill>
                   <a:srgbClr val="000000"/>
                 </a:solidFill>
-                <a:latin typeface="Arial" panose="020B0604020202020204" pitchFamily="34" charset="0"/>
-              </a:rPr>
-              <a:t>callback when switching to foreground display.</a:t>
+              </a:rPr>
+              <a:t>switching to </a:t>
+            </a:r>
+            <a:r>
+              <a:rPr lang="en-US" altLang="zh-CN" sz="1400" dirty="0" smtClean="0">
+                <a:solidFill>
+                  <a:srgbClr val="000000"/>
+                </a:solidFill>
+              </a:rPr>
+              <a:t>foreground </a:t>
+            </a:r>
+            <a:r>
+              <a:rPr lang="en-US" altLang="zh-CN" sz="1400" dirty="0">
+                <a:solidFill>
+                  <a:srgbClr val="000000"/>
+                </a:solidFill>
+              </a:rPr>
+              <a:t>display.</a:t>
             </a:r>
           </a:p>
           <a:p>
@@ -9417,11 +9601,10 @@
               <a:buChar char="•"/>
             </a:pPr>
             <a:r>
-              <a:rPr lang="en-US" altLang="zh-CN" sz="1400" b="1" dirty="0" err="1">
+              <a:rPr lang="en-US" altLang="zh-CN" sz="1400" b="1" dirty="0" err="1" smtClean="0">
                 <a:solidFill>
                   <a:srgbClr val="000000"/>
                 </a:solidFill>
-                <a:latin typeface="Arial" panose="020B0604020202020204" pitchFamily="34" charset="0"/>
               </a:rPr>
               <a:t>onHide</a:t>
             </a:r>
@@ -9430,18 +9613,40 @@
                 <a:solidFill>
                   <a:srgbClr val="000000"/>
                 </a:solidFill>
-                <a:latin typeface="Arial" panose="020B0604020202020204" pitchFamily="34" charset="0"/>
               </a:rPr>
               <a:t>(): </a:t>
             </a:r>
             <a:r>
+              <a:rPr lang="en-US" altLang="zh-CN" sz="1400" dirty="0" smtClean="0">
+                <a:solidFill>
+                  <a:srgbClr val="000000"/>
+                </a:solidFill>
+              </a:rPr>
+              <a:t>callback when switching </a:t>
+            </a:r>
+            <a:r>
               <a:rPr lang="en-US" altLang="zh-CN" sz="1400" dirty="0">
                 <a:solidFill>
                   <a:srgbClr val="000000"/>
                 </a:solidFill>
-                <a:latin typeface="Arial" panose="020B0604020202020204" pitchFamily="34" charset="0"/>
-              </a:rPr>
-              <a:t>callback when switching to the background.</a:t>
+              </a:rPr>
+              <a:t>to </a:t>
+            </a:r>
+            <a:r>
+              <a:rPr lang="en-US" altLang="zh-CN" sz="1400" dirty="0" smtClean="0">
+                <a:solidFill>
+                  <a:srgbClr val="000000"/>
+                </a:solidFill>
+              </a:rPr>
+              <a:t>the </a:t>
+            </a:r>
+            <a:r>
+              <a:rPr lang="en-US" altLang="zh-CN" sz="1400" dirty="0">
+                <a:solidFill>
+                  <a:srgbClr val="000000"/>
+                </a:solidFill>
+              </a:rPr>
+              <a:t>background.</a:t>
             </a:r>
           </a:p>
           <a:p>
@@ -9457,7 +9662,6 @@
                 <a:solidFill>
                   <a:srgbClr val="000000"/>
                 </a:solidFill>
-                <a:latin typeface="Arial" panose="020B0604020202020204" pitchFamily="34" charset="0"/>
               </a:rPr>
               <a:t>onError</a:t>
             </a:r>
@@ -9466,25 +9670,30 @@
                 <a:solidFill>
                   <a:srgbClr val="000000"/>
                 </a:solidFill>
-                <a:latin typeface="Arial" panose="020B0604020202020204" pitchFamily="34" charset="0"/>
               </a:rPr>
               <a:t>(error: String): </a:t>
             </a:r>
             <a:r>
+              <a:rPr lang="en-US" altLang="zh-CN" sz="1400" dirty="0" smtClean="0">
+                <a:solidFill>
+                  <a:srgbClr val="000000"/>
+                </a:solidFill>
+              </a:rPr>
+              <a:t>callback </a:t>
+            </a:r>
+            <a:r>
               <a:rPr lang="en-US" altLang="zh-CN" sz="1400" dirty="0">
                 <a:solidFill>
                   <a:srgbClr val="000000"/>
                 </a:solidFill>
-                <a:latin typeface="Arial" panose="020B0604020202020204" pitchFamily="34" charset="0"/>
-              </a:rPr>
-              <a:t>callback of MiniApp error.</a:t>
+              </a:rPr>
+              <a:t>of MiniApp error.</a:t>
             </a:r>
             <a:endParaRPr lang="en-US" altLang="zh-CN" sz="1400" b="0" i="0" dirty="0">
               <a:solidFill>
                 <a:srgbClr val="000000"/>
               </a:solidFill>
               <a:effectLst/>
-              <a:latin typeface="Arial" panose="020B0604020202020204" pitchFamily="34" charset="0"/>
             </a:endParaRPr>
           </a:p>
         </p:txBody>
@@ -9497,7 +9706,7 @@
         </p:nvSpPr>
         <p:spPr>
           <a:xfrm>
-            <a:off x="3300707" y="2427590"/>
+            <a:off x="3220738" y="2763089"/>
             <a:ext cx="1017293" cy="2361014"/>
           </a:xfrm>
           <a:prstGeom prst="rect">
@@ -9543,7 +9752,7 @@
         </p:nvSpPr>
         <p:spPr>
           <a:xfrm>
-            <a:off x="3300707" y="1817990"/>
+            <a:off x="3220738" y="2153489"/>
             <a:ext cx="1017293" cy="540681"/>
           </a:xfrm>
           <a:prstGeom prst="rect">
@@ -9595,6 +9804,7 @@
           <a:prstGeom prst="leftBrace">
             <a:avLst/>
           </a:prstGeom>
+          <a:ln w="12700"/>
         </p:spPr>
         <p:style>
           <a:lnRef idx="1">
@@ -9633,6 +9843,7 @@
           <a:prstGeom prst="leftBrace">
             <a:avLst/>
           </a:prstGeom>
+          <a:ln w="12700"/>
         </p:spPr>
         <p:style>
           <a:lnRef idx="1">
@@ -9668,13 +9879,14 @@
         </p:nvCxnSpPr>
         <p:spPr>
           <a:xfrm flipV="1">
-            <a:off x="4318000" y="2052460"/>
-            <a:ext cx="708069" cy="35871"/>
+            <a:off x="4238031" y="2052460"/>
+            <a:ext cx="788038" cy="371370"/>
           </a:xfrm>
           <a:prstGeom prst="straightConnector1">
             <a:avLst/>
           </a:prstGeom>
-          <a:ln>
+          <a:ln w="12700">
+            <a:prstDash val="lgDash"/>
             <a:tailEnd type="triangle"/>
           </a:ln>
         </p:spPr>
@@ -9704,13 +9916,14 @@
         </p:nvCxnSpPr>
         <p:spPr>
           <a:xfrm>
-            <a:off x="4318000" y="3608097"/>
-            <a:ext cx="711201" cy="460144"/>
+            <a:off x="4238031" y="3943596"/>
+            <a:ext cx="791170" cy="124645"/>
           </a:xfrm>
           <a:prstGeom prst="straightConnector1">
             <a:avLst/>
           </a:prstGeom>
-          <a:ln>
+          <a:ln w="12700">
+            <a:prstDash val="lgDash"/>
             <a:tailEnd type="triangle"/>
           </a:ln>
         </p:spPr>
@@ -9729,69 +9942,23 @@
           </a:fontRef>
         </p:style>
       </p:cxnSp>
-      <p:sp>
-        <p:nvSpPr>
-          <p:cNvPr id="29" name="文本框 28"/>
-          <p:cNvSpPr txBox="1"/>
-          <p:nvPr/>
-        </p:nvSpPr>
-        <p:spPr>
-          <a:xfrm>
-            <a:off x="1352179" y="5445219"/>
-            <a:ext cx="6665754" cy="830997"/>
-          </a:xfrm>
-          <a:prstGeom prst="rect">
-            <a:avLst/>
-          </a:prstGeom>
-          <a:noFill/>
-        </p:spPr>
-        <p:txBody>
-          <a:bodyPr wrap="square" rtlCol="0">
-            <a:spAutoFit/>
-          </a:bodyPr>
-          <a:lstStyle/>
-          <a:p>
-            <a:pPr marL="285750" indent="-285750">
-              <a:buFont typeface="Wingdings" panose="05000000000000000000" pitchFamily="2" charset="2"/>
-              <a:buChar char="Ø"/>
-            </a:pPr>
-            <a:r>
-              <a:rPr lang="en-US" altLang="zh-CN" sz="1600" b="1" dirty="0"/>
-              <a:t>To Do:</a:t>
-            </a:r>
-          </a:p>
-          <a:p>
-            <a:pPr marL="342900" indent="-342900">
-              <a:buFontTx/>
-              <a:buAutoNum type="arabicPeriod"/>
-            </a:pPr>
-            <a:r>
-              <a:rPr lang="en-US" altLang="zh-CN" sz="1600" dirty="0"/>
-              <a:t>Define "first render"</a:t>
-            </a:r>
-          </a:p>
-          <a:p>
-            <a:pPr marL="342900" indent="-342900">
-              <a:buFontTx/>
-              <a:buAutoNum type="arabicPeriod"/>
-            </a:pPr>
-            <a:r>
-              <a:rPr lang="en-US" altLang="zh-CN" sz="1600" dirty="0"/>
-              <a:t>Web IDL for the Lifecycle API</a:t>
-            </a:r>
-          </a:p>
-        </p:txBody>
-      </p:sp>
     </p:spTree>
     <p:extLst>
       <p:ext uri="{BB962C8B-B14F-4D97-AF65-F5344CB8AC3E}">
-        <p14:creationId xmlns:p14="http://schemas.microsoft.com/office/powerpoint/2010/main" val="4159241125"/>
+        <p14:creationId xmlns:p14="http://schemas.microsoft.com/office/powerpoint/2010/main" val="2666003831"/>
       </p:ext>
     </p:extLst>
   </p:cSld>
   <p:clrMapOvr>
     <a:masterClrMapping/>
   </p:clrMapOvr>
+  <p:timing>
+    <p:tnLst>
+      <p:par>
+        <p:cTn id="1" dur="indefinite" restart="never" nodeType="tmRoot"/>
+      </p:par>
+    </p:tnLst>
+  </p:timing>
 </p:sld>
 </file>
 
@@ -9828,10 +9995,18 @@
           <a:lstStyle/>
           <a:p>
             <a:r>
-              <a:rPr lang="en-US" altLang="zh-CN" b="1" dirty="0"/>
-              <a:t>MiniApp Addressing</a:t>
-            </a:r>
-            <a:endParaRPr lang="zh-CN" altLang="en-US" b="1" dirty="0"/>
+              <a:rPr lang="en-US" altLang="zh-CN" b="1" dirty="0" smtClean="0"/>
+              <a:t>MiniApp </a:t>
+            </a:r>
+            <a:r>
+              <a:rPr lang="en-US" altLang="zh-CN" b="1" dirty="0" smtClean="0"/>
+              <a:t>Addressing </a:t>
+            </a:r>
+            <a:r>
+              <a:rPr lang="en-US" altLang="zh-CN" sz="1800" b="1" dirty="0" smtClean="0"/>
+              <a:t>(WG Note)</a:t>
+            </a:r>
+            <a:endParaRPr lang="zh-CN" altLang="en-US" sz="1800" b="1" dirty="0"/>
           </a:p>
         </p:txBody>
       </p:sp>
@@ -9882,8 +10057,8 @@
         </p:blipFill>
         <p:spPr>
           <a:xfrm>
-            <a:off x="681395" y="3537949"/>
-            <a:ext cx="5769440" cy="1990785"/>
+            <a:off x="681395" y="3385547"/>
+            <a:ext cx="5414605" cy="1990785"/>
           </a:xfrm>
           <a:prstGeom prst="rect">
             <a:avLst/>
@@ -9898,7 +10073,7 @@
         </p:nvSpPr>
         <p:spPr>
           <a:xfrm>
-            <a:off x="6756401" y="2373959"/>
+            <a:off x="6578601" y="3284390"/>
             <a:ext cx="355600" cy="345252"/>
           </a:xfrm>
           <a:prstGeom prst="rightArrow">
@@ -9953,16 +10128,20 @@
           <a:lstStyle/>
           <a:p>
             <a:r>
-              <a:rPr lang="en-US" altLang="zh-CN" b="1" dirty="0"/>
+              <a:rPr lang="en-US" altLang="zh-CN" b="1" dirty="0" smtClean="0"/>
               <a:t>Previous Work (‘</a:t>
             </a:r>
             <a:r>
-              <a:rPr lang="en-US" altLang="zh-CN" b="1" dirty="0" err="1"/>
+              <a:rPr lang="en-US" altLang="zh-CN" b="1" dirty="0" err="1" smtClean="0"/>
               <a:t>miniapp</a:t>
             </a:r>
             <a:r>
-              <a:rPr lang="en-US" altLang="zh-CN" b="1" dirty="0"/>
-              <a:t>’ scheme):</a:t>
+              <a:rPr lang="en-US" altLang="zh-CN" b="1" dirty="0" smtClean="0"/>
+              <a:t>://’ </a:t>
+            </a:r>
+            <a:r>
+              <a:rPr lang="en-US" altLang="zh-CN" b="1" dirty="0" smtClean="0"/>
+              <a:t>scheme):</a:t>
             </a:r>
             <a:endParaRPr lang="zh-CN" altLang="en-US" b="1" dirty="0"/>
           </a:p>
@@ -9976,7 +10155,7 @@
         </p:nvSpPr>
         <p:spPr>
           <a:xfrm>
-            <a:off x="7873999" y="1551368"/>
+            <a:off x="7196665" y="1551368"/>
             <a:ext cx="3810001" cy="369332"/>
           </a:xfrm>
           <a:prstGeom prst="rect">
@@ -9991,7 +10170,7 @@
           <a:lstStyle/>
           <a:p>
             <a:r>
-              <a:rPr lang="en-US" altLang="zh-CN" b="1" dirty="0"/>
+              <a:rPr lang="en-US" altLang="zh-CN" b="1" dirty="0" smtClean="0"/>
               <a:t>To Be (HTTP(s) scheme/deep-linking):</a:t>
             </a:r>
             <a:endParaRPr lang="zh-CN" altLang="en-US" b="1" dirty="0"/>
@@ -10006,8 +10185,8 @@
         </p:nvSpPr>
         <p:spPr>
           <a:xfrm>
-            <a:off x="7569201" y="3106943"/>
-            <a:ext cx="4114799" cy="2421792"/>
+            <a:off x="7264399" y="2323646"/>
+            <a:ext cx="3732400" cy="2123801"/>
           </a:xfrm>
           <a:prstGeom prst="rect">
             <a:avLst/>
@@ -10039,155 +10218,73 @@
           <a:bodyPr rtlCol="0" anchor="ctr"/>
           <a:lstStyle/>
           <a:p>
-            <a:pPr algn="ctr"/>
-            <a:endParaRPr lang="zh-CN" altLang="en-US"/>
-          </a:p>
-        </p:txBody>
-      </p:sp>
-      <p:sp>
-        <p:nvSpPr>
-          <p:cNvPr id="12" name="文本框 11"/>
-          <p:cNvSpPr txBox="1"/>
-          <p:nvPr/>
-        </p:nvSpPr>
-        <p:spPr>
-          <a:xfrm>
-            <a:off x="8003418" y="3321556"/>
-            <a:ext cx="3490896" cy="1900777"/>
-          </a:xfrm>
-          <a:prstGeom prst="rect">
-            <a:avLst/>
-          </a:prstGeom>
-          <a:noFill/>
-        </p:spPr>
-        <p:txBody>
-          <a:bodyPr wrap="square" rtlCol="0">
-            <a:spAutoFit/>
-          </a:bodyPr>
-          <a:lstStyle/>
-          <a:p>
-            <a:pPr marL="285750" indent="-285750">
-              <a:lnSpc>
-                <a:spcPct val="150000"/>
-              </a:lnSpc>
+            <a:pPr marL="285750" lvl="0" indent="-285750">
               <a:buFont typeface="Wingdings" panose="05000000000000000000" pitchFamily="2" charset="2"/>
               <a:buChar char="Ø"/>
             </a:pPr>
             <a:r>
-              <a:rPr lang="en-US" altLang="zh-CN" sz="1600" b="1" dirty="0"/>
+              <a:rPr lang="en-US" altLang="zh-CN" sz="1600" b="1" dirty="0">
+                <a:solidFill>
+                  <a:prstClr val="black"/>
+                </a:solidFill>
+              </a:rPr>
               <a:t>To Do:</a:t>
             </a:r>
           </a:p>
           <a:p>
-            <a:pPr marL="342900" indent="-342900">
-              <a:lnSpc>
-                <a:spcPct val="150000"/>
-              </a:lnSpc>
+            <a:pPr marL="342900" lvl="0" indent="-342900">
+              <a:buFontTx/>
               <a:buAutoNum type="arabicPeriod"/>
             </a:pPr>
             <a:r>
-              <a:rPr lang="en-US" altLang="zh-CN" sz="1600" dirty="0"/>
-              <a:t>Practice</a:t>
-            </a:r>
-            <a:r>
-              <a:rPr lang="zh-CN" altLang="en-US" sz="1600" dirty="0"/>
-              <a:t> </a:t>
-            </a:r>
-            <a:r>
-              <a:rPr lang="en-US" altLang="zh-CN" sz="1600" dirty="0"/>
-              <a:t>experience</a:t>
-            </a:r>
-            <a:r>
-              <a:rPr lang="zh-CN" altLang="en-US" sz="1600" dirty="0"/>
-              <a:t> </a:t>
-            </a:r>
-            <a:r>
-              <a:rPr lang="en-US" altLang="zh-CN" sz="1600" dirty="0"/>
-              <a:t>of</a:t>
-            </a:r>
-            <a:r>
-              <a:rPr lang="zh-CN" altLang="en-US" sz="1600" dirty="0"/>
-              <a:t> </a:t>
-            </a:r>
-            <a:r>
-              <a:rPr lang="en-US" altLang="zh-CN" sz="1600" dirty="0"/>
-              <a:t>deep-linking</a:t>
-            </a:r>
-          </a:p>
-          <a:p>
-            <a:pPr marL="342900" indent="-342900">
-              <a:lnSpc>
-                <a:spcPct val="150000"/>
-              </a:lnSpc>
+              <a:rPr lang="en-US" altLang="zh-CN" sz="1600" dirty="0">
+                <a:solidFill>
+                  <a:prstClr val="black"/>
+                </a:solidFill>
+              </a:rPr>
+              <a:t>Practice experience of deep-linking</a:t>
+            </a:r>
+          </a:p>
+          <a:p>
+            <a:pPr marL="342900" lvl="0" indent="-342900">
+              <a:buFontTx/>
               <a:buAutoNum type="arabicPeriod"/>
             </a:pPr>
             <a:r>
-              <a:rPr lang="en-US" altLang="zh-CN" sz="1600" dirty="0"/>
-              <a:t>Standardize</a:t>
-            </a:r>
-            <a:r>
-              <a:rPr lang="zh-CN" altLang="en-US" sz="1600" dirty="0"/>
-              <a:t> </a:t>
-            </a:r>
-            <a:r>
-              <a:rPr lang="en-US" altLang="zh-CN" sz="1600" dirty="0"/>
-              <a:t>syntax</a:t>
-            </a:r>
-            <a:r>
-              <a:rPr lang="zh-CN" altLang="en-US" sz="1600" dirty="0"/>
-              <a:t> </a:t>
-            </a:r>
-            <a:r>
-              <a:rPr lang="en-US" altLang="zh-CN" sz="1600" dirty="0"/>
-              <a:t>component</a:t>
-            </a:r>
-          </a:p>
-          <a:p>
-            <a:pPr marL="342900" indent="-342900">
-              <a:lnSpc>
-                <a:spcPct val="150000"/>
-              </a:lnSpc>
+              <a:rPr lang="en-US" altLang="zh-CN" sz="1600" dirty="0">
+                <a:solidFill>
+                  <a:prstClr val="black"/>
+                </a:solidFill>
+              </a:rPr>
+              <a:t>Standard syntax component</a:t>
+            </a:r>
+          </a:p>
+          <a:p>
+            <a:pPr marL="342900" lvl="0" indent="-342900">
+              <a:buFontTx/>
               <a:buAutoNum type="arabicPeriod"/>
             </a:pPr>
             <a:r>
-              <a:rPr lang="en-US" altLang="zh-CN" sz="1600" dirty="0"/>
-              <a:t>Dereference</a:t>
-            </a:r>
-            <a:r>
-              <a:rPr lang="zh-CN" altLang="en-US" sz="1600" dirty="0"/>
-              <a:t> </a:t>
-            </a:r>
-            <a:r>
-              <a:rPr lang="en-US" altLang="zh-CN" sz="1600" dirty="0"/>
-              <a:t>algorithm</a:t>
-            </a:r>
-          </a:p>
-          <a:p>
-            <a:pPr marL="342900" indent="-342900">
-              <a:lnSpc>
-                <a:spcPct val="150000"/>
-              </a:lnSpc>
+              <a:rPr lang="en-US" altLang="zh-CN" sz="1600" dirty="0">
+                <a:solidFill>
+                  <a:prstClr val="black"/>
+                </a:solidFill>
+              </a:rPr>
+              <a:t>Dereference algorithm</a:t>
+            </a:r>
+          </a:p>
+          <a:p>
+            <a:pPr marL="342900" lvl="0" indent="-342900">
+              <a:buFontTx/>
               <a:buAutoNum type="arabicPeriod"/>
             </a:pPr>
             <a:r>
-              <a:rPr lang="en-US" altLang="zh-CN" sz="1600" dirty="0"/>
-              <a:t>More</a:t>
-            </a:r>
-            <a:r>
-              <a:rPr lang="zh-CN" altLang="en-US" sz="1600" dirty="0"/>
-              <a:t> </a:t>
-            </a:r>
-            <a:r>
-              <a:rPr lang="en-US" altLang="zh-CN" sz="1600" dirty="0"/>
-              <a:t>security</a:t>
-            </a:r>
-            <a:r>
-              <a:rPr lang="zh-CN" altLang="en-US" sz="1600" dirty="0"/>
-              <a:t> </a:t>
-            </a:r>
-            <a:r>
-              <a:rPr lang="en-US" altLang="zh-CN" sz="1600" dirty="0"/>
-              <a:t>consideration</a:t>
+              <a:rPr lang="en-US" altLang="zh-CN" sz="1600" dirty="0">
+                <a:solidFill>
+                  <a:prstClr val="black"/>
+                </a:solidFill>
+              </a:rPr>
+              <a:t>More security consideration</a:t>
             </a:r>
           </a:p>
         </p:txBody>
@@ -10202,6 +10299,13 @@
   <p:clrMapOvr>
     <a:masterClrMapping/>
   </p:clrMapOvr>
+  <p:timing>
+    <p:tnLst>
+      <p:par>
+        <p:cTn id="1" dur="indefinite" restart="never" nodeType="tmRoot"/>
+      </p:par>
+    </p:tnLst>
+  </p:timing>
 </p:sld>
 </file>
 
